--- a/软件体系架构/第6讲.pptx
+++ b/软件体系架构/第6讲.pptx
@@ -149,7 +149,7 @@
   </p:defaultTextStyle>
   <p:extLst>
     <p:ext uri="{EFAFB233-063F-42B5-8137-9DF3F51BA10A}">
-      <p15:sldGuideLst xmlns:p15="http://schemas.microsoft.com/office/powerpoint/2012/main" xmlns=""/>
+      <p15:sldGuideLst xmlns="" xmlns:p15="http://schemas.microsoft.com/office/powerpoint/2012/main"/>
     </p:ext>
   </p:extLst>
 </p:presentation>
@@ -238,7 +238,7 @@
             <a:fld id="{60E276D1-F085-4E13-A3F8-2CD9E2B061F5}" type="datetimeFigureOut">
               <a:rPr lang="zh-CN" altLang="en-US" smtClean="0"/>
               <a:pPr/>
-              <a:t>2019/3/14</a:t>
+              <a:t>2019/3/13</a:t>
             </a:fld>
             <a:endParaRPr lang="zh-CN" altLang="en-US"/>
           </a:p>
@@ -406,7 +406,7 @@
     </p:spTree>
     <p:extLst>
       <p:ext uri="{BB962C8B-B14F-4D97-AF65-F5344CB8AC3E}">
-        <p14:creationId xmlns:p14="http://schemas.microsoft.com/office/powerpoint/2010/main" xmlns="" val="3889894163"/>
+        <p14:creationId xmlns="" xmlns:p14="http://schemas.microsoft.com/office/powerpoint/2010/main" val="3889894163"/>
       </p:ext>
     </p:extLst>
   </p:cSld>
@@ -528,7 +528,7 @@
           <p:cNvPr id="8194" name="Rectangle 7">
             <a:extLst>
               <a:ext uri="{FF2B5EF4-FFF2-40B4-BE49-F238E27FC236}">
-                <a16:creationId xmlns:a16="http://schemas.microsoft.com/office/drawing/2014/main" xmlns="" id="{9204F08F-A29F-4530-ACBA-CCB8ADF639E2}"/>
+                <a16:creationId xmlns="" xmlns:a16="http://schemas.microsoft.com/office/drawing/2014/main" id="{9204F08F-A29F-4530-ACBA-CCB8ADF639E2}"/>
               </a:ext>
             </a:extLst>
           </p:cNvPr>
@@ -544,14 +544,14 @@
           <a:ln/>
           <a:extLst>
             <a:ext uri="{909E8E84-426E-40DD-AFC4-6F175D3DCCD1}">
-              <a14:hiddenFill xmlns:a14="http://schemas.microsoft.com/office/drawing/2010/main" xmlns="">
+              <a14:hiddenFill xmlns="" xmlns:a14="http://schemas.microsoft.com/office/drawing/2010/main">
                 <a:solidFill>
                   <a:srgbClr val="FFFFFF"/>
                 </a:solidFill>
               </a14:hiddenFill>
             </a:ext>
             <a:ext uri="{91240B29-F687-4F45-9708-019B960494DF}">
-              <a14:hiddenLine xmlns:a14="http://schemas.microsoft.com/office/drawing/2010/main" xmlns="" w="9525">
+              <a14:hiddenLine xmlns="" xmlns:a14="http://schemas.microsoft.com/office/drawing/2010/main" w="9525">
                 <a:solidFill>
                   <a:srgbClr val="000000"/>
                 </a:solidFill>
@@ -745,7 +745,7 @@
           <p:cNvPr id="8195" name="Rectangle 2">
             <a:extLst>
               <a:ext uri="{FF2B5EF4-FFF2-40B4-BE49-F238E27FC236}">
-                <a16:creationId xmlns:a16="http://schemas.microsoft.com/office/drawing/2014/main" xmlns="" id="{A79031E7-3188-4ED8-A32A-1B352C62B44A}"/>
+                <a16:creationId xmlns="" xmlns:a16="http://schemas.microsoft.com/office/drawing/2014/main" id="{A79031E7-3188-4ED8-A32A-1B352C62B44A}"/>
               </a:ext>
             </a:extLst>
           </p:cNvPr>
@@ -765,7 +765,7 @@
           <p:cNvPr id="8196" name="Rectangle 3">
             <a:extLst>
               <a:ext uri="{FF2B5EF4-FFF2-40B4-BE49-F238E27FC236}">
-                <a16:creationId xmlns:a16="http://schemas.microsoft.com/office/drawing/2014/main" xmlns="" id="{984647CF-9323-4D77-988D-A0AA018F9127}"/>
+                <a16:creationId xmlns="" xmlns:a16="http://schemas.microsoft.com/office/drawing/2014/main" id="{984647CF-9323-4D77-988D-A0AA018F9127}"/>
               </a:ext>
             </a:extLst>
           </p:cNvPr>
@@ -781,14 +781,14 @@
           <a:ln/>
           <a:extLst>
             <a:ext uri="{909E8E84-426E-40DD-AFC4-6F175D3DCCD1}">
-              <a14:hiddenFill xmlns:a14="http://schemas.microsoft.com/office/drawing/2010/main" xmlns="">
+              <a14:hiddenFill xmlns="" xmlns:a14="http://schemas.microsoft.com/office/drawing/2010/main">
                 <a:solidFill>
                   <a:srgbClr val="FFFFFF"/>
                 </a:solidFill>
               </a14:hiddenFill>
             </a:ext>
             <a:ext uri="{91240B29-F687-4F45-9708-019B960494DF}">
-              <a14:hiddenLine xmlns:a14="http://schemas.microsoft.com/office/drawing/2010/main" xmlns="" w="9525">
+              <a14:hiddenLine xmlns="" xmlns:a14="http://schemas.microsoft.com/office/drawing/2010/main" w="9525">
                 <a:solidFill>
                   <a:srgbClr val="000000"/>
                 </a:solidFill>
@@ -840,7 +840,7 @@
           <p:cNvPr id="12290" name="Rectangle 7">
             <a:extLst>
               <a:ext uri="{FF2B5EF4-FFF2-40B4-BE49-F238E27FC236}">
-                <a16:creationId xmlns:a16="http://schemas.microsoft.com/office/drawing/2014/main" xmlns="" id="{2C458185-14B0-4874-B303-6B2CBED7AE98}"/>
+                <a16:creationId xmlns="" xmlns:a16="http://schemas.microsoft.com/office/drawing/2014/main" id="{2C458185-14B0-4874-B303-6B2CBED7AE98}"/>
               </a:ext>
             </a:extLst>
           </p:cNvPr>
@@ -856,14 +856,14 @@
           <a:ln/>
           <a:extLst>
             <a:ext uri="{909E8E84-426E-40DD-AFC4-6F175D3DCCD1}">
-              <a14:hiddenFill xmlns:a14="http://schemas.microsoft.com/office/drawing/2010/main" xmlns="">
+              <a14:hiddenFill xmlns="" xmlns:a14="http://schemas.microsoft.com/office/drawing/2010/main">
                 <a:solidFill>
                   <a:srgbClr val="FFFFFF"/>
                 </a:solidFill>
               </a14:hiddenFill>
             </a:ext>
             <a:ext uri="{91240B29-F687-4F45-9708-019B960494DF}">
-              <a14:hiddenLine xmlns:a14="http://schemas.microsoft.com/office/drawing/2010/main" xmlns="" w="9525">
+              <a14:hiddenLine xmlns="" xmlns:a14="http://schemas.microsoft.com/office/drawing/2010/main" w="9525">
                 <a:solidFill>
                   <a:srgbClr val="000000"/>
                 </a:solidFill>
@@ -1057,7 +1057,7 @@
           <p:cNvPr id="12291" name="Rectangle 2">
             <a:extLst>
               <a:ext uri="{FF2B5EF4-FFF2-40B4-BE49-F238E27FC236}">
-                <a16:creationId xmlns:a16="http://schemas.microsoft.com/office/drawing/2014/main" xmlns="" id="{6D9CC3FC-DD52-4E3B-9730-C480BCA1CFEB}"/>
+                <a16:creationId xmlns="" xmlns:a16="http://schemas.microsoft.com/office/drawing/2014/main" id="{6D9CC3FC-DD52-4E3B-9730-C480BCA1CFEB}"/>
               </a:ext>
             </a:extLst>
           </p:cNvPr>
@@ -1077,7 +1077,7 @@
           <p:cNvPr id="12292" name="Rectangle 3">
             <a:extLst>
               <a:ext uri="{FF2B5EF4-FFF2-40B4-BE49-F238E27FC236}">
-                <a16:creationId xmlns:a16="http://schemas.microsoft.com/office/drawing/2014/main" xmlns="" id="{3CC6A10C-30BD-47DD-B29B-682522B89272}"/>
+                <a16:creationId xmlns="" xmlns:a16="http://schemas.microsoft.com/office/drawing/2014/main" id="{3CC6A10C-30BD-47DD-B29B-682522B89272}"/>
               </a:ext>
             </a:extLst>
           </p:cNvPr>
@@ -1093,14 +1093,14 @@
           <a:ln/>
           <a:extLst>
             <a:ext uri="{909E8E84-426E-40DD-AFC4-6F175D3DCCD1}">
-              <a14:hiddenFill xmlns:a14="http://schemas.microsoft.com/office/drawing/2010/main" xmlns="">
+              <a14:hiddenFill xmlns="" xmlns:a14="http://schemas.microsoft.com/office/drawing/2010/main">
                 <a:solidFill>
                   <a:srgbClr val="FFFFFF"/>
                 </a:solidFill>
               </a14:hiddenFill>
             </a:ext>
             <a:ext uri="{91240B29-F687-4F45-9708-019B960494DF}">
-              <a14:hiddenLine xmlns:a14="http://schemas.microsoft.com/office/drawing/2010/main" xmlns="" w="9525">
+              <a14:hiddenLine xmlns="" xmlns:a14="http://schemas.microsoft.com/office/drawing/2010/main" w="9525">
                 <a:solidFill>
                   <a:srgbClr val="000000"/>
                 </a:solidFill>
@@ -1152,7 +1152,7 @@
           <p:cNvPr id="15362" name="Rectangle 7">
             <a:extLst>
               <a:ext uri="{FF2B5EF4-FFF2-40B4-BE49-F238E27FC236}">
-                <a16:creationId xmlns:a16="http://schemas.microsoft.com/office/drawing/2014/main" xmlns="" id="{2801F42A-352B-4F6E-A068-416D50C39241}"/>
+                <a16:creationId xmlns="" xmlns:a16="http://schemas.microsoft.com/office/drawing/2014/main" id="{2801F42A-352B-4F6E-A068-416D50C39241}"/>
               </a:ext>
             </a:extLst>
           </p:cNvPr>
@@ -1168,14 +1168,14 @@
           <a:ln/>
           <a:extLst>
             <a:ext uri="{909E8E84-426E-40DD-AFC4-6F175D3DCCD1}">
-              <a14:hiddenFill xmlns:a14="http://schemas.microsoft.com/office/drawing/2010/main" xmlns="">
+              <a14:hiddenFill xmlns="" xmlns:a14="http://schemas.microsoft.com/office/drawing/2010/main">
                 <a:solidFill>
                   <a:srgbClr val="FFFFFF"/>
                 </a:solidFill>
               </a14:hiddenFill>
             </a:ext>
             <a:ext uri="{91240B29-F687-4F45-9708-019B960494DF}">
-              <a14:hiddenLine xmlns:a14="http://schemas.microsoft.com/office/drawing/2010/main" xmlns="" w="9525">
+              <a14:hiddenLine xmlns="" xmlns:a14="http://schemas.microsoft.com/office/drawing/2010/main" w="9525">
                 <a:solidFill>
                   <a:srgbClr val="000000"/>
                 </a:solidFill>
@@ -1369,7 +1369,7 @@
           <p:cNvPr id="15363" name="Rectangle 2">
             <a:extLst>
               <a:ext uri="{FF2B5EF4-FFF2-40B4-BE49-F238E27FC236}">
-                <a16:creationId xmlns:a16="http://schemas.microsoft.com/office/drawing/2014/main" xmlns="" id="{817ADF6B-9D92-4C88-8733-00A309C22A6E}"/>
+                <a16:creationId xmlns="" xmlns:a16="http://schemas.microsoft.com/office/drawing/2014/main" id="{817ADF6B-9D92-4C88-8733-00A309C22A6E}"/>
               </a:ext>
             </a:extLst>
           </p:cNvPr>
@@ -1389,7 +1389,7 @@
           <p:cNvPr id="15364" name="Rectangle 3">
             <a:extLst>
               <a:ext uri="{FF2B5EF4-FFF2-40B4-BE49-F238E27FC236}">
-                <a16:creationId xmlns:a16="http://schemas.microsoft.com/office/drawing/2014/main" xmlns="" id="{42A97848-29E3-4E8B-B745-EA9D5BB191E7}"/>
+                <a16:creationId xmlns="" xmlns:a16="http://schemas.microsoft.com/office/drawing/2014/main" id="{42A97848-29E3-4E8B-B745-EA9D5BB191E7}"/>
               </a:ext>
             </a:extLst>
           </p:cNvPr>
@@ -1405,14 +1405,14 @@
           <a:ln/>
           <a:extLst>
             <a:ext uri="{909E8E84-426E-40DD-AFC4-6F175D3DCCD1}">
-              <a14:hiddenFill xmlns:a14="http://schemas.microsoft.com/office/drawing/2010/main" xmlns="">
+              <a14:hiddenFill xmlns="" xmlns:a14="http://schemas.microsoft.com/office/drawing/2010/main">
                 <a:solidFill>
                   <a:srgbClr val="FFFFFF"/>
                 </a:solidFill>
               </a14:hiddenFill>
             </a:ext>
             <a:ext uri="{91240B29-F687-4F45-9708-019B960494DF}">
-              <a14:hiddenLine xmlns:a14="http://schemas.microsoft.com/office/drawing/2010/main" xmlns="" w="9525">
+              <a14:hiddenLine xmlns="" xmlns:a14="http://schemas.microsoft.com/office/drawing/2010/main" w="9525">
                 <a:solidFill>
                   <a:srgbClr val="000000"/>
                 </a:solidFill>
@@ -1464,7 +1464,7 @@
           <p:cNvPr id="17410" name="Rectangle 7">
             <a:extLst>
               <a:ext uri="{FF2B5EF4-FFF2-40B4-BE49-F238E27FC236}">
-                <a16:creationId xmlns:a16="http://schemas.microsoft.com/office/drawing/2014/main" xmlns="" id="{1609DFAC-FFBB-4829-B7E0-A1BE0EE10474}"/>
+                <a16:creationId xmlns="" xmlns:a16="http://schemas.microsoft.com/office/drawing/2014/main" id="{1609DFAC-FFBB-4829-B7E0-A1BE0EE10474}"/>
               </a:ext>
             </a:extLst>
           </p:cNvPr>
@@ -1480,14 +1480,14 @@
           <a:ln/>
           <a:extLst>
             <a:ext uri="{909E8E84-426E-40DD-AFC4-6F175D3DCCD1}">
-              <a14:hiddenFill xmlns:a14="http://schemas.microsoft.com/office/drawing/2010/main" xmlns="">
+              <a14:hiddenFill xmlns="" xmlns:a14="http://schemas.microsoft.com/office/drawing/2010/main">
                 <a:solidFill>
                   <a:srgbClr val="FFFFFF"/>
                 </a:solidFill>
               </a14:hiddenFill>
             </a:ext>
             <a:ext uri="{91240B29-F687-4F45-9708-019B960494DF}">
-              <a14:hiddenLine xmlns:a14="http://schemas.microsoft.com/office/drawing/2010/main" xmlns="" w="9525">
+              <a14:hiddenLine xmlns="" xmlns:a14="http://schemas.microsoft.com/office/drawing/2010/main" w="9525">
                 <a:solidFill>
                   <a:srgbClr val="000000"/>
                 </a:solidFill>
@@ -1681,7 +1681,7 @@
           <p:cNvPr id="17411" name="Rectangle 2">
             <a:extLst>
               <a:ext uri="{FF2B5EF4-FFF2-40B4-BE49-F238E27FC236}">
-                <a16:creationId xmlns:a16="http://schemas.microsoft.com/office/drawing/2014/main" xmlns="" id="{7A6331FB-C847-4C71-8DCA-2DE1B7EE0EBC}"/>
+                <a16:creationId xmlns="" xmlns:a16="http://schemas.microsoft.com/office/drawing/2014/main" id="{7A6331FB-C847-4C71-8DCA-2DE1B7EE0EBC}"/>
               </a:ext>
             </a:extLst>
           </p:cNvPr>
@@ -1701,7 +1701,7 @@
           <p:cNvPr id="17412" name="Rectangle 3">
             <a:extLst>
               <a:ext uri="{FF2B5EF4-FFF2-40B4-BE49-F238E27FC236}">
-                <a16:creationId xmlns:a16="http://schemas.microsoft.com/office/drawing/2014/main" xmlns="" id="{17ABE4B2-AD14-4E52-901E-E1A801862B73}"/>
+                <a16:creationId xmlns="" xmlns:a16="http://schemas.microsoft.com/office/drawing/2014/main" id="{17ABE4B2-AD14-4E52-901E-E1A801862B73}"/>
               </a:ext>
             </a:extLst>
           </p:cNvPr>
@@ -1717,14 +1717,14 @@
           <a:ln/>
           <a:extLst>
             <a:ext uri="{909E8E84-426E-40DD-AFC4-6F175D3DCCD1}">
-              <a14:hiddenFill xmlns:a14="http://schemas.microsoft.com/office/drawing/2010/main" xmlns="">
+              <a14:hiddenFill xmlns="" xmlns:a14="http://schemas.microsoft.com/office/drawing/2010/main">
                 <a:solidFill>
                   <a:srgbClr val="FFFFFF"/>
                 </a:solidFill>
               </a14:hiddenFill>
             </a:ext>
             <a:ext uri="{91240B29-F687-4F45-9708-019B960494DF}">
-              <a14:hiddenLine xmlns:a14="http://schemas.microsoft.com/office/drawing/2010/main" xmlns="" w="9525">
+              <a14:hiddenLine xmlns="" xmlns:a14="http://schemas.microsoft.com/office/drawing/2010/main" w="9525">
                 <a:solidFill>
                   <a:srgbClr val="000000"/>
                 </a:solidFill>
@@ -1776,7 +1776,7 @@
           <p:cNvPr id="19458" name="Rectangle 7">
             <a:extLst>
               <a:ext uri="{FF2B5EF4-FFF2-40B4-BE49-F238E27FC236}">
-                <a16:creationId xmlns:a16="http://schemas.microsoft.com/office/drawing/2014/main" xmlns="" id="{F9E498E1-A59B-4744-81E2-13D5A320FF6F}"/>
+                <a16:creationId xmlns="" xmlns:a16="http://schemas.microsoft.com/office/drawing/2014/main" id="{F9E498E1-A59B-4744-81E2-13D5A320FF6F}"/>
               </a:ext>
             </a:extLst>
           </p:cNvPr>
@@ -1792,14 +1792,14 @@
           <a:ln/>
           <a:extLst>
             <a:ext uri="{909E8E84-426E-40DD-AFC4-6F175D3DCCD1}">
-              <a14:hiddenFill xmlns:a14="http://schemas.microsoft.com/office/drawing/2010/main" xmlns="">
+              <a14:hiddenFill xmlns="" xmlns:a14="http://schemas.microsoft.com/office/drawing/2010/main">
                 <a:solidFill>
                   <a:srgbClr val="FFFFFF"/>
                 </a:solidFill>
               </a14:hiddenFill>
             </a:ext>
             <a:ext uri="{91240B29-F687-4F45-9708-019B960494DF}">
-              <a14:hiddenLine xmlns:a14="http://schemas.microsoft.com/office/drawing/2010/main" xmlns="" w="9525">
+              <a14:hiddenLine xmlns="" xmlns:a14="http://schemas.microsoft.com/office/drawing/2010/main" w="9525">
                 <a:solidFill>
                   <a:srgbClr val="000000"/>
                 </a:solidFill>
@@ -1993,7 +1993,7 @@
           <p:cNvPr id="19459" name="Rectangle 2">
             <a:extLst>
               <a:ext uri="{FF2B5EF4-FFF2-40B4-BE49-F238E27FC236}">
-                <a16:creationId xmlns:a16="http://schemas.microsoft.com/office/drawing/2014/main" xmlns="" id="{17ED5E3E-B416-4826-9D60-CCBAE9AE4718}"/>
+                <a16:creationId xmlns="" xmlns:a16="http://schemas.microsoft.com/office/drawing/2014/main" id="{17ED5E3E-B416-4826-9D60-CCBAE9AE4718}"/>
               </a:ext>
             </a:extLst>
           </p:cNvPr>
@@ -2013,7 +2013,7 @@
           <p:cNvPr id="19460" name="Rectangle 3">
             <a:extLst>
               <a:ext uri="{FF2B5EF4-FFF2-40B4-BE49-F238E27FC236}">
-                <a16:creationId xmlns:a16="http://schemas.microsoft.com/office/drawing/2014/main" xmlns="" id="{BC6DB7BF-F490-4279-A575-E251188196DC}"/>
+                <a16:creationId xmlns="" xmlns:a16="http://schemas.microsoft.com/office/drawing/2014/main" id="{BC6DB7BF-F490-4279-A575-E251188196DC}"/>
               </a:ext>
             </a:extLst>
           </p:cNvPr>
@@ -2029,14 +2029,14 @@
           <a:ln/>
           <a:extLst>
             <a:ext uri="{909E8E84-426E-40DD-AFC4-6F175D3DCCD1}">
-              <a14:hiddenFill xmlns:a14="http://schemas.microsoft.com/office/drawing/2010/main" xmlns="">
+              <a14:hiddenFill xmlns="" xmlns:a14="http://schemas.microsoft.com/office/drawing/2010/main">
                 <a:solidFill>
                   <a:srgbClr val="FFFFFF"/>
                 </a:solidFill>
               </a14:hiddenFill>
             </a:ext>
             <a:ext uri="{91240B29-F687-4F45-9708-019B960494DF}">
-              <a14:hiddenLine xmlns:a14="http://schemas.microsoft.com/office/drawing/2010/main" xmlns="" w="9525">
+              <a14:hiddenLine xmlns="" xmlns:a14="http://schemas.microsoft.com/office/drawing/2010/main" w="9525">
                 <a:solidFill>
                   <a:srgbClr val="000000"/>
                 </a:solidFill>
@@ -2088,7 +2088,7 @@
           <p:cNvPr id="21506" name="Rectangle 7">
             <a:extLst>
               <a:ext uri="{FF2B5EF4-FFF2-40B4-BE49-F238E27FC236}">
-                <a16:creationId xmlns:a16="http://schemas.microsoft.com/office/drawing/2014/main" xmlns="" id="{12D05B37-4305-4ED2-AF50-C93D8CB6F7A1}"/>
+                <a16:creationId xmlns="" xmlns:a16="http://schemas.microsoft.com/office/drawing/2014/main" id="{12D05B37-4305-4ED2-AF50-C93D8CB6F7A1}"/>
               </a:ext>
             </a:extLst>
           </p:cNvPr>
@@ -2104,14 +2104,14 @@
           <a:ln/>
           <a:extLst>
             <a:ext uri="{909E8E84-426E-40DD-AFC4-6F175D3DCCD1}">
-              <a14:hiddenFill xmlns:a14="http://schemas.microsoft.com/office/drawing/2010/main" xmlns="">
+              <a14:hiddenFill xmlns="" xmlns:a14="http://schemas.microsoft.com/office/drawing/2010/main">
                 <a:solidFill>
                   <a:srgbClr val="FFFFFF"/>
                 </a:solidFill>
               </a14:hiddenFill>
             </a:ext>
             <a:ext uri="{91240B29-F687-4F45-9708-019B960494DF}">
-              <a14:hiddenLine xmlns:a14="http://schemas.microsoft.com/office/drawing/2010/main" xmlns="" w="9525">
+              <a14:hiddenLine xmlns="" xmlns:a14="http://schemas.microsoft.com/office/drawing/2010/main" w="9525">
                 <a:solidFill>
                   <a:srgbClr val="000000"/>
                 </a:solidFill>
@@ -2305,7 +2305,7 @@
           <p:cNvPr id="21507" name="Rectangle 2">
             <a:extLst>
               <a:ext uri="{FF2B5EF4-FFF2-40B4-BE49-F238E27FC236}">
-                <a16:creationId xmlns:a16="http://schemas.microsoft.com/office/drawing/2014/main" xmlns="" id="{65061539-1692-4AE3-9564-091D6CAB945D}"/>
+                <a16:creationId xmlns="" xmlns:a16="http://schemas.microsoft.com/office/drawing/2014/main" id="{65061539-1692-4AE3-9564-091D6CAB945D}"/>
               </a:ext>
             </a:extLst>
           </p:cNvPr>
@@ -2325,7 +2325,7 @@
           <p:cNvPr id="21508" name="Rectangle 3">
             <a:extLst>
               <a:ext uri="{FF2B5EF4-FFF2-40B4-BE49-F238E27FC236}">
-                <a16:creationId xmlns:a16="http://schemas.microsoft.com/office/drawing/2014/main" xmlns="" id="{EA857D0F-4202-4B10-90B5-C008CFF889E2}"/>
+                <a16:creationId xmlns="" xmlns:a16="http://schemas.microsoft.com/office/drawing/2014/main" id="{EA857D0F-4202-4B10-90B5-C008CFF889E2}"/>
               </a:ext>
             </a:extLst>
           </p:cNvPr>
@@ -2341,14 +2341,14 @@
           <a:ln/>
           <a:extLst>
             <a:ext uri="{909E8E84-426E-40DD-AFC4-6F175D3DCCD1}">
-              <a14:hiddenFill xmlns:a14="http://schemas.microsoft.com/office/drawing/2010/main" xmlns="">
+              <a14:hiddenFill xmlns="" xmlns:a14="http://schemas.microsoft.com/office/drawing/2010/main">
                 <a:solidFill>
                   <a:srgbClr val="FFFFFF"/>
                 </a:solidFill>
               </a14:hiddenFill>
             </a:ext>
             <a:ext uri="{91240B29-F687-4F45-9708-019B960494DF}">
-              <a14:hiddenLine xmlns:a14="http://schemas.microsoft.com/office/drawing/2010/main" xmlns="" w="9525">
+              <a14:hiddenLine xmlns="" xmlns:a14="http://schemas.microsoft.com/office/drawing/2010/main" w="9525">
                 <a:solidFill>
                   <a:srgbClr val="000000"/>
                 </a:solidFill>
@@ -2400,7 +2400,7 @@
           <p:cNvPr id="35842" name="Rectangle 7">
             <a:extLst>
               <a:ext uri="{FF2B5EF4-FFF2-40B4-BE49-F238E27FC236}">
-                <a16:creationId xmlns:a16="http://schemas.microsoft.com/office/drawing/2014/main" xmlns="" id="{B115FD76-3707-47B1-9CBD-02F0A058BB46}"/>
+                <a16:creationId xmlns="" xmlns:a16="http://schemas.microsoft.com/office/drawing/2014/main" id="{B115FD76-3707-47B1-9CBD-02F0A058BB46}"/>
               </a:ext>
             </a:extLst>
           </p:cNvPr>
@@ -2416,14 +2416,14 @@
           <a:ln/>
           <a:extLst>
             <a:ext uri="{909E8E84-426E-40DD-AFC4-6F175D3DCCD1}">
-              <a14:hiddenFill xmlns:a14="http://schemas.microsoft.com/office/drawing/2010/main" xmlns="">
+              <a14:hiddenFill xmlns="" xmlns:a14="http://schemas.microsoft.com/office/drawing/2010/main">
                 <a:solidFill>
                   <a:srgbClr val="FFFFFF"/>
                 </a:solidFill>
               </a14:hiddenFill>
             </a:ext>
             <a:ext uri="{91240B29-F687-4F45-9708-019B960494DF}">
-              <a14:hiddenLine xmlns:a14="http://schemas.microsoft.com/office/drawing/2010/main" xmlns="" w="9525">
+              <a14:hiddenLine xmlns="" xmlns:a14="http://schemas.microsoft.com/office/drawing/2010/main" w="9525">
                 <a:solidFill>
                   <a:srgbClr val="000000"/>
                 </a:solidFill>
@@ -2617,7 +2617,7 @@
           <p:cNvPr id="35843" name="Rectangle 2">
             <a:extLst>
               <a:ext uri="{FF2B5EF4-FFF2-40B4-BE49-F238E27FC236}">
-                <a16:creationId xmlns:a16="http://schemas.microsoft.com/office/drawing/2014/main" xmlns="" id="{21B8B3CD-C570-4F4C-A8AA-BB15A28745EA}"/>
+                <a16:creationId xmlns="" xmlns:a16="http://schemas.microsoft.com/office/drawing/2014/main" id="{21B8B3CD-C570-4F4C-A8AA-BB15A28745EA}"/>
               </a:ext>
             </a:extLst>
           </p:cNvPr>
@@ -2637,7 +2637,7 @@
           <p:cNvPr id="35844" name="Rectangle 3">
             <a:extLst>
               <a:ext uri="{FF2B5EF4-FFF2-40B4-BE49-F238E27FC236}">
-                <a16:creationId xmlns:a16="http://schemas.microsoft.com/office/drawing/2014/main" xmlns="" id="{FE2D81E8-2D44-409F-9D44-E1355ACDA80E}"/>
+                <a16:creationId xmlns="" xmlns:a16="http://schemas.microsoft.com/office/drawing/2014/main" id="{FE2D81E8-2D44-409F-9D44-E1355ACDA80E}"/>
               </a:ext>
             </a:extLst>
           </p:cNvPr>
@@ -2653,14 +2653,14 @@
           <a:ln/>
           <a:extLst>
             <a:ext uri="{909E8E84-426E-40DD-AFC4-6F175D3DCCD1}">
-              <a14:hiddenFill xmlns:a14="http://schemas.microsoft.com/office/drawing/2010/main" xmlns="">
+              <a14:hiddenFill xmlns="" xmlns:a14="http://schemas.microsoft.com/office/drawing/2010/main">
                 <a:solidFill>
                   <a:srgbClr val="FFFFFF"/>
                 </a:solidFill>
               </a14:hiddenFill>
             </a:ext>
             <a:ext uri="{91240B29-F687-4F45-9708-019B960494DF}">
-              <a14:hiddenLine xmlns:a14="http://schemas.microsoft.com/office/drawing/2010/main" xmlns="" w="9525">
+              <a14:hiddenLine xmlns="" xmlns:a14="http://schemas.microsoft.com/office/drawing/2010/main" w="9525">
                 <a:solidFill>
                   <a:srgbClr val="000000"/>
                 </a:solidFill>
@@ -2712,7 +2712,7 @@
           <p:cNvPr id="44034" name="Rectangle 7">
             <a:extLst>
               <a:ext uri="{FF2B5EF4-FFF2-40B4-BE49-F238E27FC236}">
-                <a16:creationId xmlns:a16="http://schemas.microsoft.com/office/drawing/2014/main" xmlns="" id="{23096DAE-5505-4781-B90F-E64CF76947DB}"/>
+                <a16:creationId xmlns="" xmlns:a16="http://schemas.microsoft.com/office/drawing/2014/main" id="{23096DAE-5505-4781-B90F-E64CF76947DB}"/>
               </a:ext>
             </a:extLst>
           </p:cNvPr>
@@ -2728,14 +2728,14 @@
           <a:ln/>
           <a:extLst>
             <a:ext uri="{909E8E84-426E-40DD-AFC4-6F175D3DCCD1}">
-              <a14:hiddenFill xmlns:a14="http://schemas.microsoft.com/office/drawing/2010/main" xmlns="">
+              <a14:hiddenFill xmlns="" xmlns:a14="http://schemas.microsoft.com/office/drawing/2010/main">
                 <a:solidFill>
                   <a:srgbClr val="FFFFFF"/>
                 </a:solidFill>
               </a14:hiddenFill>
             </a:ext>
             <a:ext uri="{91240B29-F687-4F45-9708-019B960494DF}">
-              <a14:hiddenLine xmlns:a14="http://schemas.microsoft.com/office/drawing/2010/main" xmlns="" w="9525">
+              <a14:hiddenLine xmlns="" xmlns:a14="http://schemas.microsoft.com/office/drawing/2010/main" w="9525">
                 <a:solidFill>
                   <a:srgbClr val="000000"/>
                 </a:solidFill>
@@ -2929,7 +2929,7 @@
           <p:cNvPr id="44035" name="Rectangle 2">
             <a:extLst>
               <a:ext uri="{FF2B5EF4-FFF2-40B4-BE49-F238E27FC236}">
-                <a16:creationId xmlns:a16="http://schemas.microsoft.com/office/drawing/2014/main" xmlns="" id="{4C64DA93-BEF4-4BED-83AE-18B0F14F5E78}"/>
+                <a16:creationId xmlns="" xmlns:a16="http://schemas.microsoft.com/office/drawing/2014/main" id="{4C64DA93-BEF4-4BED-83AE-18B0F14F5E78}"/>
               </a:ext>
             </a:extLst>
           </p:cNvPr>
@@ -2949,7 +2949,7 @@
           <p:cNvPr id="44036" name="Rectangle 3">
             <a:extLst>
               <a:ext uri="{FF2B5EF4-FFF2-40B4-BE49-F238E27FC236}">
-                <a16:creationId xmlns:a16="http://schemas.microsoft.com/office/drawing/2014/main" xmlns="" id="{AA2150E2-8EC4-497A-A15A-00913557AAF2}"/>
+                <a16:creationId xmlns="" xmlns:a16="http://schemas.microsoft.com/office/drawing/2014/main" id="{AA2150E2-8EC4-497A-A15A-00913557AAF2}"/>
               </a:ext>
             </a:extLst>
           </p:cNvPr>
@@ -2965,14 +2965,14 @@
           <a:ln/>
           <a:extLst>
             <a:ext uri="{909E8E84-426E-40DD-AFC4-6F175D3DCCD1}">
-              <a14:hiddenFill xmlns:a14="http://schemas.microsoft.com/office/drawing/2010/main" xmlns="">
+              <a14:hiddenFill xmlns="" xmlns:a14="http://schemas.microsoft.com/office/drawing/2010/main">
                 <a:solidFill>
                   <a:srgbClr val="FFFFFF"/>
                 </a:solidFill>
               </a14:hiddenFill>
             </a:ext>
             <a:ext uri="{91240B29-F687-4F45-9708-019B960494DF}">
-              <a14:hiddenLine xmlns:a14="http://schemas.microsoft.com/office/drawing/2010/main" xmlns="" w="9525">
+              <a14:hiddenLine xmlns="" xmlns:a14="http://schemas.microsoft.com/office/drawing/2010/main" w="9525">
                 <a:solidFill>
                   <a:srgbClr val="000000"/>
                 </a:solidFill>
@@ -3024,7 +3024,7 @@
           <p:cNvPr id="4" name="椭圆 3">
             <a:extLst>
               <a:ext uri="{FF2B5EF4-FFF2-40B4-BE49-F238E27FC236}">
-                <a16:creationId xmlns:a16="http://schemas.microsoft.com/office/drawing/2014/main" xmlns="" id="{9B0F2710-0B65-4EEF-AA0A-AC3F816D44FF}"/>
+                <a16:creationId xmlns="" xmlns:a16="http://schemas.microsoft.com/office/drawing/2014/main" id="{9B0F2710-0B65-4EEF-AA0A-AC3F816D44FF}"/>
               </a:ext>
             </a:extLst>
           </p:cNvPr>
@@ -3091,7 +3091,7 @@
           <p:cNvPr id="5" name="椭圆 4">
             <a:extLst>
               <a:ext uri="{FF2B5EF4-FFF2-40B4-BE49-F238E27FC236}">
-                <a16:creationId xmlns:a16="http://schemas.microsoft.com/office/drawing/2014/main" xmlns="" id="{F13A0882-274E-4EF0-A9D8-8522CC291C07}"/>
+                <a16:creationId xmlns="" xmlns:a16="http://schemas.microsoft.com/office/drawing/2014/main" id="{F13A0882-274E-4EF0-A9D8-8522CC291C07}"/>
               </a:ext>
             </a:extLst>
           </p:cNvPr>
@@ -3163,7 +3163,7 @@
           <p:cNvPr id="6" name="椭圆 5">
             <a:extLst>
               <a:ext uri="{FF2B5EF4-FFF2-40B4-BE49-F238E27FC236}">
-                <a16:creationId xmlns:a16="http://schemas.microsoft.com/office/drawing/2014/main" xmlns="" id="{5379807B-7FE2-483D-9630-A2416800F2C0}"/>
+                <a16:creationId xmlns="" xmlns:a16="http://schemas.microsoft.com/office/drawing/2014/main" id="{5379807B-7FE2-483D-9630-A2416800F2C0}"/>
               </a:ext>
             </a:extLst>
           </p:cNvPr>
@@ -3247,7 +3247,7 @@
           <p:cNvPr id="7" name="椭圆 6">
             <a:extLst>
               <a:ext uri="{FF2B5EF4-FFF2-40B4-BE49-F238E27FC236}">
-                <a16:creationId xmlns:a16="http://schemas.microsoft.com/office/drawing/2014/main" xmlns="" id="{F642ACD6-7392-46FA-A474-C6844FFAE1F7}"/>
+                <a16:creationId xmlns="" xmlns:a16="http://schemas.microsoft.com/office/drawing/2014/main" id="{F642ACD6-7392-46FA-A474-C6844FFAE1F7}"/>
               </a:ext>
             </a:extLst>
           </p:cNvPr>
@@ -3319,7 +3319,7 @@
           <p:cNvPr id="8" name="椭圆 7">
             <a:extLst>
               <a:ext uri="{FF2B5EF4-FFF2-40B4-BE49-F238E27FC236}">
-                <a16:creationId xmlns:a16="http://schemas.microsoft.com/office/drawing/2014/main" xmlns="" id="{9464913A-4198-4936-91A5-D22D372FE02C}"/>
+                <a16:creationId xmlns="" xmlns:a16="http://schemas.microsoft.com/office/drawing/2014/main" id="{9464913A-4198-4936-91A5-D22D372FE02C}"/>
               </a:ext>
             </a:extLst>
           </p:cNvPr>
@@ -3402,7 +3402,7 @@
           <p:cNvPr id="9" name="椭圆 8">
             <a:extLst>
               <a:ext uri="{FF2B5EF4-FFF2-40B4-BE49-F238E27FC236}">
-                <a16:creationId xmlns:a16="http://schemas.microsoft.com/office/drawing/2014/main" xmlns="" id="{18EAFA03-7713-48DD-9C9F-692270596662}"/>
+                <a16:creationId xmlns="" xmlns:a16="http://schemas.microsoft.com/office/drawing/2014/main" id="{18EAFA03-7713-48DD-9C9F-692270596662}"/>
               </a:ext>
             </a:extLst>
           </p:cNvPr>
@@ -3474,7 +3474,7 @@
           <p:cNvPr id="10" name="椭圆 9">
             <a:extLst>
               <a:ext uri="{FF2B5EF4-FFF2-40B4-BE49-F238E27FC236}">
-                <a16:creationId xmlns:a16="http://schemas.microsoft.com/office/drawing/2014/main" xmlns="" id="{84883585-928C-44A3-9151-8FB1D7053FF7}"/>
+                <a16:creationId xmlns="" xmlns:a16="http://schemas.microsoft.com/office/drawing/2014/main" id="{84883585-928C-44A3-9151-8FB1D7053FF7}"/>
               </a:ext>
             </a:extLst>
           </p:cNvPr>
@@ -3558,7 +3558,7 @@
           <p:cNvPr id="11" name="直接连接符 10">
             <a:extLst>
               <a:ext uri="{FF2B5EF4-FFF2-40B4-BE49-F238E27FC236}">
-                <a16:creationId xmlns:a16="http://schemas.microsoft.com/office/drawing/2014/main" xmlns="" id="{E26C5F0F-A73C-4E00-B28A-70E65F362272}"/>
+                <a16:creationId xmlns="" xmlns:a16="http://schemas.microsoft.com/office/drawing/2014/main" id="{E26C5F0F-A73C-4E00-B28A-70E65F362272}"/>
               </a:ext>
             </a:extLst>
           </p:cNvPr>
@@ -3711,7 +3711,7 @@
           <p:cNvPr id="12" name="Date Placeholder 3">
             <a:extLst>
               <a:ext uri="{FF2B5EF4-FFF2-40B4-BE49-F238E27FC236}">
-                <a16:creationId xmlns:a16="http://schemas.microsoft.com/office/drawing/2014/main" xmlns="" id="{FC587415-C1D0-431B-B1E4-F70A053D6A25}"/>
+                <a16:creationId xmlns="" xmlns:a16="http://schemas.microsoft.com/office/drawing/2014/main" id="{FC587415-C1D0-431B-B1E4-F70A053D6A25}"/>
               </a:ext>
             </a:extLst>
           </p:cNvPr>
@@ -3743,7 +3743,7 @@
           <p:cNvPr id="13" name="Footer Placeholder 4">
             <a:extLst>
               <a:ext uri="{FF2B5EF4-FFF2-40B4-BE49-F238E27FC236}">
-                <a16:creationId xmlns:a16="http://schemas.microsoft.com/office/drawing/2014/main" xmlns="" id="{F38D4DBB-E1F5-4C67-A07F-3A8F0ADC859A}"/>
+                <a16:creationId xmlns="" xmlns:a16="http://schemas.microsoft.com/office/drawing/2014/main" id="{F38D4DBB-E1F5-4C67-A07F-3A8F0ADC859A}"/>
               </a:ext>
             </a:extLst>
           </p:cNvPr>
@@ -3775,7 +3775,7 @@
           <p:cNvPr id="14" name="Slide Number Placeholder 5">
             <a:extLst>
               <a:ext uri="{FF2B5EF4-FFF2-40B4-BE49-F238E27FC236}">
-                <a16:creationId xmlns:a16="http://schemas.microsoft.com/office/drawing/2014/main" xmlns="" id="{9935F6F6-E347-45D3-BD31-5EFD732F18F8}"/>
+                <a16:creationId xmlns="" xmlns:a16="http://schemas.microsoft.com/office/drawing/2014/main" id="{9935F6F6-E347-45D3-BD31-5EFD732F18F8}"/>
               </a:ext>
             </a:extLst>
           </p:cNvPr>
@@ -3812,7 +3812,7 @@
     </p:spTree>
     <p:extLst>
       <p:ext uri="{BB962C8B-B14F-4D97-AF65-F5344CB8AC3E}">
-        <p14:creationId xmlns:p14="http://schemas.microsoft.com/office/powerpoint/2010/main" xmlns="" val="66098994"/>
+        <p14:creationId xmlns="" xmlns:p14="http://schemas.microsoft.com/office/powerpoint/2010/main" val="66098994"/>
       </p:ext>
     </p:extLst>
   </p:cSld>
@@ -3919,7 +3919,7 @@
           <p:cNvPr id="4" name="Date Placeholder 3">
             <a:extLst>
               <a:ext uri="{FF2B5EF4-FFF2-40B4-BE49-F238E27FC236}">
-                <a16:creationId xmlns:a16="http://schemas.microsoft.com/office/drawing/2014/main" xmlns="" id="{FAB9F314-3A78-49F5-80D4-6B8C29DBC9B9}"/>
+                <a16:creationId xmlns="" xmlns:a16="http://schemas.microsoft.com/office/drawing/2014/main" id="{FAB9F314-3A78-49F5-80D4-6B8C29DBC9B9}"/>
               </a:ext>
             </a:extLst>
           </p:cNvPr>
@@ -3951,7 +3951,7 @@
           <p:cNvPr id="5" name="Footer Placeholder 4">
             <a:extLst>
               <a:ext uri="{FF2B5EF4-FFF2-40B4-BE49-F238E27FC236}">
-                <a16:creationId xmlns:a16="http://schemas.microsoft.com/office/drawing/2014/main" xmlns="" id="{65BCFA30-648C-420A-825D-216A6DEB4E2E}"/>
+                <a16:creationId xmlns="" xmlns:a16="http://schemas.microsoft.com/office/drawing/2014/main" id="{65BCFA30-648C-420A-825D-216A6DEB4E2E}"/>
               </a:ext>
             </a:extLst>
           </p:cNvPr>
@@ -3983,7 +3983,7 @@
           <p:cNvPr id="6" name="Slide Number Placeholder 5">
             <a:extLst>
               <a:ext uri="{FF2B5EF4-FFF2-40B4-BE49-F238E27FC236}">
-                <a16:creationId xmlns:a16="http://schemas.microsoft.com/office/drawing/2014/main" xmlns="" id="{92127138-C4B8-4E2B-98B8-45B75E5CC0D8}"/>
+                <a16:creationId xmlns="" xmlns:a16="http://schemas.microsoft.com/office/drawing/2014/main" id="{92127138-C4B8-4E2B-98B8-45B75E5CC0D8}"/>
               </a:ext>
             </a:extLst>
           </p:cNvPr>
@@ -4020,7 +4020,7 @@
     </p:spTree>
     <p:extLst>
       <p:ext uri="{BB962C8B-B14F-4D97-AF65-F5344CB8AC3E}">
-        <p14:creationId xmlns:p14="http://schemas.microsoft.com/office/powerpoint/2010/main" xmlns="" val="1197641184"/>
+        <p14:creationId xmlns="" xmlns:p14="http://schemas.microsoft.com/office/powerpoint/2010/main" val="1197641184"/>
       </p:ext>
     </p:extLst>
   </p:cSld>
@@ -4137,7 +4137,7 @@
           <p:cNvPr id="4" name="Date Placeholder 3">
             <a:extLst>
               <a:ext uri="{FF2B5EF4-FFF2-40B4-BE49-F238E27FC236}">
-                <a16:creationId xmlns:a16="http://schemas.microsoft.com/office/drawing/2014/main" xmlns="" id="{0EF02599-D0D2-4DBA-A366-80157F053C07}"/>
+                <a16:creationId xmlns="" xmlns:a16="http://schemas.microsoft.com/office/drawing/2014/main" id="{0EF02599-D0D2-4DBA-A366-80157F053C07}"/>
               </a:ext>
             </a:extLst>
           </p:cNvPr>
@@ -4169,7 +4169,7 @@
           <p:cNvPr id="5" name="Footer Placeholder 4">
             <a:extLst>
               <a:ext uri="{FF2B5EF4-FFF2-40B4-BE49-F238E27FC236}">
-                <a16:creationId xmlns:a16="http://schemas.microsoft.com/office/drawing/2014/main" xmlns="" id="{B479AC9F-E9C1-4D07-8C9B-FD54CF07FBB9}"/>
+                <a16:creationId xmlns="" xmlns:a16="http://schemas.microsoft.com/office/drawing/2014/main" id="{B479AC9F-E9C1-4D07-8C9B-FD54CF07FBB9}"/>
               </a:ext>
             </a:extLst>
           </p:cNvPr>
@@ -4201,7 +4201,7 @@
           <p:cNvPr id="6" name="Slide Number Placeholder 5">
             <a:extLst>
               <a:ext uri="{FF2B5EF4-FFF2-40B4-BE49-F238E27FC236}">
-                <a16:creationId xmlns:a16="http://schemas.microsoft.com/office/drawing/2014/main" xmlns="" id="{0DAF4C07-02F4-48DD-B002-19F959D69AE3}"/>
+                <a16:creationId xmlns="" xmlns:a16="http://schemas.microsoft.com/office/drawing/2014/main" id="{0DAF4C07-02F4-48DD-B002-19F959D69AE3}"/>
               </a:ext>
             </a:extLst>
           </p:cNvPr>
@@ -4238,7 +4238,7 @@
     </p:spTree>
     <p:extLst>
       <p:ext uri="{BB962C8B-B14F-4D97-AF65-F5344CB8AC3E}">
-        <p14:creationId xmlns:p14="http://schemas.microsoft.com/office/powerpoint/2010/main" xmlns="" val="1957751499"/>
+        <p14:creationId xmlns="" xmlns:p14="http://schemas.microsoft.com/office/powerpoint/2010/main" val="1957751499"/>
       </p:ext>
     </p:extLst>
   </p:cSld>
@@ -4268,7 +4268,7 @@
     </p:spTree>
     <p:extLst>
       <p:ext uri="{BB962C8B-B14F-4D97-AF65-F5344CB8AC3E}">
-        <p14:creationId xmlns:p14="http://schemas.microsoft.com/office/powerpoint/2010/main" xmlns="" val="487139094"/>
+        <p14:creationId xmlns="" xmlns:p14="http://schemas.microsoft.com/office/powerpoint/2010/main" val="487139094"/>
       </p:ext>
     </p:extLst>
   </p:cSld>
@@ -4299,7 +4299,7 @@
     </p:spTree>
     <p:extLst>
       <p:ext uri="{BB962C8B-B14F-4D97-AF65-F5344CB8AC3E}">
-        <p14:creationId xmlns:p14="http://schemas.microsoft.com/office/powerpoint/2010/main" xmlns="" val="3456294794"/>
+        <p14:creationId xmlns="" xmlns:p14="http://schemas.microsoft.com/office/powerpoint/2010/main" val="3456294794"/>
       </p:ext>
     </p:extLst>
   </p:cSld>
@@ -4332,7 +4332,7 @@
           <p:cNvPr id="4" name="椭圆 3">
             <a:extLst>
               <a:ext uri="{FF2B5EF4-FFF2-40B4-BE49-F238E27FC236}">
-                <a16:creationId xmlns:a16="http://schemas.microsoft.com/office/drawing/2014/main" xmlns="" id="{2D59DAD9-1C15-4BF1-A630-97C4703C486E}"/>
+                <a16:creationId xmlns="" xmlns:a16="http://schemas.microsoft.com/office/drawing/2014/main" id="{2D59DAD9-1C15-4BF1-A630-97C4703C486E}"/>
               </a:ext>
             </a:extLst>
           </p:cNvPr>
@@ -4404,7 +4404,7 @@
           <p:cNvPr id="5" name="椭圆 4">
             <a:extLst>
               <a:ext uri="{FF2B5EF4-FFF2-40B4-BE49-F238E27FC236}">
-                <a16:creationId xmlns:a16="http://schemas.microsoft.com/office/drawing/2014/main" xmlns="" id="{852707FF-5373-4D80-8E81-9EB8CCFCFDA4}"/>
+                <a16:creationId xmlns="" xmlns:a16="http://schemas.microsoft.com/office/drawing/2014/main" id="{852707FF-5373-4D80-8E81-9EB8CCFCFDA4}"/>
               </a:ext>
             </a:extLst>
           </p:cNvPr>
@@ -4488,7 +4488,7 @@
           <p:cNvPr id="6" name="椭圆 5">
             <a:extLst>
               <a:ext uri="{FF2B5EF4-FFF2-40B4-BE49-F238E27FC236}">
-                <a16:creationId xmlns:a16="http://schemas.microsoft.com/office/drawing/2014/main" xmlns="" id="{F77725AA-1FCB-4BAF-858F-605260FF708E}"/>
+                <a16:creationId xmlns="" xmlns:a16="http://schemas.microsoft.com/office/drawing/2014/main" id="{F77725AA-1FCB-4BAF-858F-605260FF708E}"/>
               </a:ext>
             </a:extLst>
           </p:cNvPr>
@@ -4560,7 +4560,7 @@
           <p:cNvPr id="7" name="椭圆 6">
             <a:extLst>
               <a:ext uri="{FF2B5EF4-FFF2-40B4-BE49-F238E27FC236}">
-                <a16:creationId xmlns:a16="http://schemas.microsoft.com/office/drawing/2014/main" xmlns="" id="{22076DA2-2313-41B2-A849-5C1BB94CA891}"/>
+                <a16:creationId xmlns="" xmlns:a16="http://schemas.microsoft.com/office/drawing/2014/main" id="{22076DA2-2313-41B2-A849-5C1BB94CA891}"/>
               </a:ext>
             </a:extLst>
           </p:cNvPr>
@@ -4641,7 +4641,7 @@
           <p:cNvPr id="8" name="椭圆 7">
             <a:extLst>
               <a:ext uri="{FF2B5EF4-FFF2-40B4-BE49-F238E27FC236}">
-                <a16:creationId xmlns:a16="http://schemas.microsoft.com/office/drawing/2014/main" xmlns="" id="{5B0CA682-41BC-41FD-9A78-2BE6E240FACB}"/>
+                <a16:creationId xmlns="" xmlns:a16="http://schemas.microsoft.com/office/drawing/2014/main" id="{5B0CA682-41BC-41FD-9A78-2BE6E240FACB}"/>
               </a:ext>
             </a:extLst>
           </p:cNvPr>
@@ -4897,7 +4897,7 @@
     </p:spTree>
     <p:extLst>
       <p:ext uri="{BB962C8B-B14F-4D97-AF65-F5344CB8AC3E}">
-        <p14:creationId xmlns:p14="http://schemas.microsoft.com/office/powerpoint/2010/main" xmlns="" val="2600450030"/>
+        <p14:creationId xmlns="" xmlns:p14="http://schemas.microsoft.com/office/powerpoint/2010/main" val="2600450030"/>
       </p:ext>
     </p:extLst>
   </p:cSld>
@@ -5080,7 +5080,7 @@
           <p:cNvPr id="4" name="Date Placeholder 3">
             <a:extLst>
               <a:ext uri="{FF2B5EF4-FFF2-40B4-BE49-F238E27FC236}">
-                <a16:creationId xmlns:a16="http://schemas.microsoft.com/office/drawing/2014/main" xmlns="" id="{D45DFF4C-5362-4DA4-9DAE-35FFE0A747E1}"/>
+                <a16:creationId xmlns="" xmlns:a16="http://schemas.microsoft.com/office/drawing/2014/main" id="{D45DFF4C-5362-4DA4-9DAE-35FFE0A747E1}"/>
               </a:ext>
             </a:extLst>
           </p:cNvPr>
@@ -5112,7 +5112,7 @@
           <p:cNvPr id="5" name="Footer Placeholder 4">
             <a:extLst>
               <a:ext uri="{FF2B5EF4-FFF2-40B4-BE49-F238E27FC236}">
-                <a16:creationId xmlns:a16="http://schemas.microsoft.com/office/drawing/2014/main" xmlns="" id="{BE8B5156-4AAD-4C7B-99E0-2AD4421401D2}"/>
+                <a16:creationId xmlns="" xmlns:a16="http://schemas.microsoft.com/office/drawing/2014/main" id="{BE8B5156-4AAD-4C7B-99E0-2AD4421401D2}"/>
               </a:ext>
             </a:extLst>
           </p:cNvPr>
@@ -5144,7 +5144,7 @@
           <p:cNvPr id="6" name="Slide Number Placeholder 5">
             <a:extLst>
               <a:ext uri="{FF2B5EF4-FFF2-40B4-BE49-F238E27FC236}">
-                <a16:creationId xmlns:a16="http://schemas.microsoft.com/office/drawing/2014/main" xmlns="" id="{9F0604D4-B774-4469-A970-9CBBD638B3D0}"/>
+                <a16:creationId xmlns="" xmlns:a16="http://schemas.microsoft.com/office/drawing/2014/main" id="{9F0604D4-B774-4469-A970-9CBBD638B3D0}"/>
               </a:ext>
             </a:extLst>
           </p:cNvPr>
@@ -5181,7 +5181,7 @@
     </p:spTree>
     <p:extLst>
       <p:ext uri="{BB962C8B-B14F-4D97-AF65-F5344CB8AC3E}">
-        <p14:creationId xmlns:p14="http://schemas.microsoft.com/office/powerpoint/2010/main" xmlns="" val="2261904421"/>
+        <p14:creationId xmlns="" xmlns:p14="http://schemas.microsoft.com/office/powerpoint/2010/main" val="2261904421"/>
       </p:ext>
     </p:extLst>
   </p:cSld>
@@ -5350,7 +5350,7 @@
           <p:cNvPr id="5" name="Date Placeholder 3">
             <a:extLst>
               <a:ext uri="{FF2B5EF4-FFF2-40B4-BE49-F238E27FC236}">
-                <a16:creationId xmlns:a16="http://schemas.microsoft.com/office/drawing/2014/main" xmlns="" id="{B1D8C446-C857-4D79-829D-D49EFC3B5716}"/>
+                <a16:creationId xmlns="" xmlns:a16="http://schemas.microsoft.com/office/drawing/2014/main" id="{B1D8C446-C857-4D79-829D-D49EFC3B5716}"/>
               </a:ext>
             </a:extLst>
           </p:cNvPr>
@@ -5382,7 +5382,7 @@
           <p:cNvPr id="6" name="Footer Placeholder 4">
             <a:extLst>
               <a:ext uri="{FF2B5EF4-FFF2-40B4-BE49-F238E27FC236}">
-                <a16:creationId xmlns:a16="http://schemas.microsoft.com/office/drawing/2014/main" xmlns="" id="{A0A7CA99-6AAA-410F-8DCF-15E3C8AD3847}"/>
+                <a16:creationId xmlns="" xmlns:a16="http://schemas.microsoft.com/office/drawing/2014/main" id="{A0A7CA99-6AAA-410F-8DCF-15E3C8AD3847}"/>
               </a:ext>
             </a:extLst>
           </p:cNvPr>
@@ -5414,7 +5414,7 @@
           <p:cNvPr id="7" name="Slide Number Placeholder 5">
             <a:extLst>
               <a:ext uri="{FF2B5EF4-FFF2-40B4-BE49-F238E27FC236}">
-                <a16:creationId xmlns:a16="http://schemas.microsoft.com/office/drawing/2014/main" xmlns="" id="{A683F672-3A9A-4C02-890D-B56EA8D6AFD1}"/>
+                <a16:creationId xmlns="" xmlns:a16="http://schemas.microsoft.com/office/drawing/2014/main" id="{A683F672-3A9A-4C02-890D-B56EA8D6AFD1}"/>
               </a:ext>
             </a:extLst>
           </p:cNvPr>
@@ -5451,7 +5451,7 @@
     </p:spTree>
     <p:extLst>
       <p:ext uri="{BB962C8B-B14F-4D97-AF65-F5344CB8AC3E}">
-        <p14:creationId xmlns:p14="http://schemas.microsoft.com/office/powerpoint/2010/main" xmlns="" val="338767491"/>
+        <p14:creationId xmlns="" xmlns:p14="http://schemas.microsoft.com/office/powerpoint/2010/main" val="338767491"/>
       </p:ext>
     </p:extLst>
   </p:cSld>
@@ -5755,7 +5755,7 @@
           <p:cNvPr id="7" name="Date Placeholder 3">
             <a:extLst>
               <a:ext uri="{FF2B5EF4-FFF2-40B4-BE49-F238E27FC236}">
-                <a16:creationId xmlns:a16="http://schemas.microsoft.com/office/drawing/2014/main" xmlns="" id="{99813A3C-DD16-4F44-8337-4911FA558E68}"/>
+                <a16:creationId xmlns="" xmlns:a16="http://schemas.microsoft.com/office/drawing/2014/main" id="{99813A3C-DD16-4F44-8337-4911FA558E68}"/>
               </a:ext>
             </a:extLst>
           </p:cNvPr>
@@ -5787,7 +5787,7 @@
           <p:cNvPr id="8" name="Footer Placeholder 4">
             <a:extLst>
               <a:ext uri="{FF2B5EF4-FFF2-40B4-BE49-F238E27FC236}">
-                <a16:creationId xmlns:a16="http://schemas.microsoft.com/office/drawing/2014/main" xmlns="" id="{8A9AB12C-8431-4B1A-B081-89780CA17C0F}"/>
+                <a16:creationId xmlns="" xmlns:a16="http://schemas.microsoft.com/office/drawing/2014/main" id="{8A9AB12C-8431-4B1A-B081-89780CA17C0F}"/>
               </a:ext>
             </a:extLst>
           </p:cNvPr>
@@ -5819,7 +5819,7 @@
           <p:cNvPr id="9" name="Slide Number Placeholder 5">
             <a:extLst>
               <a:ext uri="{FF2B5EF4-FFF2-40B4-BE49-F238E27FC236}">
-                <a16:creationId xmlns:a16="http://schemas.microsoft.com/office/drawing/2014/main" xmlns="" id="{F52B69E1-72A2-4690-B251-91A43E6545DE}"/>
+                <a16:creationId xmlns="" xmlns:a16="http://schemas.microsoft.com/office/drawing/2014/main" id="{F52B69E1-72A2-4690-B251-91A43E6545DE}"/>
               </a:ext>
             </a:extLst>
           </p:cNvPr>
@@ -5856,7 +5856,7 @@
     </p:spTree>
     <p:extLst>
       <p:ext uri="{BB962C8B-B14F-4D97-AF65-F5344CB8AC3E}">
-        <p14:creationId xmlns:p14="http://schemas.microsoft.com/office/powerpoint/2010/main" xmlns="" val="3847633024"/>
+        <p14:creationId xmlns="" xmlns:p14="http://schemas.microsoft.com/office/powerpoint/2010/main" val="3847633024"/>
       </p:ext>
     </p:extLst>
   </p:cSld>
@@ -5911,7 +5911,7 @@
           <p:cNvPr id="3" name="Date Placeholder 3">
             <a:extLst>
               <a:ext uri="{FF2B5EF4-FFF2-40B4-BE49-F238E27FC236}">
-                <a16:creationId xmlns:a16="http://schemas.microsoft.com/office/drawing/2014/main" xmlns="" id="{24420DE8-3E0C-4FAD-9B65-A4E7879FB3A7}"/>
+                <a16:creationId xmlns="" xmlns:a16="http://schemas.microsoft.com/office/drawing/2014/main" id="{24420DE8-3E0C-4FAD-9B65-A4E7879FB3A7}"/>
               </a:ext>
             </a:extLst>
           </p:cNvPr>
@@ -5943,7 +5943,7 @@
           <p:cNvPr id="4" name="Footer Placeholder 4">
             <a:extLst>
               <a:ext uri="{FF2B5EF4-FFF2-40B4-BE49-F238E27FC236}">
-                <a16:creationId xmlns:a16="http://schemas.microsoft.com/office/drawing/2014/main" xmlns="" id="{CBE36B03-AC07-482C-ACD5-475AD177162F}"/>
+                <a16:creationId xmlns="" xmlns:a16="http://schemas.microsoft.com/office/drawing/2014/main" id="{CBE36B03-AC07-482C-ACD5-475AD177162F}"/>
               </a:ext>
             </a:extLst>
           </p:cNvPr>
@@ -5975,7 +5975,7 @@
           <p:cNvPr id="5" name="Slide Number Placeholder 5">
             <a:extLst>
               <a:ext uri="{FF2B5EF4-FFF2-40B4-BE49-F238E27FC236}">
-                <a16:creationId xmlns:a16="http://schemas.microsoft.com/office/drawing/2014/main" xmlns="" id="{FB9C85AD-43A9-4BDC-AC85-57317D3EF58C}"/>
+                <a16:creationId xmlns="" xmlns:a16="http://schemas.microsoft.com/office/drawing/2014/main" id="{FB9C85AD-43A9-4BDC-AC85-57317D3EF58C}"/>
               </a:ext>
             </a:extLst>
           </p:cNvPr>
@@ -6012,7 +6012,7 @@
     </p:spTree>
     <p:extLst>
       <p:ext uri="{BB962C8B-B14F-4D97-AF65-F5344CB8AC3E}">
-        <p14:creationId xmlns:p14="http://schemas.microsoft.com/office/powerpoint/2010/main" xmlns="" val="2932170498"/>
+        <p14:creationId xmlns="" xmlns:p14="http://schemas.microsoft.com/office/powerpoint/2010/main" val="2932170498"/>
       </p:ext>
     </p:extLst>
   </p:cSld>
@@ -6044,7 +6044,7 @@
           <p:cNvPr id="2" name="Date Placeholder 3">
             <a:extLst>
               <a:ext uri="{FF2B5EF4-FFF2-40B4-BE49-F238E27FC236}">
-                <a16:creationId xmlns:a16="http://schemas.microsoft.com/office/drawing/2014/main" xmlns="" id="{0F91F64A-0E2B-4C85-AA8E-175940173CC5}"/>
+                <a16:creationId xmlns="" xmlns:a16="http://schemas.microsoft.com/office/drawing/2014/main" id="{0F91F64A-0E2B-4C85-AA8E-175940173CC5}"/>
               </a:ext>
             </a:extLst>
           </p:cNvPr>
@@ -6076,7 +6076,7 @@
           <p:cNvPr id="3" name="Footer Placeholder 4">
             <a:extLst>
               <a:ext uri="{FF2B5EF4-FFF2-40B4-BE49-F238E27FC236}">
-                <a16:creationId xmlns:a16="http://schemas.microsoft.com/office/drawing/2014/main" xmlns="" id="{D0879E8B-299D-4D17-8BFC-DD5B40259F11}"/>
+                <a16:creationId xmlns="" xmlns:a16="http://schemas.microsoft.com/office/drawing/2014/main" id="{D0879E8B-299D-4D17-8BFC-DD5B40259F11}"/>
               </a:ext>
             </a:extLst>
           </p:cNvPr>
@@ -6108,7 +6108,7 @@
           <p:cNvPr id="4" name="Slide Number Placeholder 5">
             <a:extLst>
               <a:ext uri="{FF2B5EF4-FFF2-40B4-BE49-F238E27FC236}">
-                <a16:creationId xmlns:a16="http://schemas.microsoft.com/office/drawing/2014/main" xmlns="" id="{9C2313AA-673B-473D-9174-19D742372898}"/>
+                <a16:creationId xmlns="" xmlns:a16="http://schemas.microsoft.com/office/drawing/2014/main" id="{9C2313AA-673B-473D-9174-19D742372898}"/>
               </a:ext>
             </a:extLst>
           </p:cNvPr>
@@ -6145,7 +6145,7 @@
     </p:spTree>
     <p:extLst>
       <p:ext uri="{BB962C8B-B14F-4D97-AF65-F5344CB8AC3E}">
-        <p14:creationId xmlns:p14="http://schemas.microsoft.com/office/powerpoint/2010/main" xmlns="" val="1445074897"/>
+        <p14:creationId xmlns="" xmlns:p14="http://schemas.microsoft.com/office/powerpoint/2010/main" val="1445074897"/>
       </p:ext>
     </p:extLst>
   </p:cSld>
@@ -6359,7 +6359,7 @@
           <p:cNvPr id="5" name="Date Placeholder 3">
             <a:extLst>
               <a:ext uri="{FF2B5EF4-FFF2-40B4-BE49-F238E27FC236}">
-                <a16:creationId xmlns:a16="http://schemas.microsoft.com/office/drawing/2014/main" xmlns="" id="{1FE6F29D-E0DC-4C01-B799-0BDBC22AFE17}"/>
+                <a16:creationId xmlns="" xmlns:a16="http://schemas.microsoft.com/office/drawing/2014/main" id="{1FE6F29D-E0DC-4C01-B799-0BDBC22AFE17}"/>
               </a:ext>
             </a:extLst>
           </p:cNvPr>
@@ -6391,7 +6391,7 @@
           <p:cNvPr id="6" name="Footer Placeholder 4">
             <a:extLst>
               <a:ext uri="{FF2B5EF4-FFF2-40B4-BE49-F238E27FC236}">
-                <a16:creationId xmlns:a16="http://schemas.microsoft.com/office/drawing/2014/main" xmlns="" id="{6DAD4684-A5AB-4508-BDDB-0F4160B87E6C}"/>
+                <a16:creationId xmlns="" xmlns:a16="http://schemas.microsoft.com/office/drawing/2014/main" id="{6DAD4684-A5AB-4508-BDDB-0F4160B87E6C}"/>
               </a:ext>
             </a:extLst>
           </p:cNvPr>
@@ -6423,7 +6423,7 @@
           <p:cNvPr id="7" name="Slide Number Placeholder 5">
             <a:extLst>
               <a:ext uri="{FF2B5EF4-FFF2-40B4-BE49-F238E27FC236}">
-                <a16:creationId xmlns:a16="http://schemas.microsoft.com/office/drawing/2014/main" xmlns="" id="{C9CF04B8-83FC-4802-8C59-C355454FE38C}"/>
+                <a16:creationId xmlns="" xmlns:a16="http://schemas.microsoft.com/office/drawing/2014/main" id="{C9CF04B8-83FC-4802-8C59-C355454FE38C}"/>
               </a:ext>
             </a:extLst>
           </p:cNvPr>
@@ -6460,7 +6460,7 @@
     </p:spTree>
     <p:extLst>
       <p:ext uri="{BB962C8B-B14F-4D97-AF65-F5344CB8AC3E}">
-        <p14:creationId xmlns:p14="http://schemas.microsoft.com/office/powerpoint/2010/main" xmlns="" val="2831747015"/>
+        <p14:creationId xmlns="" xmlns:p14="http://schemas.microsoft.com/office/powerpoint/2010/main" val="2831747015"/>
       </p:ext>
     </p:extLst>
   </p:cSld>
@@ -6657,7 +6657,7 @@
           <p:cNvPr id="5" name="Date Placeholder 3">
             <a:extLst>
               <a:ext uri="{FF2B5EF4-FFF2-40B4-BE49-F238E27FC236}">
-                <a16:creationId xmlns:a16="http://schemas.microsoft.com/office/drawing/2014/main" xmlns="" id="{55203C9F-D936-4D7E-BB7A-0AEC09F6161C}"/>
+                <a16:creationId xmlns="" xmlns:a16="http://schemas.microsoft.com/office/drawing/2014/main" id="{55203C9F-D936-4D7E-BB7A-0AEC09F6161C}"/>
               </a:ext>
             </a:extLst>
           </p:cNvPr>
@@ -6689,7 +6689,7 @@
           <p:cNvPr id="6" name="Footer Placeholder 4">
             <a:extLst>
               <a:ext uri="{FF2B5EF4-FFF2-40B4-BE49-F238E27FC236}">
-                <a16:creationId xmlns:a16="http://schemas.microsoft.com/office/drawing/2014/main" xmlns="" id="{09E4239F-5599-4C2E-9EC4-DF978707A664}"/>
+                <a16:creationId xmlns="" xmlns:a16="http://schemas.microsoft.com/office/drawing/2014/main" id="{09E4239F-5599-4C2E-9EC4-DF978707A664}"/>
               </a:ext>
             </a:extLst>
           </p:cNvPr>
@@ -6721,7 +6721,7 @@
           <p:cNvPr id="7" name="Slide Number Placeholder 5">
             <a:extLst>
               <a:ext uri="{FF2B5EF4-FFF2-40B4-BE49-F238E27FC236}">
-                <a16:creationId xmlns:a16="http://schemas.microsoft.com/office/drawing/2014/main" xmlns="" id="{1420AF1D-6856-4D09-B54F-3113C932AC89}"/>
+                <a16:creationId xmlns="" xmlns:a16="http://schemas.microsoft.com/office/drawing/2014/main" id="{1420AF1D-6856-4D09-B54F-3113C932AC89}"/>
               </a:ext>
             </a:extLst>
           </p:cNvPr>
@@ -6758,7 +6758,7 @@
     </p:spTree>
     <p:extLst>
       <p:ext uri="{BB962C8B-B14F-4D97-AF65-F5344CB8AC3E}">
-        <p14:creationId xmlns:p14="http://schemas.microsoft.com/office/powerpoint/2010/main" xmlns="" val="2779724092"/>
+        <p14:creationId xmlns="" xmlns:p14="http://schemas.microsoft.com/office/powerpoint/2010/main" val="2779724092"/>
       </p:ext>
     </p:extLst>
   </p:cSld>
@@ -6798,7 +6798,7 @@
           <p:cNvPr id="1026" name="Title Placeholder 1">
             <a:extLst>
               <a:ext uri="{FF2B5EF4-FFF2-40B4-BE49-F238E27FC236}">
-                <a16:creationId xmlns:a16="http://schemas.microsoft.com/office/drawing/2014/main" xmlns="" id="{66100464-39C8-4A47-8732-DA7DB53A0F54}"/>
+                <a16:creationId xmlns="" xmlns:a16="http://schemas.microsoft.com/office/drawing/2014/main" id="{66100464-39C8-4A47-8732-DA7DB53A0F54}"/>
               </a:ext>
             </a:extLst>
           </p:cNvPr>
@@ -6823,14 +6823,14 @@
           </a:ln>
           <a:extLst>
             <a:ext uri="{909E8E84-426E-40DD-AFC4-6F175D3DCCD1}">
-              <a14:hiddenFill xmlns:a14="http://schemas.microsoft.com/office/drawing/2010/main" xmlns="">
+              <a14:hiddenFill xmlns="" xmlns:a14="http://schemas.microsoft.com/office/drawing/2010/main">
                 <a:solidFill>
                   <a:srgbClr val="FFFFFF"/>
                 </a:solidFill>
               </a14:hiddenFill>
             </a:ext>
             <a:ext uri="{91240B29-F687-4F45-9708-019B960494DF}">
-              <a14:hiddenLine xmlns:a14="http://schemas.microsoft.com/office/drawing/2010/main" xmlns="" w="9525">
+              <a14:hiddenLine xmlns="" xmlns:a14="http://schemas.microsoft.com/office/drawing/2010/main" w="9525">
                 <a:solidFill>
                   <a:srgbClr val="000000"/>
                 </a:solidFill>
@@ -6863,7 +6863,7 @@
           <p:cNvPr id="1027" name="Text Placeholder 2">
             <a:extLst>
               <a:ext uri="{FF2B5EF4-FFF2-40B4-BE49-F238E27FC236}">
-                <a16:creationId xmlns:a16="http://schemas.microsoft.com/office/drawing/2014/main" xmlns="" id="{3D3DBDD7-A437-4CE9-9B07-619FD0CA738F}"/>
+                <a16:creationId xmlns="" xmlns:a16="http://schemas.microsoft.com/office/drawing/2014/main" id="{3D3DBDD7-A437-4CE9-9B07-619FD0CA738F}"/>
               </a:ext>
             </a:extLst>
           </p:cNvPr>
@@ -6888,14 +6888,14 @@
           </a:ln>
           <a:extLst>
             <a:ext uri="{909E8E84-426E-40DD-AFC4-6F175D3DCCD1}">
-              <a14:hiddenFill xmlns:a14="http://schemas.microsoft.com/office/drawing/2010/main" xmlns="">
+              <a14:hiddenFill xmlns="" xmlns:a14="http://schemas.microsoft.com/office/drawing/2010/main">
                 <a:solidFill>
                   <a:srgbClr val="FFFFFF"/>
                 </a:solidFill>
               </a14:hiddenFill>
             </a:ext>
             <a:ext uri="{91240B29-F687-4F45-9708-019B960494DF}">
-              <a14:hiddenLine xmlns:a14="http://schemas.microsoft.com/office/drawing/2010/main" xmlns="" w="9525">
+              <a14:hiddenLine xmlns="" xmlns:a14="http://schemas.microsoft.com/office/drawing/2010/main" w="9525">
                 <a:solidFill>
                   <a:srgbClr val="000000"/>
                 </a:solidFill>
@@ -6956,7 +6956,7 @@
           <p:cNvPr id="4" name="Date Placeholder 3">
             <a:extLst>
               <a:ext uri="{FF2B5EF4-FFF2-40B4-BE49-F238E27FC236}">
-                <a16:creationId xmlns:a16="http://schemas.microsoft.com/office/drawing/2014/main" xmlns="" id="{EB02E5E0-682F-4962-B61F-DBE61AB81D1D}"/>
+                <a16:creationId xmlns="" xmlns:a16="http://schemas.microsoft.com/office/drawing/2014/main" id="{EB02E5E0-682F-4962-B61F-DBE61AB81D1D}"/>
               </a:ext>
             </a:extLst>
           </p:cNvPr>
@@ -7010,7 +7010,7 @@
           <p:cNvPr id="5" name="Footer Placeholder 4">
             <a:extLst>
               <a:ext uri="{FF2B5EF4-FFF2-40B4-BE49-F238E27FC236}">
-                <a16:creationId xmlns:a16="http://schemas.microsoft.com/office/drawing/2014/main" xmlns="" id="{10DA4312-6CCC-4128-B114-DE5C39E31FDD}"/>
+                <a16:creationId xmlns="" xmlns:a16="http://schemas.microsoft.com/office/drawing/2014/main" id="{10DA4312-6CCC-4128-B114-DE5C39E31FDD}"/>
               </a:ext>
             </a:extLst>
           </p:cNvPr>
@@ -7064,7 +7064,7 @@
           <p:cNvPr id="6" name="Slide Number Placeholder 5">
             <a:extLst>
               <a:ext uri="{FF2B5EF4-FFF2-40B4-BE49-F238E27FC236}">
-                <a16:creationId xmlns:a16="http://schemas.microsoft.com/office/drawing/2014/main" xmlns="" id="{65B806CE-1096-4A9D-AF7D-03D163E7E781}"/>
+                <a16:creationId xmlns="" xmlns:a16="http://schemas.microsoft.com/office/drawing/2014/main" id="{65B806CE-1096-4A9D-AF7D-03D163E7E781}"/>
               </a:ext>
             </a:extLst>
           </p:cNvPr>
@@ -7123,7 +7123,7 @@
     </p:spTree>
     <p:extLst>
       <p:ext uri="{BB962C8B-B14F-4D97-AF65-F5344CB8AC3E}">
-        <p14:creationId xmlns:p14="http://schemas.microsoft.com/office/powerpoint/2010/main" xmlns="" val="3923343675"/>
+        <p14:creationId xmlns="" xmlns:p14="http://schemas.microsoft.com/office/powerpoint/2010/main" val="3923343675"/>
       </p:ext>
     </p:extLst>
   </p:cSld>
@@ -7609,7 +7609,7 @@
           <p:cNvPr id="3074" name="Rectangle 2">
             <a:extLst>
               <a:ext uri="{FF2B5EF4-FFF2-40B4-BE49-F238E27FC236}">
-                <a16:creationId xmlns:a16="http://schemas.microsoft.com/office/drawing/2014/main" xmlns="" id="{03EC91CF-F86F-4E0C-B35D-CB7F7012783D}"/>
+                <a16:creationId xmlns="" xmlns:a16="http://schemas.microsoft.com/office/drawing/2014/main" id="{03EC91CF-F86F-4E0C-B35D-CB7F7012783D}"/>
               </a:ext>
             </a:extLst>
           </p:cNvPr>
@@ -7652,7 +7652,7 @@
           <p:cNvPr id="4" name="文本框 3">
             <a:extLst>
               <a:ext uri="{FF2B5EF4-FFF2-40B4-BE49-F238E27FC236}">
-                <a16:creationId xmlns:a16="http://schemas.microsoft.com/office/drawing/2014/main" xmlns="" id="{F03D7070-6B18-4330-BC6D-F0DD5C00C32C}"/>
+                <a16:creationId xmlns="" xmlns:a16="http://schemas.microsoft.com/office/drawing/2014/main" id="{F03D7070-6B18-4330-BC6D-F0DD5C00C32C}"/>
               </a:ext>
             </a:extLst>
           </p:cNvPr>
@@ -7769,7 +7769,7 @@
           <p:cNvPr id="23554" name="Rectangle 2">
             <a:extLst>
               <a:ext uri="{FF2B5EF4-FFF2-40B4-BE49-F238E27FC236}">
-                <a16:creationId xmlns:a16="http://schemas.microsoft.com/office/drawing/2014/main" xmlns="" id="{55FA642D-C61F-4C31-8550-7D2833A40126}"/>
+                <a16:creationId xmlns="" xmlns:a16="http://schemas.microsoft.com/office/drawing/2014/main" id="{55FA642D-C61F-4C31-8550-7D2833A40126}"/>
               </a:ext>
             </a:extLst>
           </p:cNvPr>
@@ -7817,7 +7817,7 @@
           <p:cNvPr id="23555" name="Rectangle 3">
             <a:extLst>
               <a:ext uri="{FF2B5EF4-FFF2-40B4-BE49-F238E27FC236}">
-                <a16:creationId xmlns:a16="http://schemas.microsoft.com/office/drawing/2014/main" xmlns="" id="{F7E58A80-AF85-4648-8A7A-397839B45E8A}"/>
+                <a16:creationId xmlns="" xmlns:a16="http://schemas.microsoft.com/office/drawing/2014/main" id="{F7E58A80-AF85-4648-8A7A-397839B45E8A}"/>
               </a:ext>
             </a:extLst>
           </p:cNvPr>
@@ -8026,7 +8026,7 @@
           <p:cNvPr id="23556" name="Rectangle 2">
             <a:extLst>
               <a:ext uri="{FF2B5EF4-FFF2-40B4-BE49-F238E27FC236}">
-                <a16:creationId xmlns:a16="http://schemas.microsoft.com/office/drawing/2014/main" xmlns="" id="{B13C6D30-7A86-4C6D-9AA3-65D33351A0B2}"/>
+                <a16:creationId xmlns="" xmlns:a16="http://schemas.microsoft.com/office/drawing/2014/main" id="{B13C6D30-7A86-4C6D-9AA3-65D33351A0B2}"/>
               </a:ext>
             </a:extLst>
           </p:cNvPr>
@@ -8049,14 +8049,14 @@
           </a:ln>
           <a:extLst>
             <a:ext uri="{909E8E84-426E-40DD-AFC4-6F175D3DCCD1}">
-              <a14:hiddenFill xmlns:a14="http://schemas.microsoft.com/office/drawing/2010/main" xmlns="">
+              <a14:hiddenFill xmlns="" xmlns:a14="http://schemas.microsoft.com/office/drawing/2010/main">
                 <a:solidFill>
                   <a:srgbClr val="FFFFFF"/>
                 </a:solidFill>
               </a14:hiddenFill>
             </a:ext>
             <a:ext uri="{91240B29-F687-4F45-9708-019B960494DF}">
-              <a14:hiddenLine xmlns:a14="http://schemas.microsoft.com/office/drawing/2010/main" xmlns="" w="9525">
+              <a14:hiddenLine xmlns="" xmlns:a14="http://schemas.microsoft.com/office/drawing/2010/main" w="9525">
                 <a:solidFill>
                   <a:srgbClr val="000000"/>
                 </a:solidFill>
@@ -8304,7 +8304,7 @@
           <p:cNvPr id="24578" name="Rectangle 2">
             <a:extLst>
               <a:ext uri="{FF2B5EF4-FFF2-40B4-BE49-F238E27FC236}">
-                <a16:creationId xmlns:a16="http://schemas.microsoft.com/office/drawing/2014/main" xmlns="" id="{074AC7A4-C2C8-47B5-B613-501FC1652A1D}"/>
+                <a16:creationId xmlns="" xmlns:a16="http://schemas.microsoft.com/office/drawing/2014/main" id="{074AC7A4-C2C8-47B5-B613-501FC1652A1D}"/>
               </a:ext>
             </a:extLst>
           </p:cNvPr>
@@ -8352,7 +8352,7 @@
           <p:cNvPr id="16387" name="Rectangle 3">
             <a:extLst>
               <a:ext uri="{FF2B5EF4-FFF2-40B4-BE49-F238E27FC236}">
-                <a16:creationId xmlns:a16="http://schemas.microsoft.com/office/drawing/2014/main" xmlns="" id="{5396A8F0-5ED7-4487-A7B6-F0CEE1D130ED}"/>
+                <a16:creationId xmlns="" xmlns:a16="http://schemas.microsoft.com/office/drawing/2014/main" id="{5396A8F0-5ED7-4487-A7B6-F0CEE1D130ED}"/>
               </a:ext>
             </a:extLst>
           </p:cNvPr>
@@ -8551,7 +8551,7 @@
           <p:cNvPr id="24580" name="Rectangle 2">
             <a:extLst>
               <a:ext uri="{FF2B5EF4-FFF2-40B4-BE49-F238E27FC236}">
-                <a16:creationId xmlns:a16="http://schemas.microsoft.com/office/drawing/2014/main" xmlns="" id="{DF89D5C4-6978-4F29-9AF4-111A12E59642}"/>
+                <a16:creationId xmlns="" xmlns:a16="http://schemas.microsoft.com/office/drawing/2014/main" id="{DF89D5C4-6978-4F29-9AF4-111A12E59642}"/>
               </a:ext>
             </a:extLst>
           </p:cNvPr>
@@ -8574,14 +8574,14 @@
           </a:ln>
           <a:extLst>
             <a:ext uri="{909E8E84-426E-40DD-AFC4-6F175D3DCCD1}">
-              <a14:hiddenFill xmlns:a14="http://schemas.microsoft.com/office/drawing/2010/main" xmlns="">
+              <a14:hiddenFill xmlns="" xmlns:a14="http://schemas.microsoft.com/office/drawing/2010/main">
                 <a:solidFill>
                   <a:srgbClr val="FFFFFF"/>
                 </a:solidFill>
               </a14:hiddenFill>
             </a:ext>
             <a:ext uri="{91240B29-F687-4F45-9708-019B960494DF}">
-              <a14:hiddenLine xmlns:a14="http://schemas.microsoft.com/office/drawing/2010/main" xmlns="" w="9525">
+              <a14:hiddenLine xmlns="" xmlns:a14="http://schemas.microsoft.com/office/drawing/2010/main" w="9525">
                 <a:solidFill>
                   <a:srgbClr val="000000"/>
                 </a:solidFill>
@@ -8829,7 +8829,7 @@
           <p:cNvPr id="26626" name="Rectangle 2">
             <a:extLst>
               <a:ext uri="{FF2B5EF4-FFF2-40B4-BE49-F238E27FC236}">
-                <a16:creationId xmlns:a16="http://schemas.microsoft.com/office/drawing/2014/main" xmlns="" id="{F8C30783-6894-4887-8DFE-4F5B045AC120}"/>
+                <a16:creationId xmlns="" xmlns:a16="http://schemas.microsoft.com/office/drawing/2014/main" id="{F8C30783-6894-4887-8DFE-4F5B045AC120}"/>
               </a:ext>
             </a:extLst>
           </p:cNvPr>
@@ -8868,7 +8868,7 @@
           <p:cNvPr id="18435" name="Rectangle 3">
             <a:extLst>
               <a:ext uri="{FF2B5EF4-FFF2-40B4-BE49-F238E27FC236}">
-                <a16:creationId xmlns:a16="http://schemas.microsoft.com/office/drawing/2014/main" xmlns="" id="{82308B36-9E43-462D-AE15-8864511A5E64}"/>
+                <a16:creationId xmlns="" xmlns:a16="http://schemas.microsoft.com/office/drawing/2014/main" id="{82308B36-9E43-462D-AE15-8864511A5E64}"/>
               </a:ext>
             </a:extLst>
           </p:cNvPr>
@@ -9084,7 +9084,7 @@
           <p:cNvPr id="26628" name="Rectangle 2">
             <a:extLst>
               <a:ext uri="{FF2B5EF4-FFF2-40B4-BE49-F238E27FC236}">
-                <a16:creationId xmlns:a16="http://schemas.microsoft.com/office/drawing/2014/main" xmlns="" id="{2B4E67C8-9CDB-455C-84DB-642C11DF493B}"/>
+                <a16:creationId xmlns="" xmlns:a16="http://schemas.microsoft.com/office/drawing/2014/main" id="{2B4E67C8-9CDB-455C-84DB-642C11DF493B}"/>
               </a:ext>
             </a:extLst>
           </p:cNvPr>
@@ -9107,14 +9107,14 @@
           </a:ln>
           <a:extLst>
             <a:ext uri="{909E8E84-426E-40DD-AFC4-6F175D3DCCD1}">
-              <a14:hiddenFill xmlns:a14="http://schemas.microsoft.com/office/drawing/2010/main" xmlns="">
+              <a14:hiddenFill xmlns="" xmlns:a14="http://schemas.microsoft.com/office/drawing/2010/main">
                 <a:solidFill>
                   <a:srgbClr val="FFFFFF"/>
                 </a:solidFill>
               </a14:hiddenFill>
             </a:ext>
             <a:ext uri="{91240B29-F687-4F45-9708-019B960494DF}">
-              <a14:hiddenLine xmlns:a14="http://schemas.microsoft.com/office/drawing/2010/main" xmlns="" w="9525">
+              <a14:hiddenLine xmlns="" xmlns:a14="http://schemas.microsoft.com/office/drawing/2010/main" w="9525">
                 <a:solidFill>
                   <a:srgbClr val="000000"/>
                 </a:solidFill>
@@ -9362,7 +9362,7 @@
           <p:cNvPr id="27650" name="Rectangle 2">
             <a:extLst>
               <a:ext uri="{FF2B5EF4-FFF2-40B4-BE49-F238E27FC236}">
-                <a16:creationId xmlns:a16="http://schemas.microsoft.com/office/drawing/2014/main" xmlns="" id="{B61F3702-C34F-4017-8343-35D616EFD11C}"/>
+                <a16:creationId xmlns="" xmlns:a16="http://schemas.microsoft.com/office/drawing/2014/main" id="{B61F3702-C34F-4017-8343-35D616EFD11C}"/>
               </a:ext>
             </a:extLst>
           </p:cNvPr>
@@ -9410,7 +9410,7 @@
           <p:cNvPr id="19459" name="Rectangle 3">
             <a:extLst>
               <a:ext uri="{FF2B5EF4-FFF2-40B4-BE49-F238E27FC236}">
-                <a16:creationId xmlns:a16="http://schemas.microsoft.com/office/drawing/2014/main" xmlns="" id="{9AD0FADF-1C84-4C14-B15C-17A584CF75D8}"/>
+                <a16:creationId xmlns="" xmlns:a16="http://schemas.microsoft.com/office/drawing/2014/main" id="{9AD0FADF-1C84-4C14-B15C-17A584CF75D8}"/>
               </a:ext>
             </a:extLst>
           </p:cNvPr>
@@ -9589,7 +9589,7 @@
           <p:cNvPr id="27652" name="Rectangle 2">
             <a:extLst>
               <a:ext uri="{FF2B5EF4-FFF2-40B4-BE49-F238E27FC236}">
-                <a16:creationId xmlns:a16="http://schemas.microsoft.com/office/drawing/2014/main" xmlns="" id="{41EBAEFF-1B2A-455A-882B-674BC2DA99C6}"/>
+                <a16:creationId xmlns="" xmlns:a16="http://schemas.microsoft.com/office/drawing/2014/main" id="{41EBAEFF-1B2A-455A-882B-674BC2DA99C6}"/>
               </a:ext>
             </a:extLst>
           </p:cNvPr>
@@ -9612,14 +9612,14 @@
           </a:ln>
           <a:extLst>
             <a:ext uri="{909E8E84-426E-40DD-AFC4-6F175D3DCCD1}">
-              <a14:hiddenFill xmlns:a14="http://schemas.microsoft.com/office/drawing/2010/main" xmlns="">
+              <a14:hiddenFill xmlns="" xmlns:a14="http://schemas.microsoft.com/office/drawing/2010/main">
                 <a:solidFill>
                   <a:srgbClr val="FFFFFF"/>
                 </a:solidFill>
               </a14:hiddenFill>
             </a:ext>
             <a:ext uri="{91240B29-F687-4F45-9708-019B960494DF}">
-              <a14:hiddenLine xmlns:a14="http://schemas.microsoft.com/office/drawing/2010/main" xmlns="" w="9525">
+              <a14:hiddenLine xmlns="" xmlns:a14="http://schemas.microsoft.com/office/drawing/2010/main" w="9525">
                 <a:solidFill>
                   <a:srgbClr val="000000"/>
                 </a:solidFill>
@@ -9867,7 +9867,7 @@
           <p:cNvPr id="28674" name="Rectangle 2">
             <a:extLst>
               <a:ext uri="{FF2B5EF4-FFF2-40B4-BE49-F238E27FC236}">
-                <a16:creationId xmlns:a16="http://schemas.microsoft.com/office/drawing/2014/main" xmlns="" id="{7E1148C5-50EB-4B59-A90F-BFC796CD9278}"/>
+                <a16:creationId xmlns="" xmlns:a16="http://schemas.microsoft.com/office/drawing/2014/main" id="{7E1148C5-50EB-4B59-A90F-BFC796CD9278}"/>
               </a:ext>
             </a:extLst>
           </p:cNvPr>
@@ -9912,7 +9912,7 @@
           <p:cNvPr id="28675" name="Rectangle 3">
             <a:extLst>
               <a:ext uri="{FF2B5EF4-FFF2-40B4-BE49-F238E27FC236}">
-                <a16:creationId xmlns:a16="http://schemas.microsoft.com/office/drawing/2014/main" xmlns="" id="{2B279F57-EB8E-405D-A49C-AEB8C7D1C895}"/>
+                <a16:creationId xmlns="" xmlns:a16="http://schemas.microsoft.com/office/drawing/2014/main" id="{2B279F57-EB8E-405D-A49C-AEB8C7D1C895}"/>
               </a:ext>
             </a:extLst>
           </p:cNvPr>
@@ -9987,7 +9987,7 @@
           <p:cNvPr id="28676" name="Rectangle 2">
             <a:extLst>
               <a:ext uri="{FF2B5EF4-FFF2-40B4-BE49-F238E27FC236}">
-                <a16:creationId xmlns:a16="http://schemas.microsoft.com/office/drawing/2014/main" xmlns="" id="{51628446-386A-4495-87A5-B8AEE86598FE}"/>
+                <a16:creationId xmlns="" xmlns:a16="http://schemas.microsoft.com/office/drawing/2014/main" id="{51628446-386A-4495-87A5-B8AEE86598FE}"/>
               </a:ext>
             </a:extLst>
           </p:cNvPr>
@@ -10010,14 +10010,14 @@
           </a:ln>
           <a:extLst>
             <a:ext uri="{909E8E84-426E-40DD-AFC4-6F175D3DCCD1}">
-              <a14:hiddenFill xmlns:a14="http://schemas.microsoft.com/office/drawing/2010/main" xmlns="">
+              <a14:hiddenFill xmlns="" xmlns:a14="http://schemas.microsoft.com/office/drawing/2010/main">
                 <a:solidFill>
                   <a:srgbClr val="FFFFFF"/>
                 </a:solidFill>
               </a14:hiddenFill>
             </a:ext>
             <a:ext uri="{91240B29-F687-4F45-9708-019B960494DF}">
-              <a14:hiddenLine xmlns:a14="http://schemas.microsoft.com/office/drawing/2010/main" xmlns="" w="9525">
+              <a14:hiddenLine xmlns="" xmlns:a14="http://schemas.microsoft.com/office/drawing/2010/main" w="9525">
                 <a:solidFill>
                   <a:srgbClr val="000000"/>
                 </a:solidFill>
@@ -10265,7 +10265,7 @@
           <p:cNvPr id="29698" name="Rectangle 2">
             <a:extLst>
               <a:ext uri="{FF2B5EF4-FFF2-40B4-BE49-F238E27FC236}">
-                <a16:creationId xmlns:a16="http://schemas.microsoft.com/office/drawing/2014/main" xmlns="" id="{688AB2C4-8F16-45E8-919B-FFD09353C2F3}"/>
+                <a16:creationId xmlns="" xmlns:a16="http://schemas.microsoft.com/office/drawing/2014/main" id="{688AB2C4-8F16-45E8-919B-FFD09353C2F3}"/>
               </a:ext>
             </a:extLst>
           </p:cNvPr>
@@ -10313,7 +10313,7 @@
           <p:cNvPr id="29699" name="Rectangle 3">
             <a:extLst>
               <a:ext uri="{FF2B5EF4-FFF2-40B4-BE49-F238E27FC236}">
-                <a16:creationId xmlns:a16="http://schemas.microsoft.com/office/drawing/2014/main" xmlns="" id="{C93FA50D-C11F-4F95-ABEA-6AC0D5B71175}"/>
+                <a16:creationId xmlns="" xmlns:a16="http://schemas.microsoft.com/office/drawing/2014/main" id="{C93FA50D-C11F-4F95-ABEA-6AC0D5B71175}"/>
               </a:ext>
             </a:extLst>
           </p:cNvPr>
@@ -10426,7 +10426,7 @@
           <p:cNvPr id="29700" name="Rectangle 2">
             <a:extLst>
               <a:ext uri="{FF2B5EF4-FFF2-40B4-BE49-F238E27FC236}">
-                <a16:creationId xmlns:a16="http://schemas.microsoft.com/office/drawing/2014/main" xmlns="" id="{D13E9DB2-AF4F-4FA2-B292-4D8A61B04051}"/>
+                <a16:creationId xmlns="" xmlns:a16="http://schemas.microsoft.com/office/drawing/2014/main" id="{D13E9DB2-AF4F-4FA2-B292-4D8A61B04051}"/>
               </a:ext>
             </a:extLst>
           </p:cNvPr>
@@ -10449,14 +10449,14 @@
           </a:ln>
           <a:extLst>
             <a:ext uri="{909E8E84-426E-40DD-AFC4-6F175D3DCCD1}">
-              <a14:hiddenFill xmlns:a14="http://schemas.microsoft.com/office/drawing/2010/main" xmlns="">
+              <a14:hiddenFill xmlns="" xmlns:a14="http://schemas.microsoft.com/office/drawing/2010/main">
                 <a:solidFill>
                   <a:srgbClr val="FFFFFF"/>
                 </a:solidFill>
               </a14:hiddenFill>
             </a:ext>
             <a:ext uri="{91240B29-F687-4F45-9708-019B960494DF}">
-              <a14:hiddenLine xmlns:a14="http://schemas.microsoft.com/office/drawing/2010/main" xmlns="" w="9525">
+              <a14:hiddenLine xmlns="" xmlns:a14="http://schemas.microsoft.com/office/drawing/2010/main" w="9525">
                 <a:solidFill>
                   <a:srgbClr val="000000"/>
                 </a:solidFill>
@@ -10704,7 +10704,7 @@
           <p:cNvPr id="30722" name="Rectangle 2">
             <a:extLst>
               <a:ext uri="{FF2B5EF4-FFF2-40B4-BE49-F238E27FC236}">
-                <a16:creationId xmlns:a16="http://schemas.microsoft.com/office/drawing/2014/main" xmlns="" id="{4EC33358-0C5E-46EC-8F34-0A7B84184856}"/>
+                <a16:creationId xmlns="" xmlns:a16="http://schemas.microsoft.com/office/drawing/2014/main" id="{4EC33358-0C5E-46EC-8F34-0A7B84184856}"/>
               </a:ext>
             </a:extLst>
           </p:cNvPr>
@@ -10752,7 +10752,7 @@
           <p:cNvPr id="30723" name="Rectangle 3">
             <a:extLst>
               <a:ext uri="{FF2B5EF4-FFF2-40B4-BE49-F238E27FC236}">
-                <a16:creationId xmlns:a16="http://schemas.microsoft.com/office/drawing/2014/main" xmlns="" id="{B75483EE-5D33-46A3-A4E9-B306EE238CFB}"/>
+                <a16:creationId xmlns="" xmlns:a16="http://schemas.microsoft.com/office/drawing/2014/main" id="{B75483EE-5D33-46A3-A4E9-B306EE238CFB}"/>
               </a:ext>
             </a:extLst>
           </p:cNvPr>
@@ -10934,7 +10934,7 @@
           <p:cNvPr id="30724" name="Rectangle 2">
             <a:extLst>
               <a:ext uri="{FF2B5EF4-FFF2-40B4-BE49-F238E27FC236}">
-                <a16:creationId xmlns:a16="http://schemas.microsoft.com/office/drawing/2014/main" xmlns="" id="{DCD13F12-6868-4719-9532-5F7443E5BFD7}"/>
+                <a16:creationId xmlns="" xmlns:a16="http://schemas.microsoft.com/office/drawing/2014/main" id="{DCD13F12-6868-4719-9532-5F7443E5BFD7}"/>
               </a:ext>
             </a:extLst>
           </p:cNvPr>
@@ -10957,14 +10957,14 @@
           </a:ln>
           <a:extLst>
             <a:ext uri="{909E8E84-426E-40DD-AFC4-6F175D3DCCD1}">
-              <a14:hiddenFill xmlns:a14="http://schemas.microsoft.com/office/drawing/2010/main" xmlns="">
+              <a14:hiddenFill xmlns="" xmlns:a14="http://schemas.microsoft.com/office/drawing/2010/main">
                 <a:solidFill>
                   <a:srgbClr val="FFFFFF"/>
                 </a:solidFill>
               </a14:hiddenFill>
             </a:ext>
             <a:ext uri="{91240B29-F687-4F45-9708-019B960494DF}">
-              <a14:hiddenLine xmlns:a14="http://schemas.microsoft.com/office/drawing/2010/main" xmlns="" w="9525">
+              <a14:hiddenLine xmlns="" xmlns:a14="http://schemas.microsoft.com/office/drawing/2010/main" w="9525">
                 <a:solidFill>
                   <a:srgbClr val="000000"/>
                 </a:solidFill>
@@ -11212,7 +11212,7 @@
           <p:cNvPr id="31746" name="Rectangle 2">
             <a:extLst>
               <a:ext uri="{FF2B5EF4-FFF2-40B4-BE49-F238E27FC236}">
-                <a16:creationId xmlns:a16="http://schemas.microsoft.com/office/drawing/2014/main" xmlns="" id="{AE81CEC9-AB63-4430-9AD1-70B94B51A744}"/>
+                <a16:creationId xmlns="" xmlns:a16="http://schemas.microsoft.com/office/drawing/2014/main" id="{AE81CEC9-AB63-4430-9AD1-70B94B51A744}"/>
               </a:ext>
             </a:extLst>
           </p:cNvPr>
@@ -11268,7 +11268,7 @@
           <p:cNvPr id="23555" name="Rectangle 3">
             <a:extLst>
               <a:ext uri="{FF2B5EF4-FFF2-40B4-BE49-F238E27FC236}">
-                <a16:creationId xmlns:a16="http://schemas.microsoft.com/office/drawing/2014/main" xmlns="" id="{DBC7BEB8-5B77-43BD-9224-58D685873BD1}"/>
+                <a16:creationId xmlns="" xmlns:a16="http://schemas.microsoft.com/office/drawing/2014/main" id="{DBC7BEB8-5B77-43BD-9224-58D685873BD1}"/>
               </a:ext>
             </a:extLst>
           </p:cNvPr>
@@ -11637,7 +11637,7 @@
           <p:cNvPr id="31748" name="Rectangle 2">
             <a:extLst>
               <a:ext uri="{FF2B5EF4-FFF2-40B4-BE49-F238E27FC236}">
-                <a16:creationId xmlns:a16="http://schemas.microsoft.com/office/drawing/2014/main" xmlns="" id="{9374DFF0-8A02-433C-8EA9-40FC1E4BFB73}"/>
+                <a16:creationId xmlns="" xmlns:a16="http://schemas.microsoft.com/office/drawing/2014/main" id="{9374DFF0-8A02-433C-8EA9-40FC1E4BFB73}"/>
               </a:ext>
             </a:extLst>
           </p:cNvPr>
@@ -11660,14 +11660,14 @@
           </a:ln>
           <a:extLst>
             <a:ext uri="{909E8E84-426E-40DD-AFC4-6F175D3DCCD1}">
-              <a14:hiddenFill xmlns:a14="http://schemas.microsoft.com/office/drawing/2010/main" xmlns="">
+              <a14:hiddenFill xmlns="" xmlns:a14="http://schemas.microsoft.com/office/drawing/2010/main">
                 <a:solidFill>
                   <a:srgbClr val="FFFFFF"/>
                 </a:solidFill>
               </a14:hiddenFill>
             </a:ext>
             <a:ext uri="{91240B29-F687-4F45-9708-019B960494DF}">
-              <a14:hiddenLine xmlns:a14="http://schemas.microsoft.com/office/drawing/2010/main" xmlns="" w="9525">
+              <a14:hiddenLine xmlns="" xmlns:a14="http://schemas.microsoft.com/office/drawing/2010/main" w="9525">
                 <a:solidFill>
                   <a:srgbClr val="000000"/>
                 </a:solidFill>
@@ -11915,7 +11915,7 @@
           <p:cNvPr id="32770" name="Rectangle 2">
             <a:extLst>
               <a:ext uri="{FF2B5EF4-FFF2-40B4-BE49-F238E27FC236}">
-                <a16:creationId xmlns:a16="http://schemas.microsoft.com/office/drawing/2014/main" xmlns="" id="{08D59182-04FA-46B1-A1DD-C2956B457DD8}"/>
+                <a16:creationId xmlns="" xmlns:a16="http://schemas.microsoft.com/office/drawing/2014/main" id="{08D59182-04FA-46B1-A1DD-C2956B457DD8}"/>
               </a:ext>
             </a:extLst>
           </p:cNvPr>
@@ -11954,7 +11954,7 @@
           <p:cNvPr id="32771" name="Rectangle 3">
             <a:extLst>
               <a:ext uri="{FF2B5EF4-FFF2-40B4-BE49-F238E27FC236}">
-                <a16:creationId xmlns:a16="http://schemas.microsoft.com/office/drawing/2014/main" xmlns="" id="{CAB9C7B5-A335-4B77-922C-05F8171F4F94}"/>
+                <a16:creationId xmlns="" xmlns:a16="http://schemas.microsoft.com/office/drawing/2014/main" id="{CAB9C7B5-A335-4B77-922C-05F8171F4F94}"/>
               </a:ext>
             </a:extLst>
           </p:cNvPr>
@@ -12127,7 +12127,7 @@
           <p:cNvPr id="32772" name="Rectangle 2">
             <a:extLst>
               <a:ext uri="{FF2B5EF4-FFF2-40B4-BE49-F238E27FC236}">
-                <a16:creationId xmlns:a16="http://schemas.microsoft.com/office/drawing/2014/main" xmlns="" id="{725837D5-9217-4FE3-BB75-9F74DB3D405C}"/>
+                <a16:creationId xmlns="" xmlns:a16="http://schemas.microsoft.com/office/drawing/2014/main" id="{725837D5-9217-4FE3-BB75-9F74DB3D405C}"/>
               </a:ext>
             </a:extLst>
           </p:cNvPr>
@@ -12150,14 +12150,14 @@
           </a:ln>
           <a:extLst>
             <a:ext uri="{909E8E84-426E-40DD-AFC4-6F175D3DCCD1}">
-              <a14:hiddenFill xmlns:a14="http://schemas.microsoft.com/office/drawing/2010/main" xmlns="">
+              <a14:hiddenFill xmlns="" xmlns:a14="http://schemas.microsoft.com/office/drawing/2010/main">
                 <a:solidFill>
                   <a:srgbClr val="FFFFFF"/>
                 </a:solidFill>
               </a14:hiddenFill>
             </a:ext>
             <a:ext uri="{91240B29-F687-4F45-9708-019B960494DF}">
-              <a14:hiddenLine xmlns:a14="http://schemas.microsoft.com/office/drawing/2010/main" xmlns="" w="9525">
+              <a14:hiddenLine xmlns="" xmlns:a14="http://schemas.microsoft.com/office/drawing/2010/main" w="9525">
                 <a:solidFill>
                   <a:srgbClr val="000000"/>
                 </a:solidFill>
@@ -12405,7 +12405,7 @@
           <p:cNvPr id="33794" name="Rectangle 2">
             <a:extLst>
               <a:ext uri="{FF2B5EF4-FFF2-40B4-BE49-F238E27FC236}">
-                <a16:creationId xmlns:a16="http://schemas.microsoft.com/office/drawing/2014/main" xmlns="" id="{09043173-40C5-4DDD-B35F-66DF5562C4F0}"/>
+                <a16:creationId xmlns="" xmlns:a16="http://schemas.microsoft.com/office/drawing/2014/main" id="{09043173-40C5-4DDD-B35F-66DF5562C4F0}"/>
               </a:ext>
             </a:extLst>
           </p:cNvPr>
@@ -12444,7 +12444,7 @@
           <p:cNvPr id="33795" name="Rectangle 3">
             <a:extLst>
               <a:ext uri="{FF2B5EF4-FFF2-40B4-BE49-F238E27FC236}">
-                <a16:creationId xmlns:a16="http://schemas.microsoft.com/office/drawing/2014/main" xmlns="" id="{75213811-738F-4489-A064-3B33D4F50022}"/>
+                <a16:creationId xmlns="" xmlns:a16="http://schemas.microsoft.com/office/drawing/2014/main" id="{75213811-738F-4489-A064-3B33D4F50022}"/>
               </a:ext>
             </a:extLst>
           </p:cNvPr>
@@ -12585,7 +12585,7 @@
           <p:cNvPr id="4" name="Rectangle 2">
             <a:extLst>
               <a:ext uri="{FF2B5EF4-FFF2-40B4-BE49-F238E27FC236}">
-                <a16:creationId xmlns:a16="http://schemas.microsoft.com/office/drawing/2014/main" xmlns="" id="{7041116D-1F18-4EC8-83CE-DFC272AC8D1A}"/>
+                <a16:creationId xmlns="" xmlns:a16="http://schemas.microsoft.com/office/drawing/2014/main" id="{7041116D-1F18-4EC8-83CE-DFC272AC8D1A}"/>
               </a:ext>
             </a:extLst>
           </p:cNvPr>
@@ -12608,14 +12608,14 @@
           </a:ln>
           <a:extLst>
             <a:ext uri="{909E8E84-426E-40DD-AFC4-6F175D3DCCD1}">
-              <a14:hiddenFill xmlns:a14="http://schemas.microsoft.com/office/drawing/2010/main" xmlns="">
+              <a14:hiddenFill xmlns="" xmlns:a14="http://schemas.microsoft.com/office/drawing/2010/main">
                 <a:solidFill>
                   <a:srgbClr val="FFFFFF"/>
                 </a:solidFill>
               </a14:hiddenFill>
             </a:ext>
             <a:ext uri="{91240B29-F687-4F45-9708-019B960494DF}">
-              <a14:hiddenLine xmlns:a14="http://schemas.microsoft.com/office/drawing/2010/main" xmlns="" w="9525">
+              <a14:hiddenLine xmlns="" xmlns:a14="http://schemas.microsoft.com/office/drawing/2010/main" w="9525">
                 <a:solidFill>
                   <a:srgbClr val="000000"/>
                 </a:solidFill>
@@ -12863,7 +12863,7 @@
           <p:cNvPr id="10242" name="Rectangle 2">
             <a:extLst>
               <a:ext uri="{FF2B5EF4-FFF2-40B4-BE49-F238E27FC236}">
-                <a16:creationId xmlns:a16="http://schemas.microsoft.com/office/drawing/2014/main" xmlns="" id="{1A80B391-298A-4CDF-AB2B-398EEE98261D}"/>
+                <a16:creationId xmlns="" xmlns:a16="http://schemas.microsoft.com/office/drawing/2014/main" id="{1A80B391-298A-4CDF-AB2B-398EEE98261D}"/>
               </a:ext>
             </a:extLst>
           </p:cNvPr>
@@ -12968,7 +12968,7 @@
           <p:cNvPr id="34818" name="Rectangle 2">
             <a:extLst>
               <a:ext uri="{FF2B5EF4-FFF2-40B4-BE49-F238E27FC236}">
-                <a16:creationId xmlns:a16="http://schemas.microsoft.com/office/drawing/2014/main" xmlns="" id="{DB09C53A-64A2-491D-B6F7-3926DB0D1239}"/>
+                <a16:creationId xmlns="" xmlns:a16="http://schemas.microsoft.com/office/drawing/2014/main" id="{DB09C53A-64A2-491D-B6F7-3926DB0D1239}"/>
               </a:ext>
             </a:extLst>
           </p:cNvPr>
@@ -13009,7 +13009,7 @@
           <p:cNvPr id="34819" name="Rectangle 3">
             <a:extLst>
               <a:ext uri="{FF2B5EF4-FFF2-40B4-BE49-F238E27FC236}">
-                <a16:creationId xmlns:a16="http://schemas.microsoft.com/office/drawing/2014/main" xmlns="" id="{77005C8F-9FA5-48AD-BDE7-9A89C43B2E24}"/>
+                <a16:creationId xmlns="" xmlns:a16="http://schemas.microsoft.com/office/drawing/2014/main" id="{77005C8F-9FA5-48AD-BDE7-9A89C43B2E24}"/>
               </a:ext>
             </a:extLst>
           </p:cNvPr>
@@ -13178,7 +13178,7 @@
           <p:cNvPr id="4" name="Rectangle 2">
             <a:extLst>
               <a:ext uri="{FF2B5EF4-FFF2-40B4-BE49-F238E27FC236}">
-                <a16:creationId xmlns:a16="http://schemas.microsoft.com/office/drawing/2014/main" xmlns="" id="{034BA121-7F67-4824-9FAC-F3AC62B09F22}"/>
+                <a16:creationId xmlns="" xmlns:a16="http://schemas.microsoft.com/office/drawing/2014/main" id="{034BA121-7F67-4824-9FAC-F3AC62B09F22}"/>
               </a:ext>
             </a:extLst>
           </p:cNvPr>
@@ -13201,14 +13201,14 @@
           </a:ln>
           <a:extLst>
             <a:ext uri="{909E8E84-426E-40DD-AFC4-6F175D3DCCD1}">
-              <a14:hiddenFill xmlns:a14="http://schemas.microsoft.com/office/drawing/2010/main" xmlns="">
+              <a14:hiddenFill xmlns="" xmlns:a14="http://schemas.microsoft.com/office/drawing/2010/main">
                 <a:solidFill>
                   <a:srgbClr val="FFFFFF"/>
                 </a:solidFill>
               </a14:hiddenFill>
             </a:ext>
             <a:ext uri="{91240B29-F687-4F45-9708-019B960494DF}">
-              <a14:hiddenLine xmlns:a14="http://schemas.microsoft.com/office/drawing/2010/main" xmlns="" w="9525">
+              <a14:hiddenLine xmlns="" xmlns:a14="http://schemas.microsoft.com/office/drawing/2010/main" w="9525">
                 <a:solidFill>
                   <a:srgbClr val="000000"/>
                 </a:solidFill>
@@ -13456,7 +13456,7 @@
           <p:cNvPr id="36866" name="Rectangle 2">
             <a:extLst>
               <a:ext uri="{FF2B5EF4-FFF2-40B4-BE49-F238E27FC236}">
-                <a16:creationId xmlns:a16="http://schemas.microsoft.com/office/drawing/2014/main" xmlns="" id="{CEFBEC4B-37F8-4673-B2E1-FF152E4A306E}"/>
+                <a16:creationId xmlns="" xmlns:a16="http://schemas.microsoft.com/office/drawing/2014/main" id="{CEFBEC4B-37F8-4673-B2E1-FF152E4A306E}"/>
               </a:ext>
             </a:extLst>
           </p:cNvPr>
@@ -13504,7 +13504,7 @@
           <p:cNvPr id="36867" name="Rectangle 3">
             <a:extLst>
               <a:ext uri="{FF2B5EF4-FFF2-40B4-BE49-F238E27FC236}">
-                <a16:creationId xmlns:a16="http://schemas.microsoft.com/office/drawing/2014/main" xmlns="" id="{20205396-F3BA-4CAA-A274-114EB996E0FE}"/>
+                <a16:creationId xmlns="" xmlns:a16="http://schemas.microsoft.com/office/drawing/2014/main" id="{20205396-F3BA-4CAA-A274-114EB996E0FE}"/>
               </a:ext>
             </a:extLst>
           </p:cNvPr>
@@ -13614,7 +13614,7 @@
           <p:cNvPr id="36868" name="Picture 4" descr="understandsoap_04">
             <a:extLst>
               <a:ext uri="{FF2B5EF4-FFF2-40B4-BE49-F238E27FC236}">
-                <a16:creationId xmlns:a16="http://schemas.microsoft.com/office/drawing/2014/main" xmlns="" id="{8113445D-571B-40F2-BA9E-CD0B5FDE055B}"/>
+                <a16:creationId xmlns="" xmlns:a16="http://schemas.microsoft.com/office/drawing/2014/main" id="{8113445D-571B-40F2-BA9E-CD0B5FDE055B}"/>
               </a:ext>
             </a:extLst>
           </p:cNvPr>
@@ -13627,7 +13627,7 @@
           <a:blip r:embed="rId2" cstate="print">
             <a:extLst>
               <a:ext uri="{28A0092B-C50C-407E-A947-70E740481C1C}">
-                <a14:useLocalDpi xmlns:a14="http://schemas.microsoft.com/office/drawing/2010/main" xmlns="" val="0"/>
+                <a14:useLocalDpi xmlns="" xmlns:a14="http://schemas.microsoft.com/office/drawing/2010/main" val="0"/>
               </a:ext>
             </a:extLst>
           </a:blip>
@@ -13650,14 +13650,14 @@
           </a:ln>
           <a:extLst>
             <a:ext uri="{909E8E84-426E-40DD-AFC4-6F175D3DCCD1}">
-              <a14:hiddenFill xmlns:a14="http://schemas.microsoft.com/office/drawing/2010/main" xmlns="">
+              <a14:hiddenFill xmlns="" xmlns:a14="http://schemas.microsoft.com/office/drawing/2010/main">
                 <a:solidFill>
                   <a:srgbClr val="FFFFFF"/>
                 </a:solidFill>
               </a14:hiddenFill>
             </a:ext>
             <a:ext uri="{91240B29-F687-4F45-9708-019B960494DF}">
-              <a14:hiddenLine xmlns:a14="http://schemas.microsoft.com/office/drawing/2010/main" xmlns="" w="9525">
+              <a14:hiddenLine xmlns="" xmlns:a14="http://schemas.microsoft.com/office/drawing/2010/main" w="9525">
                 <a:solidFill>
                   <a:srgbClr val="000000"/>
                 </a:solidFill>
@@ -13674,7 +13674,7 @@
           <p:cNvPr id="5" name="Rectangle 2">
             <a:extLst>
               <a:ext uri="{FF2B5EF4-FFF2-40B4-BE49-F238E27FC236}">
-                <a16:creationId xmlns:a16="http://schemas.microsoft.com/office/drawing/2014/main" xmlns="" id="{480AED83-F600-4AEB-91CC-DA2936CBE827}"/>
+                <a16:creationId xmlns="" xmlns:a16="http://schemas.microsoft.com/office/drawing/2014/main" id="{480AED83-F600-4AEB-91CC-DA2936CBE827}"/>
               </a:ext>
             </a:extLst>
           </p:cNvPr>
@@ -13697,14 +13697,14 @@
           </a:ln>
           <a:extLst>
             <a:ext uri="{909E8E84-426E-40DD-AFC4-6F175D3DCCD1}">
-              <a14:hiddenFill xmlns:a14="http://schemas.microsoft.com/office/drawing/2010/main" xmlns="">
+              <a14:hiddenFill xmlns="" xmlns:a14="http://schemas.microsoft.com/office/drawing/2010/main">
                 <a:solidFill>
                   <a:srgbClr val="FFFFFF"/>
                 </a:solidFill>
               </a14:hiddenFill>
             </a:ext>
             <a:ext uri="{91240B29-F687-4F45-9708-019B960494DF}">
-              <a14:hiddenLine xmlns:a14="http://schemas.microsoft.com/office/drawing/2010/main" xmlns="" w="9525">
+              <a14:hiddenLine xmlns="" xmlns:a14="http://schemas.microsoft.com/office/drawing/2010/main" w="9525">
                 <a:solidFill>
                   <a:srgbClr val="000000"/>
                 </a:solidFill>
@@ -13952,7 +13952,7 @@
           <p:cNvPr id="37890" name="Rectangle 2">
             <a:extLst>
               <a:ext uri="{FF2B5EF4-FFF2-40B4-BE49-F238E27FC236}">
-                <a16:creationId xmlns:a16="http://schemas.microsoft.com/office/drawing/2014/main" xmlns="" id="{31316034-20D9-4167-B01E-B8784B611DD2}"/>
+                <a16:creationId xmlns="" xmlns:a16="http://schemas.microsoft.com/office/drawing/2014/main" id="{31316034-20D9-4167-B01E-B8784B611DD2}"/>
               </a:ext>
             </a:extLst>
           </p:cNvPr>
@@ -14000,7 +14000,7 @@
           <p:cNvPr id="37891" name="Rectangle 3">
             <a:extLst>
               <a:ext uri="{FF2B5EF4-FFF2-40B4-BE49-F238E27FC236}">
-                <a16:creationId xmlns:a16="http://schemas.microsoft.com/office/drawing/2014/main" xmlns="" id="{3B2DA904-18EB-4625-9766-9E891997CED1}"/>
+                <a16:creationId xmlns="" xmlns:a16="http://schemas.microsoft.com/office/drawing/2014/main" id="{3B2DA904-18EB-4625-9766-9E891997CED1}"/>
               </a:ext>
             </a:extLst>
           </p:cNvPr>
@@ -14123,7 +14123,7 @@
           <p:cNvPr id="4" name="Rectangle 2">
             <a:extLst>
               <a:ext uri="{FF2B5EF4-FFF2-40B4-BE49-F238E27FC236}">
-                <a16:creationId xmlns:a16="http://schemas.microsoft.com/office/drawing/2014/main" xmlns="" id="{031C361B-D795-4BD2-819F-115FE6860C84}"/>
+                <a16:creationId xmlns="" xmlns:a16="http://schemas.microsoft.com/office/drawing/2014/main" id="{031C361B-D795-4BD2-819F-115FE6860C84}"/>
               </a:ext>
             </a:extLst>
           </p:cNvPr>
@@ -14146,14 +14146,14 @@
           </a:ln>
           <a:extLst>
             <a:ext uri="{909E8E84-426E-40DD-AFC4-6F175D3DCCD1}">
-              <a14:hiddenFill xmlns:a14="http://schemas.microsoft.com/office/drawing/2010/main" xmlns="">
+              <a14:hiddenFill xmlns="" xmlns:a14="http://schemas.microsoft.com/office/drawing/2010/main">
                 <a:solidFill>
                   <a:srgbClr val="FFFFFF"/>
                 </a:solidFill>
               </a14:hiddenFill>
             </a:ext>
             <a:ext uri="{91240B29-F687-4F45-9708-019B960494DF}">
-              <a14:hiddenLine xmlns:a14="http://schemas.microsoft.com/office/drawing/2010/main" xmlns="" w="9525">
+              <a14:hiddenLine xmlns="" xmlns:a14="http://schemas.microsoft.com/office/drawing/2010/main" w="9525">
                 <a:solidFill>
                   <a:srgbClr val="000000"/>
                 </a:solidFill>
@@ -14401,7 +14401,7 @@
           <p:cNvPr id="38914" name="Rectangle 2">
             <a:extLst>
               <a:ext uri="{FF2B5EF4-FFF2-40B4-BE49-F238E27FC236}">
-                <a16:creationId xmlns:a16="http://schemas.microsoft.com/office/drawing/2014/main" xmlns="" id="{B74F26C6-AD24-4CB8-AB9A-3A4721FD96EE}"/>
+                <a16:creationId xmlns="" xmlns:a16="http://schemas.microsoft.com/office/drawing/2014/main" id="{B74F26C6-AD24-4CB8-AB9A-3A4721FD96EE}"/>
               </a:ext>
             </a:extLst>
           </p:cNvPr>
@@ -14449,7 +14449,7 @@
           <p:cNvPr id="38915" name="Rectangle 3">
             <a:extLst>
               <a:ext uri="{FF2B5EF4-FFF2-40B4-BE49-F238E27FC236}">
-                <a16:creationId xmlns:a16="http://schemas.microsoft.com/office/drawing/2014/main" xmlns="" id="{72C07DE7-74A0-4CA0-8E0C-6749C2079DD9}"/>
+                <a16:creationId xmlns="" xmlns:a16="http://schemas.microsoft.com/office/drawing/2014/main" id="{72C07DE7-74A0-4CA0-8E0C-6749C2079DD9}"/>
               </a:ext>
             </a:extLst>
           </p:cNvPr>
@@ -14843,7 +14843,7 @@
           <p:cNvPr id="4" name="Rectangle 2">
             <a:extLst>
               <a:ext uri="{FF2B5EF4-FFF2-40B4-BE49-F238E27FC236}">
-                <a16:creationId xmlns:a16="http://schemas.microsoft.com/office/drawing/2014/main" xmlns="" id="{95FCC77B-F762-4409-8E65-E729A382863E}"/>
+                <a16:creationId xmlns="" xmlns:a16="http://schemas.microsoft.com/office/drawing/2014/main" id="{95FCC77B-F762-4409-8E65-E729A382863E}"/>
               </a:ext>
             </a:extLst>
           </p:cNvPr>
@@ -14866,14 +14866,14 @@
           </a:ln>
           <a:extLst>
             <a:ext uri="{909E8E84-426E-40DD-AFC4-6F175D3DCCD1}">
-              <a14:hiddenFill xmlns:a14="http://schemas.microsoft.com/office/drawing/2010/main" xmlns="">
+              <a14:hiddenFill xmlns="" xmlns:a14="http://schemas.microsoft.com/office/drawing/2010/main">
                 <a:solidFill>
                   <a:srgbClr val="FFFFFF"/>
                 </a:solidFill>
               </a14:hiddenFill>
             </a:ext>
             <a:ext uri="{91240B29-F687-4F45-9708-019B960494DF}">
-              <a14:hiddenLine xmlns:a14="http://schemas.microsoft.com/office/drawing/2010/main" xmlns="" w="9525">
+              <a14:hiddenLine xmlns="" xmlns:a14="http://schemas.microsoft.com/office/drawing/2010/main" w="9525">
                 <a:solidFill>
                   <a:srgbClr val="000000"/>
                 </a:solidFill>
@@ -15121,7 +15121,7 @@
           <p:cNvPr id="39938" name="Rectangle 2">
             <a:extLst>
               <a:ext uri="{FF2B5EF4-FFF2-40B4-BE49-F238E27FC236}">
-                <a16:creationId xmlns:a16="http://schemas.microsoft.com/office/drawing/2014/main" xmlns="" id="{0E636D34-6CCD-4F65-81EC-405F437F3184}"/>
+                <a16:creationId xmlns="" xmlns:a16="http://schemas.microsoft.com/office/drawing/2014/main" id="{0E636D34-6CCD-4F65-81EC-405F437F3184}"/>
               </a:ext>
             </a:extLst>
           </p:cNvPr>
@@ -15166,7 +15166,7 @@
           <p:cNvPr id="39939" name="Rectangle 3">
             <a:extLst>
               <a:ext uri="{FF2B5EF4-FFF2-40B4-BE49-F238E27FC236}">
-                <a16:creationId xmlns:a16="http://schemas.microsoft.com/office/drawing/2014/main" xmlns="" id="{C82BE8CE-285D-4F22-AAB6-ED106C2300D6}"/>
+                <a16:creationId xmlns="" xmlns:a16="http://schemas.microsoft.com/office/drawing/2014/main" id="{C82BE8CE-285D-4F22-AAB6-ED106C2300D6}"/>
               </a:ext>
             </a:extLst>
           </p:cNvPr>
@@ -15368,7 +15368,7 @@
           <p:cNvPr id="4" name="Rectangle 2">
             <a:extLst>
               <a:ext uri="{FF2B5EF4-FFF2-40B4-BE49-F238E27FC236}">
-                <a16:creationId xmlns:a16="http://schemas.microsoft.com/office/drawing/2014/main" xmlns="" id="{13221AAC-8796-4A96-8D6F-9A686180C826}"/>
+                <a16:creationId xmlns="" xmlns:a16="http://schemas.microsoft.com/office/drawing/2014/main" id="{13221AAC-8796-4A96-8D6F-9A686180C826}"/>
               </a:ext>
             </a:extLst>
           </p:cNvPr>
@@ -15391,14 +15391,14 @@
           </a:ln>
           <a:extLst>
             <a:ext uri="{909E8E84-426E-40DD-AFC4-6F175D3DCCD1}">
-              <a14:hiddenFill xmlns:a14="http://schemas.microsoft.com/office/drawing/2010/main" xmlns="">
+              <a14:hiddenFill xmlns="" xmlns:a14="http://schemas.microsoft.com/office/drawing/2010/main">
                 <a:solidFill>
                   <a:srgbClr val="FFFFFF"/>
                 </a:solidFill>
               </a14:hiddenFill>
             </a:ext>
             <a:ext uri="{91240B29-F687-4F45-9708-019B960494DF}">
-              <a14:hiddenLine xmlns:a14="http://schemas.microsoft.com/office/drawing/2010/main" xmlns="" w="9525">
+              <a14:hiddenLine xmlns="" xmlns:a14="http://schemas.microsoft.com/office/drawing/2010/main" w="9525">
                 <a:solidFill>
                   <a:srgbClr val="000000"/>
                 </a:solidFill>
@@ -15646,7 +15646,7 @@
           <p:cNvPr id="40962" name="内容占位符 1">
             <a:extLst>
               <a:ext uri="{FF2B5EF4-FFF2-40B4-BE49-F238E27FC236}">
-                <a16:creationId xmlns:a16="http://schemas.microsoft.com/office/drawing/2014/main" xmlns="" id="{A8697224-7A97-4CDD-965D-432537D72E17}"/>
+                <a16:creationId xmlns="" xmlns:a16="http://schemas.microsoft.com/office/drawing/2014/main" id="{A8697224-7A97-4CDD-965D-432537D72E17}"/>
               </a:ext>
             </a:extLst>
           </p:cNvPr>
@@ -15692,7 +15692,7 @@
           <p:cNvPr id="40963" name="Picture 3">
             <a:extLst>
               <a:ext uri="{FF2B5EF4-FFF2-40B4-BE49-F238E27FC236}">
-                <a16:creationId xmlns:a16="http://schemas.microsoft.com/office/drawing/2014/main" xmlns="" id="{8CDF0CB7-CD80-415B-A729-86D428DB175D}"/>
+                <a16:creationId xmlns="" xmlns:a16="http://schemas.microsoft.com/office/drawing/2014/main" id="{8CDF0CB7-CD80-415B-A729-86D428DB175D}"/>
               </a:ext>
             </a:extLst>
           </p:cNvPr>
@@ -15705,7 +15705,7 @@
           <a:blip r:embed="rId2" cstate="print">
             <a:extLst>
               <a:ext uri="{28A0092B-C50C-407E-A947-70E740481C1C}">
-                <a14:useLocalDpi xmlns:a14="http://schemas.microsoft.com/office/drawing/2010/main" xmlns="" val="0"/>
+                <a14:useLocalDpi xmlns="" xmlns:a14="http://schemas.microsoft.com/office/drawing/2010/main" val="0"/>
               </a:ext>
             </a:extLst>
           </a:blip>
@@ -15728,14 +15728,14 @@
           </a:ln>
           <a:extLst>
             <a:ext uri="{909E8E84-426E-40DD-AFC4-6F175D3DCCD1}">
-              <a14:hiddenFill xmlns:a14="http://schemas.microsoft.com/office/drawing/2010/main" xmlns="">
+              <a14:hiddenFill xmlns="" xmlns:a14="http://schemas.microsoft.com/office/drawing/2010/main">
                 <a:solidFill>
                   <a:srgbClr val="FFFFFF"/>
                 </a:solidFill>
               </a14:hiddenFill>
             </a:ext>
             <a:ext uri="{91240B29-F687-4F45-9708-019B960494DF}">
-              <a14:hiddenLine xmlns:a14="http://schemas.microsoft.com/office/drawing/2010/main" xmlns="" w="12700" algn="ctr">
+              <a14:hiddenLine xmlns="" xmlns:a14="http://schemas.microsoft.com/office/drawing/2010/main" w="12700" algn="ctr">
                 <a:solidFill>
                   <a:srgbClr val="000000"/>
                 </a:solidFill>
@@ -15752,7 +15752,7 @@
           <p:cNvPr id="40964" name="Picture 4">
             <a:extLst>
               <a:ext uri="{FF2B5EF4-FFF2-40B4-BE49-F238E27FC236}">
-                <a16:creationId xmlns:a16="http://schemas.microsoft.com/office/drawing/2014/main" xmlns="" id="{33503C33-9195-4B65-9643-7A8C1FD6E8D9}"/>
+                <a16:creationId xmlns="" xmlns:a16="http://schemas.microsoft.com/office/drawing/2014/main" id="{33503C33-9195-4B65-9643-7A8C1FD6E8D9}"/>
               </a:ext>
             </a:extLst>
           </p:cNvPr>
@@ -15765,7 +15765,7 @@
           <a:blip r:embed="rId3" cstate="print">
             <a:extLst>
               <a:ext uri="{28A0092B-C50C-407E-A947-70E740481C1C}">
-                <a14:useLocalDpi xmlns:a14="http://schemas.microsoft.com/office/drawing/2010/main" xmlns="" val="0"/>
+                <a14:useLocalDpi xmlns="" xmlns:a14="http://schemas.microsoft.com/office/drawing/2010/main" val="0"/>
               </a:ext>
             </a:extLst>
           </a:blip>
@@ -15788,14 +15788,14 @@
           </a:ln>
           <a:extLst>
             <a:ext uri="{909E8E84-426E-40DD-AFC4-6F175D3DCCD1}">
-              <a14:hiddenFill xmlns:a14="http://schemas.microsoft.com/office/drawing/2010/main" xmlns="">
+              <a14:hiddenFill xmlns="" xmlns:a14="http://schemas.microsoft.com/office/drawing/2010/main">
                 <a:solidFill>
                   <a:srgbClr val="FFFFFF"/>
                 </a:solidFill>
               </a14:hiddenFill>
             </a:ext>
             <a:ext uri="{91240B29-F687-4F45-9708-019B960494DF}">
-              <a14:hiddenLine xmlns:a14="http://schemas.microsoft.com/office/drawing/2010/main" xmlns="" w="12700" algn="ctr">
+              <a14:hiddenLine xmlns="" xmlns:a14="http://schemas.microsoft.com/office/drawing/2010/main" w="12700" algn="ctr">
                 <a:solidFill>
                   <a:srgbClr val="000000"/>
                 </a:solidFill>
@@ -15812,7 +15812,7 @@
           <p:cNvPr id="40965" name="Picture 5" descr="LtGreenBox">
             <a:extLst>
               <a:ext uri="{FF2B5EF4-FFF2-40B4-BE49-F238E27FC236}">
-                <a16:creationId xmlns:a16="http://schemas.microsoft.com/office/drawing/2014/main" xmlns="" id="{8279FAF9-5CB1-4265-ABD3-DA3E8F88B646}"/>
+                <a16:creationId xmlns="" xmlns:a16="http://schemas.microsoft.com/office/drawing/2014/main" id="{8279FAF9-5CB1-4265-ABD3-DA3E8F88B646}"/>
               </a:ext>
             </a:extLst>
           </p:cNvPr>
@@ -15825,7 +15825,7 @@
           <a:blip r:embed="rId4" cstate="print">
             <a:extLst>
               <a:ext uri="{28A0092B-C50C-407E-A947-70E740481C1C}">
-                <a14:useLocalDpi xmlns:a14="http://schemas.microsoft.com/office/drawing/2010/main" xmlns="" val="0"/>
+                <a14:useLocalDpi xmlns="" xmlns:a14="http://schemas.microsoft.com/office/drawing/2010/main" val="0"/>
               </a:ext>
             </a:extLst>
           </a:blip>
@@ -15848,14 +15848,14 @@
           </a:ln>
           <a:extLst>
             <a:ext uri="{909E8E84-426E-40DD-AFC4-6F175D3DCCD1}">
-              <a14:hiddenFill xmlns:a14="http://schemas.microsoft.com/office/drawing/2010/main" xmlns="">
+              <a14:hiddenFill xmlns="" xmlns:a14="http://schemas.microsoft.com/office/drawing/2010/main">
                 <a:solidFill>
                   <a:srgbClr val="FFFFFF"/>
                 </a:solidFill>
               </a14:hiddenFill>
             </a:ext>
             <a:ext uri="{91240B29-F687-4F45-9708-019B960494DF}">
-              <a14:hiddenLine xmlns:a14="http://schemas.microsoft.com/office/drawing/2010/main" xmlns="" w="9525">
+              <a14:hiddenLine xmlns="" xmlns:a14="http://schemas.microsoft.com/office/drawing/2010/main" w="9525">
                 <a:solidFill>
                   <a:srgbClr val="000000"/>
                 </a:solidFill>
@@ -15872,7 +15872,7 @@
           <p:cNvPr id="40966" name="Text Box 6">
             <a:extLst>
               <a:ext uri="{FF2B5EF4-FFF2-40B4-BE49-F238E27FC236}">
-                <a16:creationId xmlns:a16="http://schemas.microsoft.com/office/drawing/2014/main" xmlns="" id="{F4253613-0859-466F-BA76-FE41D7D603B5}"/>
+                <a16:creationId xmlns="" xmlns:a16="http://schemas.microsoft.com/office/drawing/2014/main" id="{F4253613-0859-466F-BA76-FE41D7D603B5}"/>
               </a:ext>
             </a:extLst>
           </p:cNvPr>
@@ -15902,14 +15902,14 @@
           </a:effectLst>
           <a:extLst>
             <a:ext uri="{909E8E84-426E-40DD-AFC4-6F175D3DCCD1}">
-              <a14:hiddenFill xmlns:a14="http://schemas.microsoft.com/office/drawing/2010/main" xmlns="">
+              <a14:hiddenFill xmlns="" xmlns:a14="http://schemas.microsoft.com/office/drawing/2010/main">
                 <a:solidFill>
                   <a:srgbClr val="FFFFFF"/>
                 </a:solidFill>
               </a14:hiddenFill>
             </a:ext>
             <a:ext uri="{91240B29-F687-4F45-9708-019B960494DF}">
-              <a14:hiddenLine xmlns:a14="http://schemas.microsoft.com/office/drawing/2010/main" xmlns="" w="9525" algn="ctr">
+              <a14:hiddenLine xmlns="" xmlns:a14="http://schemas.microsoft.com/office/drawing/2010/main" w="9525" algn="ctr">
                 <a:solidFill>
                   <a:srgbClr val="000000"/>
                 </a:solidFill>
@@ -16074,7 +16074,7 @@
           <p:cNvPr id="40967" name="Picture 7">
             <a:extLst>
               <a:ext uri="{FF2B5EF4-FFF2-40B4-BE49-F238E27FC236}">
-                <a16:creationId xmlns:a16="http://schemas.microsoft.com/office/drawing/2014/main" xmlns="" id="{023E7F29-561D-4907-A171-3D8AA51ED11F}"/>
+                <a16:creationId xmlns="" xmlns:a16="http://schemas.microsoft.com/office/drawing/2014/main" id="{023E7F29-561D-4907-A171-3D8AA51ED11F}"/>
               </a:ext>
             </a:extLst>
           </p:cNvPr>
@@ -16087,7 +16087,7 @@
           <a:blip r:embed="rId2" cstate="print">
             <a:extLst>
               <a:ext uri="{28A0092B-C50C-407E-A947-70E740481C1C}">
-                <a14:useLocalDpi xmlns:a14="http://schemas.microsoft.com/office/drawing/2010/main" xmlns="" val="0"/>
+                <a14:useLocalDpi xmlns="" xmlns:a14="http://schemas.microsoft.com/office/drawing/2010/main" val="0"/>
               </a:ext>
             </a:extLst>
           </a:blip>
@@ -16110,14 +16110,14 @@
           </a:ln>
           <a:extLst>
             <a:ext uri="{909E8E84-426E-40DD-AFC4-6F175D3DCCD1}">
-              <a14:hiddenFill xmlns:a14="http://schemas.microsoft.com/office/drawing/2010/main" xmlns="">
+              <a14:hiddenFill xmlns="" xmlns:a14="http://schemas.microsoft.com/office/drawing/2010/main">
                 <a:solidFill>
                   <a:srgbClr val="FFFFFF"/>
                 </a:solidFill>
               </a14:hiddenFill>
             </a:ext>
             <a:ext uri="{91240B29-F687-4F45-9708-019B960494DF}">
-              <a14:hiddenLine xmlns:a14="http://schemas.microsoft.com/office/drawing/2010/main" xmlns="" w="12700" algn="ctr">
+              <a14:hiddenLine xmlns="" xmlns:a14="http://schemas.microsoft.com/office/drawing/2010/main" w="12700" algn="ctr">
                 <a:solidFill>
                   <a:srgbClr val="000000"/>
                 </a:solidFill>
@@ -16134,7 +16134,7 @@
           <p:cNvPr id="40968" name="Picture 8">
             <a:extLst>
               <a:ext uri="{FF2B5EF4-FFF2-40B4-BE49-F238E27FC236}">
-                <a16:creationId xmlns:a16="http://schemas.microsoft.com/office/drawing/2014/main" xmlns="" id="{9104EF1C-EE6B-490A-9D82-E3E579EDE34A}"/>
+                <a16:creationId xmlns="" xmlns:a16="http://schemas.microsoft.com/office/drawing/2014/main" id="{9104EF1C-EE6B-490A-9D82-E3E579EDE34A}"/>
               </a:ext>
             </a:extLst>
           </p:cNvPr>
@@ -16147,7 +16147,7 @@
           <a:blip r:embed="rId3" cstate="print">
             <a:extLst>
               <a:ext uri="{28A0092B-C50C-407E-A947-70E740481C1C}">
-                <a14:useLocalDpi xmlns:a14="http://schemas.microsoft.com/office/drawing/2010/main" xmlns="" val="0"/>
+                <a14:useLocalDpi xmlns="" xmlns:a14="http://schemas.microsoft.com/office/drawing/2010/main" val="0"/>
               </a:ext>
             </a:extLst>
           </a:blip>
@@ -16170,14 +16170,14 @@
           </a:ln>
           <a:extLst>
             <a:ext uri="{909E8E84-426E-40DD-AFC4-6F175D3DCCD1}">
-              <a14:hiddenFill xmlns:a14="http://schemas.microsoft.com/office/drawing/2010/main" xmlns="">
+              <a14:hiddenFill xmlns="" xmlns:a14="http://schemas.microsoft.com/office/drawing/2010/main">
                 <a:solidFill>
                   <a:srgbClr val="FFFFFF"/>
                 </a:solidFill>
               </a14:hiddenFill>
             </a:ext>
             <a:ext uri="{91240B29-F687-4F45-9708-019B960494DF}">
-              <a14:hiddenLine xmlns:a14="http://schemas.microsoft.com/office/drawing/2010/main" xmlns="" w="12700" algn="ctr">
+              <a14:hiddenLine xmlns="" xmlns:a14="http://schemas.microsoft.com/office/drawing/2010/main" w="12700" algn="ctr">
                 <a:solidFill>
                   <a:srgbClr val="000000"/>
                 </a:solidFill>
@@ -16194,7 +16194,7 @@
           <p:cNvPr id="40969" name="Picture 9" descr="LtGreenBox">
             <a:extLst>
               <a:ext uri="{FF2B5EF4-FFF2-40B4-BE49-F238E27FC236}">
-                <a16:creationId xmlns:a16="http://schemas.microsoft.com/office/drawing/2014/main" xmlns="" id="{95175C03-FEC0-4400-A5B8-D4E6B03E372F}"/>
+                <a16:creationId xmlns="" xmlns:a16="http://schemas.microsoft.com/office/drawing/2014/main" id="{95175C03-FEC0-4400-A5B8-D4E6B03E372F}"/>
               </a:ext>
             </a:extLst>
           </p:cNvPr>
@@ -16207,7 +16207,7 @@
           <a:blip r:embed="rId4" cstate="print">
             <a:extLst>
               <a:ext uri="{28A0092B-C50C-407E-A947-70E740481C1C}">
-                <a14:useLocalDpi xmlns:a14="http://schemas.microsoft.com/office/drawing/2010/main" xmlns="" val="0"/>
+                <a14:useLocalDpi xmlns="" xmlns:a14="http://schemas.microsoft.com/office/drawing/2010/main" val="0"/>
               </a:ext>
             </a:extLst>
           </a:blip>
@@ -16230,14 +16230,14 @@
           </a:ln>
           <a:extLst>
             <a:ext uri="{909E8E84-426E-40DD-AFC4-6F175D3DCCD1}">
-              <a14:hiddenFill xmlns:a14="http://schemas.microsoft.com/office/drawing/2010/main" xmlns="">
+              <a14:hiddenFill xmlns="" xmlns:a14="http://schemas.microsoft.com/office/drawing/2010/main">
                 <a:solidFill>
                   <a:srgbClr val="FFFFFF"/>
                 </a:solidFill>
               </a14:hiddenFill>
             </a:ext>
             <a:ext uri="{91240B29-F687-4F45-9708-019B960494DF}">
-              <a14:hiddenLine xmlns:a14="http://schemas.microsoft.com/office/drawing/2010/main" xmlns="" w="9525">
+              <a14:hiddenLine xmlns="" xmlns:a14="http://schemas.microsoft.com/office/drawing/2010/main" w="9525">
                 <a:solidFill>
                   <a:srgbClr val="000000"/>
                 </a:solidFill>
@@ -16254,7 +16254,7 @@
           <p:cNvPr id="40970" name="Group 10">
             <a:extLst>
               <a:ext uri="{FF2B5EF4-FFF2-40B4-BE49-F238E27FC236}">
-                <a16:creationId xmlns:a16="http://schemas.microsoft.com/office/drawing/2014/main" xmlns="" id="{B5ABBD4C-834E-4BAC-8353-C71E0BE591E9}"/>
+                <a16:creationId xmlns="" xmlns:a16="http://schemas.microsoft.com/office/drawing/2014/main" id="{B5ABBD4C-834E-4BAC-8353-C71E0BE591E9}"/>
               </a:ext>
             </a:extLst>
           </p:cNvPr>
@@ -16276,7 +16276,7 @@
             <p:cNvPr id="40989" name="Oval 11">
               <a:extLst>
                 <a:ext uri="{FF2B5EF4-FFF2-40B4-BE49-F238E27FC236}">
-                  <a16:creationId xmlns:a16="http://schemas.microsoft.com/office/drawing/2014/main" xmlns="" id="{F4E50DD7-21F5-44FF-B108-A517867076A3}"/>
+                  <a16:creationId xmlns="" xmlns:a16="http://schemas.microsoft.com/office/drawing/2014/main" id="{F4E50DD7-21F5-44FF-B108-A517867076A3}"/>
                 </a:ext>
               </a:extLst>
             </p:cNvPr>
@@ -16311,7 +16311,7 @@
             </a:ln>
             <a:extLst>
               <a:ext uri="{91240B29-F687-4F45-9708-019B960494DF}">
-                <a14:hiddenLine xmlns:a14="http://schemas.microsoft.com/office/drawing/2010/main" xmlns="" w="9525">
+                <a14:hiddenLine xmlns="" xmlns:a14="http://schemas.microsoft.com/office/drawing/2010/main" w="9525">
                   <a:solidFill>
                     <a:srgbClr val="000000"/>
                   </a:solidFill>
@@ -16471,7 +16471,7 @@
             <p:cNvPr id="40990" name="Picture 12" descr="图形1">
               <a:extLst>
                 <a:ext uri="{FF2B5EF4-FFF2-40B4-BE49-F238E27FC236}">
-                  <a16:creationId xmlns:a16="http://schemas.microsoft.com/office/drawing/2014/main" xmlns="" id="{0B92AE2D-B18B-432E-BCAE-ADFB599AB0F7}"/>
+                  <a16:creationId xmlns="" xmlns:a16="http://schemas.microsoft.com/office/drawing/2014/main" id="{0B92AE2D-B18B-432E-BCAE-ADFB599AB0F7}"/>
                 </a:ext>
               </a:extLst>
             </p:cNvPr>
@@ -16484,7 +16484,7 @@
             <a:blip r:embed="rId5" cstate="print">
               <a:extLst>
                 <a:ext uri="{28A0092B-C50C-407E-A947-70E740481C1C}">
-                  <a14:useLocalDpi xmlns:a14="http://schemas.microsoft.com/office/drawing/2010/main" xmlns="" val="0"/>
+                  <a14:useLocalDpi xmlns="" xmlns:a14="http://schemas.microsoft.com/office/drawing/2010/main" val="0"/>
                 </a:ext>
               </a:extLst>
             </a:blip>
@@ -16507,14 +16507,14 @@
             </a:ln>
             <a:extLst>
               <a:ext uri="{909E8E84-426E-40DD-AFC4-6F175D3DCCD1}">
-                <a14:hiddenFill xmlns:a14="http://schemas.microsoft.com/office/drawing/2010/main" xmlns="">
+                <a14:hiddenFill xmlns="" xmlns:a14="http://schemas.microsoft.com/office/drawing/2010/main">
                   <a:solidFill>
                     <a:srgbClr val="FFFFFF"/>
                   </a:solidFill>
                 </a14:hiddenFill>
               </a:ext>
               <a:ext uri="{91240B29-F687-4F45-9708-019B960494DF}">
-                <a14:hiddenLine xmlns:a14="http://schemas.microsoft.com/office/drawing/2010/main" xmlns="" w="9525">
+                <a14:hiddenLine xmlns="" xmlns:a14="http://schemas.microsoft.com/office/drawing/2010/main" w="9525">
                   <a:solidFill>
                     <a:srgbClr val="000000"/>
                   </a:solidFill>
@@ -16532,7 +16532,7 @@
           <p:cNvPr id="40971" name="Text Box 13">
             <a:extLst>
               <a:ext uri="{FF2B5EF4-FFF2-40B4-BE49-F238E27FC236}">
-                <a16:creationId xmlns:a16="http://schemas.microsoft.com/office/drawing/2014/main" xmlns="" id="{A9B54CBA-08DB-44E1-9397-FAE68C69E9D4}"/>
+                <a16:creationId xmlns="" xmlns:a16="http://schemas.microsoft.com/office/drawing/2014/main" id="{A9B54CBA-08DB-44E1-9397-FAE68C69E9D4}"/>
               </a:ext>
             </a:extLst>
           </p:cNvPr>
@@ -16562,14 +16562,14 @@
           </a:effectLst>
           <a:extLst>
             <a:ext uri="{909E8E84-426E-40DD-AFC4-6F175D3DCCD1}">
-              <a14:hiddenFill xmlns:a14="http://schemas.microsoft.com/office/drawing/2010/main" xmlns="">
+              <a14:hiddenFill xmlns="" xmlns:a14="http://schemas.microsoft.com/office/drawing/2010/main">
                 <a:solidFill>
                   <a:srgbClr val="FFFFFF"/>
                 </a:solidFill>
               </a14:hiddenFill>
             </a:ext>
             <a:ext uri="{91240B29-F687-4F45-9708-019B960494DF}">
-              <a14:hiddenLine xmlns:a14="http://schemas.microsoft.com/office/drawing/2010/main" xmlns="" w="9525" algn="ctr">
+              <a14:hiddenLine xmlns="" xmlns:a14="http://schemas.microsoft.com/office/drawing/2010/main" w="9525" algn="ctr">
                 <a:solidFill>
                   <a:srgbClr val="000000"/>
                 </a:solidFill>
@@ -16751,7 +16751,7 @@
           <p:cNvPr id="40972" name="Text Box 14">
             <a:extLst>
               <a:ext uri="{FF2B5EF4-FFF2-40B4-BE49-F238E27FC236}">
-                <a16:creationId xmlns:a16="http://schemas.microsoft.com/office/drawing/2014/main" xmlns="" id="{79523ADB-C7CD-499D-8872-6DCF863E28F3}"/>
+                <a16:creationId xmlns="" xmlns:a16="http://schemas.microsoft.com/office/drawing/2014/main" id="{79523ADB-C7CD-499D-8872-6DCF863E28F3}"/>
               </a:ext>
             </a:extLst>
           </p:cNvPr>
@@ -16781,14 +16781,14 @@
           </a:effectLst>
           <a:extLst>
             <a:ext uri="{909E8E84-426E-40DD-AFC4-6F175D3DCCD1}">
-              <a14:hiddenFill xmlns:a14="http://schemas.microsoft.com/office/drawing/2010/main" xmlns="">
+              <a14:hiddenFill xmlns="" xmlns:a14="http://schemas.microsoft.com/office/drawing/2010/main">
                 <a:solidFill>
                   <a:srgbClr val="FFFFFF"/>
                 </a:solidFill>
               </a14:hiddenFill>
             </a:ext>
             <a:ext uri="{91240B29-F687-4F45-9708-019B960494DF}">
-              <a14:hiddenLine xmlns:a14="http://schemas.microsoft.com/office/drawing/2010/main" xmlns="" w="9525" algn="ctr">
+              <a14:hiddenLine xmlns="" xmlns:a14="http://schemas.microsoft.com/office/drawing/2010/main" w="9525" algn="ctr">
                 <a:solidFill>
                   <a:srgbClr val="000000"/>
                 </a:solidFill>
@@ -16953,7 +16953,7 @@
           <p:cNvPr id="40973" name="Text Box 15">
             <a:extLst>
               <a:ext uri="{FF2B5EF4-FFF2-40B4-BE49-F238E27FC236}">
-                <a16:creationId xmlns:a16="http://schemas.microsoft.com/office/drawing/2014/main" xmlns="" id="{862DE22A-3E19-426D-9D3D-8EE6033C4869}"/>
+                <a16:creationId xmlns="" xmlns:a16="http://schemas.microsoft.com/office/drawing/2014/main" id="{862DE22A-3E19-426D-9D3D-8EE6033C4869}"/>
               </a:ext>
             </a:extLst>
           </p:cNvPr>
@@ -16983,14 +16983,14 @@
           </a:effectLst>
           <a:extLst>
             <a:ext uri="{909E8E84-426E-40DD-AFC4-6F175D3DCCD1}">
-              <a14:hiddenFill xmlns:a14="http://schemas.microsoft.com/office/drawing/2010/main" xmlns="">
+              <a14:hiddenFill xmlns="" xmlns:a14="http://schemas.microsoft.com/office/drawing/2010/main">
                 <a:solidFill>
                   <a:srgbClr val="FFFFFF"/>
                 </a:solidFill>
               </a14:hiddenFill>
             </a:ext>
             <a:ext uri="{91240B29-F687-4F45-9708-019B960494DF}">
-              <a14:hiddenLine xmlns:a14="http://schemas.microsoft.com/office/drawing/2010/main" xmlns="" w="9525" algn="ctr">
+              <a14:hiddenLine xmlns="" xmlns:a14="http://schemas.microsoft.com/office/drawing/2010/main" w="9525" algn="ctr">
                 <a:solidFill>
                   <a:srgbClr val="000000"/>
                 </a:solidFill>
@@ -17155,7 +17155,7 @@
           <p:cNvPr id="40974" name="Text Box 16">
             <a:extLst>
               <a:ext uri="{FF2B5EF4-FFF2-40B4-BE49-F238E27FC236}">
-                <a16:creationId xmlns:a16="http://schemas.microsoft.com/office/drawing/2014/main" xmlns="" id="{C052A06F-746D-4E98-A6BE-F10CC71F1942}"/>
+                <a16:creationId xmlns="" xmlns:a16="http://schemas.microsoft.com/office/drawing/2014/main" id="{C052A06F-746D-4E98-A6BE-F10CC71F1942}"/>
               </a:ext>
             </a:extLst>
           </p:cNvPr>
@@ -17185,14 +17185,14 @@
           </a:effectLst>
           <a:extLst>
             <a:ext uri="{909E8E84-426E-40DD-AFC4-6F175D3DCCD1}">
-              <a14:hiddenFill xmlns:a14="http://schemas.microsoft.com/office/drawing/2010/main" xmlns="">
+              <a14:hiddenFill xmlns="" xmlns:a14="http://schemas.microsoft.com/office/drawing/2010/main">
                 <a:solidFill>
                   <a:srgbClr val="FFFFFF"/>
                 </a:solidFill>
               </a14:hiddenFill>
             </a:ext>
             <a:ext uri="{91240B29-F687-4F45-9708-019B960494DF}">
-              <a14:hiddenLine xmlns:a14="http://schemas.microsoft.com/office/drawing/2010/main" xmlns="" w="9525" algn="ctr">
+              <a14:hiddenLine xmlns="" xmlns:a14="http://schemas.microsoft.com/office/drawing/2010/main" w="9525" algn="ctr">
                 <a:solidFill>
                   <a:srgbClr val="000000"/>
                 </a:solidFill>
@@ -17357,7 +17357,7 @@
           <p:cNvPr id="40975" name="Text Box 17">
             <a:extLst>
               <a:ext uri="{FF2B5EF4-FFF2-40B4-BE49-F238E27FC236}">
-                <a16:creationId xmlns:a16="http://schemas.microsoft.com/office/drawing/2014/main" xmlns="" id="{F9583DBF-1D03-4101-91D9-C583D02A869D}"/>
+                <a16:creationId xmlns="" xmlns:a16="http://schemas.microsoft.com/office/drawing/2014/main" id="{F9583DBF-1D03-4101-91D9-C583D02A869D}"/>
               </a:ext>
             </a:extLst>
           </p:cNvPr>
@@ -17387,14 +17387,14 @@
           </a:effectLst>
           <a:extLst>
             <a:ext uri="{909E8E84-426E-40DD-AFC4-6F175D3DCCD1}">
-              <a14:hiddenFill xmlns:a14="http://schemas.microsoft.com/office/drawing/2010/main" xmlns="">
+              <a14:hiddenFill xmlns="" xmlns:a14="http://schemas.microsoft.com/office/drawing/2010/main">
                 <a:solidFill>
                   <a:srgbClr val="FFFFFF"/>
                 </a:solidFill>
               </a14:hiddenFill>
             </a:ext>
             <a:ext uri="{91240B29-F687-4F45-9708-019B960494DF}">
-              <a14:hiddenLine xmlns:a14="http://schemas.microsoft.com/office/drawing/2010/main" xmlns="" w="9525" algn="ctr">
+              <a14:hiddenLine xmlns="" xmlns:a14="http://schemas.microsoft.com/office/drawing/2010/main" w="9525" algn="ctr">
                 <a:solidFill>
                   <a:srgbClr val="000000"/>
                 </a:solidFill>
@@ -17576,7 +17576,7 @@
           <p:cNvPr id="40976" name="Text Box 18">
             <a:extLst>
               <a:ext uri="{FF2B5EF4-FFF2-40B4-BE49-F238E27FC236}">
-                <a16:creationId xmlns:a16="http://schemas.microsoft.com/office/drawing/2014/main" xmlns="" id="{E4A1C926-724D-4193-ABDA-A4944B7CB51E}"/>
+                <a16:creationId xmlns="" xmlns:a16="http://schemas.microsoft.com/office/drawing/2014/main" id="{E4A1C926-724D-4193-ABDA-A4944B7CB51E}"/>
               </a:ext>
             </a:extLst>
           </p:cNvPr>
@@ -17606,14 +17606,14 @@
           </a:effectLst>
           <a:extLst>
             <a:ext uri="{909E8E84-426E-40DD-AFC4-6F175D3DCCD1}">
-              <a14:hiddenFill xmlns:a14="http://schemas.microsoft.com/office/drawing/2010/main" xmlns="">
+              <a14:hiddenFill xmlns="" xmlns:a14="http://schemas.microsoft.com/office/drawing/2010/main">
                 <a:solidFill>
                   <a:srgbClr val="FFFFFF"/>
                 </a:solidFill>
               </a14:hiddenFill>
             </a:ext>
             <a:ext uri="{91240B29-F687-4F45-9708-019B960494DF}">
-              <a14:hiddenLine xmlns:a14="http://schemas.microsoft.com/office/drawing/2010/main" xmlns="" w="9525" algn="ctr">
+              <a14:hiddenLine xmlns="" xmlns:a14="http://schemas.microsoft.com/office/drawing/2010/main" w="9525" algn="ctr">
                 <a:solidFill>
                   <a:srgbClr val="000000"/>
                 </a:solidFill>
@@ -17778,7 +17778,7 @@
           <p:cNvPr id="40977" name="Text Box 19">
             <a:extLst>
               <a:ext uri="{FF2B5EF4-FFF2-40B4-BE49-F238E27FC236}">
-                <a16:creationId xmlns:a16="http://schemas.microsoft.com/office/drawing/2014/main" xmlns="" id="{25DBD000-012D-465B-8058-D799149E2808}"/>
+                <a16:creationId xmlns="" xmlns:a16="http://schemas.microsoft.com/office/drawing/2014/main" id="{25DBD000-012D-465B-8058-D799149E2808}"/>
               </a:ext>
             </a:extLst>
           </p:cNvPr>
@@ -17808,14 +17808,14 @@
           </a:effectLst>
           <a:extLst>
             <a:ext uri="{909E8E84-426E-40DD-AFC4-6F175D3DCCD1}">
-              <a14:hiddenFill xmlns:a14="http://schemas.microsoft.com/office/drawing/2010/main" xmlns="">
+              <a14:hiddenFill xmlns="" xmlns:a14="http://schemas.microsoft.com/office/drawing/2010/main">
                 <a:solidFill>
                   <a:srgbClr val="FFFFFF"/>
                 </a:solidFill>
               </a14:hiddenFill>
             </a:ext>
             <a:ext uri="{91240B29-F687-4F45-9708-019B960494DF}">
-              <a14:hiddenLine xmlns:a14="http://schemas.microsoft.com/office/drawing/2010/main" xmlns="" w="9525" algn="ctr">
+              <a14:hiddenLine xmlns="" xmlns:a14="http://schemas.microsoft.com/office/drawing/2010/main" w="9525" algn="ctr">
                 <a:solidFill>
                   <a:srgbClr val="000000"/>
                 </a:solidFill>
@@ -17980,7 +17980,7 @@
           <p:cNvPr id="40978" name="Text Box 20">
             <a:extLst>
               <a:ext uri="{FF2B5EF4-FFF2-40B4-BE49-F238E27FC236}">
-                <a16:creationId xmlns:a16="http://schemas.microsoft.com/office/drawing/2014/main" xmlns="" id="{A350DB39-6BA2-4318-A9BA-CD44B66EDCAC}"/>
+                <a16:creationId xmlns="" xmlns:a16="http://schemas.microsoft.com/office/drawing/2014/main" id="{A350DB39-6BA2-4318-A9BA-CD44B66EDCAC}"/>
               </a:ext>
             </a:extLst>
           </p:cNvPr>
@@ -18010,14 +18010,14 @@
           </a:effectLst>
           <a:extLst>
             <a:ext uri="{909E8E84-426E-40DD-AFC4-6F175D3DCCD1}">
-              <a14:hiddenFill xmlns:a14="http://schemas.microsoft.com/office/drawing/2010/main" xmlns="">
+              <a14:hiddenFill xmlns="" xmlns:a14="http://schemas.microsoft.com/office/drawing/2010/main">
                 <a:solidFill>
                   <a:srgbClr val="FFFFFF"/>
                 </a:solidFill>
               </a14:hiddenFill>
             </a:ext>
             <a:ext uri="{91240B29-F687-4F45-9708-019B960494DF}">
-              <a14:hiddenLine xmlns:a14="http://schemas.microsoft.com/office/drawing/2010/main" xmlns="" w="9525" algn="ctr">
+              <a14:hiddenLine xmlns="" xmlns:a14="http://schemas.microsoft.com/office/drawing/2010/main" w="9525" algn="ctr">
                 <a:solidFill>
                   <a:srgbClr val="000000"/>
                 </a:solidFill>
@@ -18199,7 +18199,7 @@
           <p:cNvPr id="40979" name="Picture 21">
             <a:extLst>
               <a:ext uri="{FF2B5EF4-FFF2-40B4-BE49-F238E27FC236}">
-                <a16:creationId xmlns:a16="http://schemas.microsoft.com/office/drawing/2014/main" xmlns="" id="{1FA4636A-416A-484C-9DC0-D0DFD0F54ABC}"/>
+                <a16:creationId xmlns="" xmlns:a16="http://schemas.microsoft.com/office/drawing/2014/main" id="{1FA4636A-416A-484C-9DC0-D0DFD0F54ABC}"/>
               </a:ext>
             </a:extLst>
           </p:cNvPr>
@@ -18212,7 +18212,7 @@
           <a:blip r:embed="rId6" cstate="print">
             <a:extLst>
               <a:ext uri="{28A0092B-C50C-407E-A947-70E740481C1C}">
-                <a14:useLocalDpi xmlns:a14="http://schemas.microsoft.com/office/drawing/2010/main" xmlns="" val="0"/>
+                <a14:useLocalDpi xmlns="" xmlns:a14="http://schemas.microsoft.com/office/drawing/2010/main" val="0"/>
               </a:ext>
             </a:extLst>
           </a:blip>
@@ -18235,14 +18235,14 @@
           </a:ln>
           <a:extLst>
             <a:ext uri="{909E8E84-426E-40DD-AFC4-6F175D3DCCD1}">
-              <a14:hiddenFill xmlns:a14="http://schemas.microsoft.com/office/drawing/2010/main" xmlns="">
+              <a14:hiddenFill xmlns="" xmlns:a14="http://schemas.microsoft.com/office/drawing/2010/main">
                 <a:solidFill>
                   <a:srgbClr val="FFFFFF"/>
                 </a:solidFill>
               </a14:hiddenFill>
             </a:ext>
             <a:ext uri="{91240B29-F687-4F45-9708-019B960494DF}">
-              <a14:hiddenLine xmlns:a14="http://schemas.microsoft.com/office/drawing/2010/main" xmlns="" w="9525">
+              <a14:hiddenLine xmlns="" xmlns:a14="http://schemas.microsoft.com/office/drawing/2010/main" w="9525">
                 <a:solidFill>
                   <a:srgbClr val="000000"/>
                 </a:solidFill>
@@ -18259,7 +18259,7 @@
           <p:cNvPr id="40980" name="Line 22">
             <a:extLst>
               <a:ext uri="{FF2B5EF4-FFF2-40B4-BE49-F238E27FC236}">
-                <a16:creationId xmlns:a16="http://schemas.microsoft.com/office/drawing/2014/main" xmlns="" id="{AC526947-9F01-434D-8844-EFC24B0F0AD0}"/>
+                <a16:creationId xmlns="" xmlns:a16="http://schemas.microsoft.com/office/drawing/2014/main" id="{AC526947-9F01-434D-8844-EFC24B0F0AD0}"/>
               </a:ext>
             </a:extLst>
           </p:cNvPr>
@@ -18287,7 +18287,7 @@
           </a:ln>
           <a:extLst>
             <a:ext uri="{909E8E84-426E-40DD-AFC4-6F175D3DCCD1}">
-              <a14:hiddenFill xmlns:a14="http://schemas.microsoft.com/office/drawing/2010/main" xmlns="">
+              <a14:hiddenFill xmlns="" xmlns:a14="http://schemas.microsoft.com/office/drawing/2010/main">
                 <a:noFill/>
               </a14:hiddenFill>
             </a:ext>
@@ -18336,7 +18336,7 @@
           <p:cNvPr id="40981" name="Line 23">
             <a:extLst>
               <a:ext uri="{FF2B5EF4-FFF2-40B4-BE49-F238E27FC236}">
-                <a16:creationId xmlns:a16="http://schemas.microsoft.com/office/drawing/2014/main" xmlns="" id="{E85463D7-3D21-4A6A-93DC-1823790F4C5B}"/>
+                <a16:creationId xmlns="" xmlns:a16="http://schemas.microsoft.com/office/drawing/2014/main" id="{E85463D7-3D21-4A6A-93DC-1823790F4C5B}"/>
               </a:ext>
             </a:extLst>
           </p:cNvPr>
@@ -18364,7 +18364,7 @@
           </a:ln>
           <a:extLst>
             <a:ext uri="{909E8E84-426E-40DD-AFC4-6F175D3DCCD1}">
-              <a14:hiddenFill xmlns:a14="http://schemas.microsoft.com/office/drawing/2010/main" xmlns="">
+              <a14:hiddenFill xmlns="" xmlns:a14="http://schemas.microsoft.com/office/drawing/2010/main">
                 <a:noFill/>
               </a14:hiddenFill>
             </a:ext>
@@ -18413,7 +18413,7 @@
           <p:cNvPr id="40982" name="Line 24">
             <a:extLst>
               <a:ext uri="{FF2B5EF4-FFF2-40B4-BE49-F238E27FC236}">
-                <a16:creationId xmlns:a16="http://schemas.microsoft.com/office/drawing/2014/main" xmlns="" id="{D070D0EA-7A53-4173-A40F-A60C290D9587}"/>
+                <a16:creationId xmlns="" xmlns:a16="http://schemas.microsoft.com/office/drawing/2014/main" id="{D070D0EA-7A53-4173-A40F-A60C290D9587}"/>
               </a:ext>
             </a:extLst>
           </p:cNvPr>
@@ -18441,7 +18441,7 @@
           </a:ln>
           <a:extLst>
             <a:ext uri="{909E8E84-426E-40DD-AFC4-6F175D3DCCD1}">
-              <a14:hiddenFill xmlns:a14="http://schemas.microsoft.com/office/drawing/2010/main" xmlns="">
+              <a14:hiddenFill xmlns="" xmlns:a14="http://schemas.microsoft.com/office/drawing/2010/main">
                 <a:noFill/>
               </a14:hiddenFill>
             </a:ext>
@@ -18490,7 +18490,7 @@
           <p:cNvPr id="40983" name="Line 25">
             <a:extLst>
               <a:ext uri="{FF2B5EF4-FFF2-40B4-BE49-F238E27FC236}">
-                <a16:creationId xmlns:a16="http://schemas.microsoft.com/office/drawing/2014/main" xmlns="" id="{9D87FAAB-657F-4D14-A734-9608C3582969}"/>
+                <a16:creationId xmlns="" xmlns:a16="http://schemas.microsoft.com/office/drawing/2014/main" id="{9D87FAAB-657F-4D14-A734-9608C3582969}"/>
               </a:ext>
             </a:extLst>
           </p:cNvPr>
@@ -18518,7 +18518,7 @@
           </a:ln>
           <a:extLst>
             <a:ext uri="{909E8E84-426E-40DD-AFC4-6F175D3DCCD1}">
-              <a14:hiddenFill xmlns:a14="http://schemas.microsoft.com/office/drawing/2010/main" xmlns="">
+              <a14:hiddenFill xmlns="" xmlns:a14="http://schemas.microsoft.com/office/drawing/2010/main">
                 <a:noFill/>
               </a14:hiddenFill>
             </a:ext>
@@ -18567,7 +18567,7 @@
           <p:cNvPr id="40984" name="Line 26">
             <a:extLst>
               <a:ext uri="{FF2B5EF4-FFF2-40B4-BE49-F238E27FC236}">
-                <a16:creationId xmlns:a16="http://schemas.microsoft.com/office/drawing/2014/main" xmlns="" id="{8DC32F9C-397B-4165-81CA-2F27B3C7E07D}"/>
+                <a16:creationId xmlns="" xmlns:a16="http://schemas.microsoft.com/office/drawing/2014/main" id="{8DC32F9C-397B-4165-81CA-2F27B3C7E07D}"/>
               </a:ext>
             </a:extLst>
           </p:cNvPr>
@@ -18595,7 +18595,7 @@
           </a:ln>
           <a:extLst>
             <a:ext uri="{909E8E84-426E-40DD-AFC4-6F175D3DCCD1}">
-              <a14:hiddenFill xmlns:a14="http://schemas.microsoft.com/office/drawing/2010/main" xmlns="">
+              <a14:hiddenFill xmlns="" xmlns:a14="http://schemas.microsoft.com/office/drawing/2010/main">
                 <a:noFill/>
               </a14:hiddenFill>
             </a:ext>
@@ -18644,7 +18644,7 @@
           <p:cNvPr id="40985" name="Line 27">
             <a:extLst>
               <a:ext uri="{FF2B5EF4-FFF2-40B4-BE49-F238E27FC236}">
-                <a16:creationId xmlns:a16="http://schemas.microsoft.com/office/drawing/2014/main" xmlns="" id="{17246DAC-345B-49E2-A0C7-62CD798AE262}"/>
+                <a16:creationId xmlns="" xmlns:a16="http://schemas.microsoft.com/office/drawing/2014/main" id="{17246DAC-345B-49E2-A0C7-62CD798AE262}"/>
               </a:ext>
             </a:extLst>
           </p:cNvPr>
@@ -18672,7 +18672,7 @@
           </a:ln>
           <a:extLst>
             <a:ext uri="{909E8E84-426E-40DD-AFC4-6F175D3DCCD1}">
-              <a14:hiddenFill xmlns:a14="http://schemas.microsoft.com/office/drawing/2010/main" xmlns="">
+              <a14:hiddenFill xmlns="" xmlns:a14="http://schemas.microsoft.com/office/drawing/2010/main">
                 <a:noFill/>
               </a14:hiddenFill>
             </a:ext>
@@ -18721,7 +18721,7 @@
           <p:cNvPr id="40986" name="Line 28">
             <a:extLst>
               <a:ext uri="{FF2B5EF4-FFF2-40B4-BE49-F238E27FC236}">
-                <a16:creationId xmlns:a16="http://schemas.microsoft.com/office/drawing/2014/main" xmlns="" id="{3A042C95-33F2-4274-80CE-A8F07E6930D4}"/>
+                <a16:creationId xmlns="" xmlns:a16="http://schemas.microsoft.com/office/drawing/2014/main" id="{3A042C95-33F2-4274-80CE-A8F07E6930D4}"/>
               </a:ext>
             </a:extLst>
           </p:cNvPr>
@@ -18749,7 +18749,7 @@
           </a:ln>
           <a:extLst>
             <a:ext uri="{909E8E84-426E-40DD-AFC4-6F175D3DCCD1}">
-              <a14:hiddenFill xmlns:a14="http://schemas.microsoft.com/office/drawing/2010/main" xmlns="">
+              <a14:hiddenFill xmlns="" xmlns:a14="http://schemas.microsoft.com/office/drawing/2010/main">
                 <a:noFill/>
               </a14:hiddenFill>
             </a:ext>
@@ -18798,7 +18798,7 @@
           <p:cNvPr id="40987" name="Text Box 29">
             <a:extLst>
               <a:ext uri="{FF2B5EF4-FFF2-40B4-BE49-F238E27FC236}">
-                <a16:creationId xmlns:a16="http://schemas.microsoft.com/office/drawing/2014/main" xmlns="" id="{076362AF-7AC2-458F-ABE8-FF495A834F77}"/>
+                <a16:creationId xmlns="" xmlns:a16="http://schemas.microsoft.com/office/drawing/2014/main" id="{076362AF-7AC2-458F-ABE8-FF495A834F77}"/>
               </a:ext>
             </a:extLst>
           </p:cNvPr>
@@ -18828,14 +18828,14 @@
           </a:effectLst>
           <a:extLst>
             <a:ext uri="{909E8E84-426E-40DD-AFC4-6F175D3DCCD1}">
-              <a14:hiddenFill xmlns:a14="http://schemas.microsoft.com/office/drawing/2010/main" xmlns="">
+              <a14:hiddenFill xmlns="" xmlns:a14="http://schemas.microsoft.com/office/drawing/2010/main">
                 <a:solidFill>
                   <a:srgbClr val="FFFFFF"/>
                 </a:solidFill>
               </a14:hiddenFill>
             </a:ext>
             <a:ext uri="{91240B29-F687-4F45-9708-019B960494DF}">
-              <a14:hiddenLine xmlns:a14="http://schemas.microsoft.com/office/drawing/2010/main" xmlns="" w="9525" algn="ctr">
+              <a14:hiddenLine xmlns="" xmlns:a14="http://schemas.microsoft.com/office/drawing/2010/main" w="9525" algn="ctr">
                 <a:solidFill>
                   <a:srgbClr val="000000"/>
                 </a:solidFill>
@@ -19000,7 +19000,7 @@
           <p:cNvPr id="40988" name="Text Box 30">
             <a:extLst>
               <a:ext uri="{FF2B5EF4-FFF2-40B4-BE49-F238E27FC236}">
-                <a16:creationId xmlns:a16="http://schemas.microsoft.com/office/drawing/2014/main" xmlns="" id="{96272622-E3EF-4F08-A04F-F68874344D28}"/>
+                <a16:creationId xmlns="" xmlns:a16="http://schemas.microsoft.com/office/drawing/2014/main" id="{96272622-E3EF-4F08-A04F-F68874344D28}"/>
               </a:ext>
             </a:extLst>
           </p:cNvPr>
@@ -19030,14 +19030,14 @@
           </a:effectLst>
           <a:extLst>
             <a:ext uri="{909E8E84-426E-40DD-AFC4-6F175D3DCCD1}">
-              <a14:hiddenFill xmlns:a14="http://schemas.microsoft.com/office/drawing/2010/main" xmlns="">
+              <a14:hiddenFill xmlns="" xmlns:a14="http://schemas.microsoft.com/office/drawing/2010/main">
                 <a:solidFill>
                   <a:srgbClr val="FFFFFF"/>
                 </a:solidFill>
               </a14:hiddenFill>
             </a:ext>
             <a:ext uri="{91240B29-F687-4F45-9708-019B960494DF}">
-              <a14:hiddenLine xmlns:a14="http://schemas.microsoft.com/office/drawing/2010/main" xmlns="" w="9525" algn="ctr">
+              <a14:hiddenLine xmlns="" xmlns:a14="http://schemas.microsoft.com/office/drawing/2010/main" w="9525" algn="ctr">
                 <a:solidFill>
                   <a:srgbClr val="000000"/>
                 </a:solidFill>
@@ -19202,7 +19202,7 @@
           <p:cNvPr id="31" name="Rectangle 2">
             <a:extLst>
               <a:ext uri="{FF2B5EF4-FFF2-40B4-BE49-F238E27FC236}">
-                <a16:creationId xmlns:a16="http://schemas.microsoft.com/office/drawing/2014/main" xmlns="" id="{4AB8BE4A-6F83-4342-83E5-8FF1B426D7C6}"/>
+                <a16:creationId xmlns="" xmlns:a16="http://schemas.microsoft.com/office/drawing/2014/main" id="{4AB8BE4A-6F83-4342-83E5-8FF1B426D7C6}"/>
               </a:ext>
             </a:extLst>
           </p:cNvPr>
@@ -19225,14 +19225,14 @@
           </a:ln>
           <a:extLst>
             <a:ext uri="{909E8E84-426E-40DD-AFC4-6F175D3DCCD1}">
-              <a14:hiddenFill xmlns:a14="http://schemas.microsoft.com/office/drawing/2010/main" xmlns="">
+              <a14:hiddenFill xmlns="" xmlns:a14="http://schemas.microsoft.com/office/drawing/2010/main">
                 <a:solidFill>
                   <a:srgbClr val="FFFFFF"/>
                 </a:solidFill>
               </a14:hiddenFill>
             </a:ext>
             <a:ext uri="{91240B29-F687-4F45-9708-019B960494DF}">
-              <a14:hiddenLine xmlns:a14="http://schemas.microsoft.com/office/drawing/2010/main" xmlns="" w="9525">
+              <a14:hiddenLine xmlns="" xmlns:a14="http://schemas.microsoft.com/office/drawing/2010/main" w="9525">
                 <a:solidFill>
                   <a:srgbClr val="000000"/>
                 </a:solidFill>
@@ -19481,7 +19481,7 @@
           <p:cNvPr id="41986" name="Rectangle 2">
             <a:extLst>
               <a:ext uri="{FF2B5EF4-FFF2-40B4-BE49-F238E27FC236}">
-                <a16:creationId xmlns:a16="http://schemas.microsoft.com/office/drawing/2014/main" xmlns="" id="{DF8B5B69-636D-400C-8F5E-E0B91C78D9C6}"/>
+                <a16:creationId xmlns="" xmlns:a16="http://schemas.microsoft.com/office/drawing/2014/main" id="{DF8B5B69-636D-400C-8F5E-E0B91C78D9C6}"/>
               </a:ext>
             </a:extLst>
           </p:cNvPr>
@@ -19547,7 +19547,7 @@
           <p:cNvPr id="41987" name="Rectangle 3">
             <a:extLst>
               <a:ext uri="{FF2B5EF4-FFF2-40B4-BE49-F238E27FC236}">
-                <a16:creationId xmlns:a16="http://schemas.microsoft.com/office/drawing/2014/main" xmlns="" id="{0669C4E0-6F64-4923-8CF2-92B8B312B0EA}"/>
+                <a16:creationId xmlns="" xmlns:a16="http://schemas.microsoft.com/office/drawing/2014/main" id="{0669C4E0-6F64-4923-8CF2-92B8B312B0EA}"/>
               </a:ext>
             </a:extLst>
           </p:cNvPr>
@@ -19689,7 +19689,7 @@
           <p:cNvPr id="4" name="Rectangle 2">
             <a:extLst>
               <a:ext uri="{FF2B5EF4-FFF2-40B4-BE49-F238E27FC236}">
-                <a16:creationId xmlns:a16="http://schemas.microsoft.com/office/drawing/2014/main" xmlns="" id="{81FDB9E6-41A8-4B2E-BC56-B574A91F6D03}"/>
+                <a16:creationId xmlns="" xmlns:a16="http://schemas.microsoft.com/office/drawing/2014/main" id="{81FDB9E6-41A8-4B2E-BC56-B574A91F6D03}"/>
               </a:ext>
             </a:extLst>
           </p:cNvPr>
@@ -19712,14 +19712,14 @@
           </a:ln>
           <a:extLst>
             <a:ext uri="{909E8E84-426E-40DD-AFC4-6F175D3DCCD1}">
-              <a14:hiddenFill xmlns:a14="http://schemas.microsoft.com/office/drawing/2010/main" xmlns="">
+              <a14:hiddenFill xmlns="" xmlns:a14="http://schemas.microsoft.com/office/drawing/2010/main">
                 <a:solidFill>
                   <a:srgbClr val="FFFFFF"/>
                 </a:solidFill>
               </a14:hiddenFill>
             </a:ext>
             <a:ext uri="{91240B29-F687-4F45-9708-019B960494DF}">
-              <a14:hiddenLine xmlns:a14="http://schemas.microsoft.com/office/drawing/2010/main" xmlns="" w="9525">
+              <a14:hiddenLine xmlns="" xmlns:a14="http://schemas.microsoft.com/office/drawing/2010/main" w="9525">
                 <a:solidFill>
                   <a:srgbClr val="000000"/>
                 </a:solidFill>
@@ -19967,7 +19967,7 @@
           <p:cNvPr id="43010" name="Rectangle 2">
             <a:extLst>
               <a:ext uri="{FF2B5EF4-FFF2-40B4-BE49-F238E27FC236}">
-                <a16:creationId xmlns:a16="http://schemas.microsoft.com/office/drawing/2014/main" xmlns="" id="{3CDBAE35-ABEC-459A-95CE-BB953D285EEB}"/>
+                <a16:creationId xmlns="" xmlns:a16="http://schemas.microsoft.com/office/drawing/2014/main" id="{3CDBAE35-ABEC-459A-95CE-BB953D285EEB}"/>
               </a:ext>
             </a:extLst>
           </p:cNvPr>
@@ -20015,7 +20015,7 @@
           <p:cNvPr id="43011" name="Rectangle 3">
             <a:extLst>
               <a:ext uri="{FF2B5EF4-FFF2-40B4-BE49-F238E27FC236}">
-                <a16:creationId xmlns:a16="http://schemas.microsoft.com/office/drawing/2014/main" xmlns="" id="{B85CAEAE-D5F7-46F8-8873-F3F8278D6A5A}"/>
+                <a16:creationId xmlns="" xmlns:a16="http://schemas.microsoft.com/office/drawing/2014/main" id="{B85CAEAE-D5F7-46F8-8873-F3F8278D6A5A}"/>
               </a:ext>
             </a:extLst>
           </p:cNvPr>
@@ -20202,7 +20202,7 @@
           <p:cNvPr id="4" name="Rectangle 2">
             <a:extLst>
               <a:ext uri="{FF2B5EF4-FFF2-40B4-BE49-F238E27FC236}">
-                <a16:creationId xmlns:a16="http://schemas.microsoft.com/office/drawing/2014/main" xmlns="" id="{397E17EA-764A-4B2C-9AA9-43BE92C4A80E}"/>
+                <a16:creationId xmlns="" xmlns:a16="http://schemas.microsoft.com/office/drawing/2014/main" id="{397E17EA-764A-4B2C-9AA9-43BE92C4A80E}"/>
               </a:ext>
             </a:extLst>
           </p:cNvPr>
@@ -20225,14 +20225,14 @@
           </a:ln>
           <a:extLst>
             <a:ext uri="{909E8E84-426E-40DD-AFC4-6F175D3DCCD1}">
-              <a14:hiddenFill xmlns:a14="http://schemas.microsoft.com/office/drawing/2010/main" xmlns="">
+              <a14:hiddenFill xmlns="" xmlns:a14="http://schemas.microsoft.com/office/drawing/2010/main">
                 <a:solidFill>
                   <a:srgbClr val="FFFFFF"/>
                 </a:solidFill>
               </a14:hiddenFill>
             </a:ext>
             <a:ext uri="{91240B29-F687-4F45-9708-019B960494DF}">
-              <a14:hiddenLine xmlns:a14="http://schemas.microsoft.com/office/drawing/2010/main" xmlns="" w="9525">
+              <a14:hiddenLine xmlns="" xmlns:a14="http://schemas.microsoft.com/office/drawing/2010/main" w="9525">
                 <a:solidFill>
                   <a:srgbClr val="000000"/>
                 </a:solidFill>
@@ -20480,7 +20480,7 @@
           <p:cNvPr id="45058" name="Rectangle 2">
             <a:extLst>
               <a:ext uri="{FF2B5EF4-FFF2-40B4-BE49-F238E27FC236}">
-                <a16:creationId xmlns:a16="http://schemas.microsoft.com/office/drawing/2014/main" xmlns="" id="{A62FA7BF-7605-4D85-8726-CD0D8622BA98}"/>
+                <a16:creationId xmlns="" xmlns:a16="http://schemas.microsoft.com/office/drawing/2014/main" id="{A62FA7BF-7605-4D85-8726-CD0D8622BA98}"/>
               </a:ext>
             </a:extLst>
           </p:cNvPr>
@@ -20519,7 +20519,7 @@
           <p:cNvPr id="45059" name="Rectangle 3">
             <a:extLst>
               <a:ext uri="{FF2B5EF4-FFF2-40B4-BE49-F238E27FC236}">
-                <a16:creationId xmlns:a16="http://schemas.microsoft.com/office/drawing/2014/main" xmlns="" id="{D5D1C487-90DF-40FE-87DF-66CD3BB1E8FF}"/>
+                <a16:creationId xmlns="" xmlns:a16="http://schemas.microsoft.com/office/drawing/2014/main" id="{D5D1C487-90DF-40FE-87DF-66CD3BB1E8FF}"/>
               </a:ext>
             </a:extLst>
           </p:cNvPr>
@@ -20691,7 +20691,7 @@
           <p:cNvPr id="4" name="Rectangle 2">
             <a:extLst>
               <a:ext uri="{FF2B5EF4-FFF2-40B4-BE49-F238E27FC236}">
-                <a16:creationId xmlns:a16="http://schemas.microsoft.com/office/drawing/2014/main" xmlns="" id="{F318E14D-D84D-40B2-B228-706B04F099E5}"/>
+                <a16:creationId xmlns="" xmlns:a16="http://schemas.microsoft.com/office/drawing/2014/main" id="{F318E14D-D84D-40B2-B228-706B04F099E5}"/>
               </a:ext>
             </a:extLst>
           </p:cNvPr>
@@ -20714,14 +20714,14 @@
           </a:ln>
           <a:extLst>
             <a:ext uri="{909E8E84-426E-40DD-AFC4-6F175D3DCCD1}">
-              <a14:hiddenFill xmlns:a14="http://schemas.microsoft.com/office/drawing/2010/main" xmlns="">
+              <a14:hiddenFill xmlns="" xmlns:a14="http://schemas.microsoft.com/office/drawing/2010/main">
                 <a:solidFill>
                   <a:srgbClr val="FFFFFF"/>
                 </a:solidFill>
               </a14:hiddenFill>
             </a:ext>
             <a:ext uri="{91240B29-F687-4F45-9708-019B960494DF}">
-              <a14:hiddenLine xmlns:a14="http://schemas.microsoft.com/office/drawing/2010/main" xmlns="" w="9525">
+              <a14:hiddenLine xmlns="" xmlns:a14="http://schemas.microsoft.com/office/drawing/2010/main" w="9525">
                 <a:solidFill>
                   <a:srgbClr val="000000"/>
                 </a:solidFill>
@@ -20970,7 +20970,7 @@
           <p:cNvPr id="46082" name="Rectangle 2">
             <a:extLst>
               <a:ext uri="{FF2B5EF4-FFF2-40B4-BE49-F238E27FC236}">
-                <a16:creationId xmlns:a16="http://schemas.microsoft.com/office/drawing/2014/main" xmlns="" id="{C8156583-D6FA-4FC2-AB1D-E1E8A2215BDF}"/>
+                <a16:creationId xmlns="" xmlns:a16="http://schemas.microsoft.com/office/drawing/2014/main" id="{C8156583-D6FA-4FC2-AB1D-E1E8A2215BDF}"/>
               </a:ext>
             </a:extLst>
           </p:cNvPr>
@@ -21009,7 +21009,7 @@
           <p:cNvPr id="46083" name="Rectangle 3">
             <a:extLst>
               <a:ext uri="{FF2B5EF4-FFF2-40B4-BE49-F238E27FC236}">
-                <a16:creationId xmlns:a16="http://schemas.microsoft.com/office/drawing/2014/main" xmlns="" id="{60DEFA6B-4ABD-4F84-BA4A-6F009B029EEF}"/>
+                <a16:creationId xmlns="" xmlns:a16="http://schemas.microsoft.com/office/drawing/2014/main" id="{60DEFA6B-4ABD-4F84-BA4A-6F009B029EEF}"/>
               </a:ext>
             </a:extLst>
           </p:cNvPr>
@@ -21149,7 +21149,7 @@
           <p:cNvPr id="4" name="Rectangle 2">
             <a:extLst>
               <a:ext uri="{FF2B5EF4-FFF2-40B4-BE49-F238E27FC236}">
-                <a16:creationId xmlns:a16="http://schemas.microsoft.com/office/drawing/2014/main" xmlns="" id="{24EC4D6C-4BD1-4C38-846D-4226824F6C81}"/>
+                <a16:creationId xmlns="" xmlns:a16="http://schemas.microsoft.com/office/drawing/2014/main" id="{24EC4D6C-4BD1-4C38-846D-4226824F6C81}"/>
               </a:ext>
             </a:extLst>
           </p:cNvPr>
@@ -21172,14 +21172,14 @@
           </a:ln>
           <a:extLst>
             <a:ext uri="{909E8E84-426E-40DD-AFC4-6F175D3DCCD1}">
-              <a14:hiddenFill xmlns:a14="http://schemas.microsoft.com/office/drawing/2010/main" xmlns="">
+              <a14:hiddenFill xmlns="" xmlns:a14="http://schemas.microsoft.com/office/drawing/2010/main">
                 <a:solidFill>
                   <a:srgbClr val="FFFFFF"/>
                 </a:solidFill>
               </a14:hiddenFill>
             </a:ext>
             <a:ext uri="{91240B29-F687-4F45-9708-019B960494DF}">
-              <a14:hiddenLine xmlns:a14="http://schemas.microsoft.com/office/drawing/2010/main" xmlns="" w="9525">
+              <a14:hiddenLine xmlns="" xmlns:a14="http://schemas.microsoft.com/office/drawing/2010/main" w="9525">
                 <a:solidFill>
                   <a:srgbClr val="000000"/>
                 </a:solidFill>
@@ -21428,7 +21428,7 @@
           <p:cNvPr id="10242" name="Rectangle 2">
             <a:extLst>
               <a:ext uri="{FF2B5EF4-FFF2-40B4-BE49-F238E27FC236}">
-                <a16:creationId xmlns:a16="http://schemas.microsoft.com/office/drawing/2014/main" xmlns="" id="{1A80B391-298A-4CDF-AB2B-398EEE98261D}"/>
+                <a16:creationId xmlns="" xmlns:a16="http://schemas.microsoft.com/office/drawing/2014/main" id="{1A80B391-298A-4CDF-AB2B-398EEE98261D}"/>
               </a:ext>
             </a:extLst>
           </p:cNvPr>
@@ -21464,7 +21464,7 @@
           <p:cNvPr id="10243" name="Rectangle 3">
             <a:extLst>
               <a:ext uri="{FF2B5EF4-FFF2-40B4-BE49-F238E27FC236}">
-                <a16:creationId xmlns:a16="http://schemas.microsoft.com/office/drawing/2014/main" xmlns="" id="{775C4D8A-FBAE-4688-82BF-5D6D275BE58B}"/>
+                <a16:creationId xmlns="" xmlns:a16="http://schemas.microsoft.com/office/drawing/2014/main" id="{775C4D8A-FBAE-4688-82BF-5D6D275BE58B}"/>
               </a:ext>
             </a:extLst>
           </p:cNvPr>
@@ -21611,7 +21611,7 @@
           <p:cNvPr id="36866" name="Rectangle 3">
             <a:extLst>
               <a:ext uri="{FF2B5EF4-FFF2-40B4-BE49-F238E27FC236}">
-                <a16:creationId xmlns:a16="http://schemas.microsoft.com/office/drawing/2014/main" xmlns="" id="{AFCC2DDE-224B-4CAC-82FE-A663A18E9F50}"/>
+                <a16:creationId xmlns="" xmlns:a16="http://schemas.microsoft.com/office/drawing/2014/main" id="{AFCC2DDE-224B-4CAC-82FE-A663A18E9F50}"/>
               </a:ext>
             </a:extLst>
           </p:cNvPr>
@@ -21824,7 +21824,7 @@
           <p:cNvPr id="3" name="Rectangle 2">
             <a:extLst>
               <a:ext uri="{FF2B5EF4-FFF2-40B4-BE49-F238E27FC236}">
-                <a16:creationId xmlns:a16="http://schemas.microsoft.com/office/drawing/2014/main" xmlns="" id="{7BC27EB0-79BC-4DA6-ADEE-AB15F30808B6}"/>
+                <a16:creationId xmlns="" xmlns:a16="http://schemas.microsoft.com/office/drawing/2014/main" id="{7BC27EB0-79BC-4DA6-ADEE-AB15F30808B6}"/>
               </a:ext>
             </a:extLst>
           </p:cNvPr>
@@ -21847,14 +21847,14 @@
           </a:ln>
           <a:extLst>
             <a:ext uri="{909E8E84-426E-40DD-AFC4-6F175D3DCCD1}">
-              <a14:hiddenFill xmlns:a14="http://schemas.microsoft.com/office/drawing/2010/main" xmlns="">
+              <a14:hiddenFill xmlns="" xmlns:a14="http://schemas.microsoft.com/office/drawing/2010/main">
                 <a:solidFill>
                   <a:srgbClr val="FFFFFF"/>
                 </a:solidFill>
               </a14:hiddenFill>
             </a:ext>
             <a:ext uri="{91240B29-F687-4F45-9708-019B960494DF}">
-              <a14:hiddenLine xmlns:a14="http://schemas.microsoft.com/office/drawing/2010/main" xmlns="" w="9525">
+              <a14:hiddenLine xmlns="" xmlns:a14="http://schemas.microsoft.com/office/drawing/2010/main" w="9525">
                 <a:solidFill>
                   <a:srgbClr val="000000"/>
                 </a:solidFill>
@@ -22103,7 +22103,7 @@
           <p:cNvPr id="48131" name="Rectangle 3">
             <a:extLst>
               <a:ext uri="{FF2B5EF4-FFF2-40B4-BE49-F238E27FC236}">
-                <a16:creationId xmlns:a16="http://schemas.microsoft.com/office/drawing/2014/main" xmlns="" id="{AF81C77D-863C-4DA5-B77D-02890E84FDAE}"/>
+                <a16:creationId xmlns="" xmlns:a16="http://schemas.microsoft.com/office/drawing/2014/main" id="{AF81C77D-863C-4DA5-B77D-02890E84FDAE}"/>
               </a:ext>
             </a:extLst>
           </p:cNvPr>
@@ -22487,7 +22487,7 @@
           <p:cNvPr id="4" name="Rectangle 2">
             <a:extLst>
               <a:ext uri="{FF2B5EF4-FFF2-40B4-BE49-F238E27FC236}">
-                <a16:creationId xmlns:a16="http://schemas.microsoft.com/office/drawing/2014/main" xmlns="" id="{C1DDE590-3E67-447B-98CA-FCD0D82C93B0}"/>
+                <a16:creationId xmlns="" xmlns:a16="http://schemas.microsoft.com/office/drawing/2014/main" id="{C1DDE590-3E67-447B-98CA-FCD0D82C93B0}"/>
               </a:ext>
             </a:extLst>
           </p:cNvPr>
@@ -22510,14 +22510,14 @@
           </a:ln>
           <a:extLst>
             <a:ext uri="{909E8E84-426E-40DD-AFC4-6F175D3DCCD1}">
-              <a14:hiddenFill xmlns:a14="http://schemas.microsoft.com/office/drawing/2010/main" xmlns="">
+              <a14:hiddenFill xmlns="" xmlns:a14="http://schemas.microsoft.com/office/drawing/2010/main">
                 <a:solidFill>
                   <a:srgbClr val="FFFFFF"/>
                 </a:solidFill>
               </a14:hiddenFill>
             </a:ext>
             <a:ext uri="{91240B29-F687-4F45-9708-019B960494DF}">
-              <a14:hiddenLine xmlns:a14="http://schemas.microsoft.com/office/drawing/2010/main" xmlns="" w="9525">
+              <a14:hiddenLine xmlns="" xmlns:a14="http://schemas.microsoft.com/office/drawing/2010/main" w="9525">
                 <a:solidFill>
                   <a:srgbClr val="000000"/>
                 </a:solidFill>
@@ -22773,7 +22773,7 @@
           <p:cNvPr id="49154" name="Rectangle 2">
             <a:extLst>
               <a:ext uri="{FF2B5EF4-FFF2-40B4-BE49-F238E27FC236}">
-                <a16:creationId xmlns:a16="http://schemas.microsoft.com/office/drawing/2014/main" xmlns="" id="{96617718-B0A1-4940-8313-B9136BD0C1FD}"/>
+                <a16:creationId xmlns="" xmlns:a16="http://schemas.microsoft.com/office/drawing/2014/main" id="{96617718-B0A1-4940-8313-B9136BD0C1FD}"/>
               </a:ext>
             </a:extLst>
           </p:cNvPr>
@@ -22809,7 +22809,7 @@
           <p:cNvPr id="49155" name="Rectangle 3">
             <a:extLst>
               <a:ext uri="{FF2B5EF4-FFF2-40B4-BE49-F238E27FC236}">
-                <a16:creationId xmlns:a16="http://schemas.microsoft.com/office/drawing/2014/main" xmlns="" id="{CD147058-E304-48FC-8818-DFFC7DFC84DF}"/>
+                <a16:creationId xmlns="" xmlns:a16="http://schemas.microsoft.com/office/drawing/2014/main" id="{CD147058-E304-48FC-8818-DFFC7DFC84DF}"/>
               </a:ext>
             </a:extLst>
           </p:cNvPr>
@@ -23023,7 +23023,7 @@
           <p:cNvPr id="4" name="Rectangle 2">
             <a:extLst>
               <a:ext uri="{FF2B5EF4-FFF2-40B4-BE49-F238E27FC236}">
-                <a16:creationId xmlns:a16="http://schemas.microsoft.com/office/drawing/2014/main" xmlns="" id="{F1C0C0E2-545A-45C9-ADD3-F63E8D3DDAF3}"/>
+                <a16:creationId xmlns="" xmlns:a16="http://schemas.microsoft.com/office/drawing/2014/main" id="{F1C0C0E2-545A-45C9-ADD3-F63E8D3DDAF3}"/>
               </a:ext>
             </a:extLst>
           </p:cNvPr>
@@ -23046,14 +23046,14 @@
           </a:ln>
           <a:extLst>
             <a:ext uri="{909E8E84-426E-40DD-AFC4-6F175D3DCCD1}">
-              <a14:hiddenFill xmlns:a14="http://schemas.microsoft.com/office/drawing/2010/main" xmlns="">
+              <a14:hiddenFill xmlns="" xmlns:a14="http://schemas.microsoft.com/office/drawing/2010/main">
                 <a:solidFill>
                   <a:srgbClr val="FFFFFF"/>
                 </a:solidFill>
               </a14:hiddenFill>
             </a:ext>
             <a:ext uri="{91240B29-F687-4F45-9708-019B960494DF}">
-              <a14:hiddenLine xmlns:a14="http://schemas.microsoft.com/office/drawing/2010/main" xmlns="" w="9525">
+              <a14:hiddenLine xmlns="" xmlns:a14="http://schemas.microsoft.com/office/drawing/2010/main" w="9525">
                 <a:solidFill>
                   <a:srgbClr val="000000"/>
                 </a:solidFill>
@@ -23309,7 +23309,7 @@
           <p:cNvPr id="40962" name="Rectangle 3">
             <a:extLst>
               <a:ext uri="{FF2B5EF4-FFF2-40B4-BE49-F238E27FC236}">
-                <a16:creationId xmlns:a16="http://schemas.microsoft.com/office/drawing/2014/main" xmlns="" id="{083F6C40-D3E3-40BA-A6C9-4AC78FA1B9AC}"/>
+                <a16:creationId xmlns="" xmlns:a16="http://schemas.microsoft.com/office/drawing/2014/main" id="{083F6C40-D3E3-40BA-A6C9-4AC78FA1B9AC}"/>
               </a:ext>
             </a:extLst>
           </p:cNvPr>
@@ -23546,7 +23546,11 @@
             </a:r>
             <a:r>
               <a:rPr lang="en-US" altLang="zh-CN" sz="2000" dirty="0" smtClean="0"/>
-              <a:t>                   type</a:t>
+              <a:t>                   </a:t>
+            </a:r>
+            <a:r>
+              <a:rPr lang="en-US" altLang="zh-CN" sz="2000" dirty="0" smtClean="0"/>
+              <a:t>type</a:t>
             </a:r>
             <a:r>
               <a:rPr lang="en-US" altLang="zh-CN" sz="2000" dirty="0"/>
@@ -23773,7 +23777,11 @@
             </a:r>
             <a:r>
               <a:rPr lang="en-US" altLang="zh-CN" sz="2000" dirty="0" smtClean="0"/>
-              <a:t>         type</a:t>
+              <a:t>         </a:t>
+            </a:r>
+            <a:r>
+              <a:rPr lang="en-US" altLang="zh-CN" sz="2000" dirty="0" smtClean="0"/>
+              <a:t>type</a:t>
             </a:r>
             <a:r>
               <a:rPr lang="en-US" altLang="zh-CN" sz="2000" dirty="0"/>
@@ -23909,7 +23917,7 @@
           <p:cNvPr id="3" name="Rectangle 2">
             <a:extLst>
               <a:ext uri="{FF2B5EF4-FFF2-40B4-BE49-F238E27FC236}">
-                <a16:creationId xmlns:a16="http://schemas.microsoft.com/office/drawing/2014/main" xmlns="" id="{636BBD14-B178-4A22-8E1E-61CEB7773FD2}"/>
+                <a16:creationId xmlns="" xmlns:a16="http://schemas.microsoft.com/office/drawing/2014/main" id="{636BBD14-B178-4A22-8E1E-61CEB7773FD2}"/>
               </a:ext>
             </a:extLst>
           </p:cNvPr>
@@ -23932,14 +23940,14 @@
           </a:ln>
           <a:extLst>
             <a:ext uri="{909E8E84-426E-40DD-AFC4-6F175D3DCCD1}">
-              <a14:hiddenFill xmlns:a14="http://schemas.microsoft.com/office/drawing/2010/main" xmlns="">
+              <a14:hiddenFill xmlns="" xmlns:a14="http://schemas.microsoft.com/office/drawing/2010/main">
                 <a:solidFill>
                   <a:srgbClr val="FFFFFF"/>
                 </a:solidFill>
               </a14:hiddenFill>
             </a:ext>
             <a:ext uri="{91240B29-F687-4F45-9708-019B960494DF}">
-              <a14:hiddenLine xmlns:a14="http://schemas.microsoft.com/office/drawing/2010/main" xmlns="" w="9525">
+              <a14:hiddenLine xmlns="" xmlns:a14="http://schemas.microsoft.com/office/drawing/2010/main" w="9525">
                 <a:solidFill>
                   <a:srgbClr val="000000"/>
                 </a:solidFill>
@@ -24162,7 +24170,7 @@
           <p:cNvPr id="4" name="直接连接符 3">
             <a:extLst>
               <a:ext uri="{FF2B5EF4-FFF2-40B4-BE49-F238E27FC236}">
-                <a16:creationId xmlns:a16="http://schemas.microsoft.com/office/drawing/2014/main" xmlns="" id="{A413C81E-F829-4F73-BBDB-D2CCC2F4EFE6}"/>
+                <a16:creationId xmlns="" xmlns:a16="http://schemas.microsoft.com/office/drawing/2014/main" id="{A413C81E-F829-4F73-BBDB-D2CCC2F4EFE6}"/>
               </a:ext>
             </a:extLst>
           </p:cNvPr>
@@ -24236,7 +24244,7 @@
           <p:cNvPr id="52226" name="Rectangle 2">
             <a:extLst>
               <a:ext uri="{FF2B5EF4-FFF2-40B4-BE49-F238E27FC236}">
-                <a16:creationId xmlns:a16="http://schemas.microsoft.com/office/drawing/2014/main" xmlns="" id="{817C76DB-C613-4D9A-8430-1EA695E2ED89}"/>
+                <a16:creationId xmlns="" xmlns:a16="http://schemas.microsoft.com/office/drawing/2014/main" id="{817C76DB-C613-4D9A-8430-1EA695E2ED89}"/>
               </a:ext>
             </a:extLst>
           </p:cNvPr>
@@ -24272,7 +24280,7 @@
           <p:cNvPr id="52227" name="Rectangle 3">
             <a:extLst>
               <a:ext uri="{FF2B5EF4-FFF2-40B4-BE49-F238E27FC236}">
-                <a16:creationId xmlns:a16="http://schemas.microsoft.com/office/drawing/2014/main" xmlns="" id="{5896D6D9-B198-4C9A-B3E3-D165FD6BC247}"/>
+                <a16:creationId xmlns="" xmlns:a16="http://schemas.microsoft.com/office/drawing/2014/main" id="{5896D6D9-B198-4C9A-B3E3-D165FD6BC247}"/>
               </a:ext>
             </a:extLst>
           </p:cNvPr>
@@ -24521,7 +24529,7 @@
           <p:cNvPr id="4" name="Rectangle 2">
             <a:extLst>
               <a:ext uri="{FF2B5EF4-FFF2-40B4-BE49-F238E27FC236}">
-                <a16:creationId xmlns:a16="http://schemas.microsoft.com/office/drawing/2014/main" xmlns="" id="{463EF2D4-F5FB-4EE4-AD38-E7726D77F588}"/>
+                <a16:creationId xmlns="" xmlns:a16="http://schemas.microsoft.com/office/drawing/2014/main" id="{463EF2D4-F5FB-4EE4-AD38-E7726D77F588}"/>
               </a:ext>
             </a:extLst>
           </p:cNvPr>
@@ -24544,14 +24552,14 @@
           </a:ln>
           <a:extLst>
             <a:ext uri="{909E8E84-426E-40DD-AFC4-6F175D3DCCD1}">
-              <a14:hiddenFill xmlns:a14="http://schemas.microsoft.com/office/drawing/2010/main" xmlns="">
+              <a14:hiddenFill xmlns="" xmlns:a14="http://schemas.microsoft.com/office/drawing/2010/main">
                 <a:solidFill>
                   <a:srgbClr val="FFFFFF"/>
                 </a:solidFill>
               </a14:hiddenFill>
             </a:ext>
             <a:ext uri="{91240B29-F687-4F45-9708-019B960494DF}">
-              <a14:hiddenLine xmlns:a14="http://schemas.microsoft.com/office/drawing/2010/main" xmlns="" w="9525">
+              <a14:hiddenLine xmlns="" xmlns:a14="http://schemas.microsoft.com/office/drawing/2010/main" w="9525">
                 <a:solidFill>
                   <a:srgbClr val="000000"/>
                 </a:solidFill>
@@ -24807,7 +24815,7 @@
           <p:cNvPr id="53251" name="Rectangle 3">
             <a:extLst>
               <a:ext uri="{FF2B5EF4-FFF2-40B4-BE49-F238E27FC236}">
-                <a16:creationId xmlns:a16="http://schemas.microsoft.com/office/drawing/2014/main" xmlns="" id="{04BA063B-8324-40DB-BE3B-5F61E34893F6}"/>
+                <a16:creationId xmlns="" xmlns:a16="http://schemas.microsoft.com/office/drawing/2014/main" id="{04BA063B-8324-40DB-BE3B-5F61E34893F6}"/>
               </a:ext>
             </a:extLst>
           </p:cNvPr>
@@ -25057,7 +25065,7 @@
           <p:cNvPr id="7" name="Rectangle 2">
             <a:extLst>
               <a:ext uri="{FF2B5EF4-FFF2-40B4-BE49-F238E27FC236}">
-                <a16:creationId xmlns:a16="http://schemas.microsoft.com/office/drawing/2014/main" xmlns="" id="{35B14D59-1748-4785-91CB-C7691E3BD15A}"/>
+                <a16:creationId xmlns="" xmlns:a16="http://schemas.microsoft.com/office/drawing/2014/main" id="{35B14D59-1748-4785-91CB-C7691E3BD15A}"/>
               </a:ext>
             </a:extLst>
           </p:cNvPr>
@@ -25080,14 +25088,14 @@
           </a:ln>
           <a:extLst>
             <a:ext uri="{909E8E84-426E-40DD-AFC4-6F175D3DCCD1}">
-              <a14:hiddenFill xmlns:a14="http://schemas.microsoft.com/office/drawing/2010/main" xmlns="">
+              <a14:hiddenFill xmlns="" xmlns:a14="http://schemas.microsoft.com/office/drawing/2010/main">
                 <a:solidFill>
                   <a:srgbClr val="FFFFFF"/>
                 </a:solidFill>
               </a14:hiddenFill>
             </a:ext>
             <a:ext uri="{91240B29-F687-4F45-9708-019B960494DF}">
-              <a14:hiddenLine xmlns:a14="http://schemas.microsoft.com/office/drawing/2010/main" xmlns="" w="9525">
+              <a14:hiddenLine xmlns="" xmlns:a14="http://schemas.microsoft.com/office/drawing/2010/main" w="9525">
                 <a:solidFill>
                   <a:srgbClr val="000000"/>
                 </a:solidFill>
@@ -25343,7 +25351,7 @@
           <p:cNvPr id="54274" name="Rectangle 2">
             <a:extLst>
               <a:ext uri="{FF2B5EF4-FFF2-40B4-BE49-F238E27FC236}">
-                <a16:creationId xmlns:a16="http://schemas.microsoft.com/office/drawing/2014/main" xmlns="" id="{1A560ED6-0B15-48F4-ADF2-C68BACBBC5C4}"/>
+                <a16:creationId xmlns="" xmlns:a16="http://schemas.microsoft.com/office/drawing/2014/main" id="{1A560ED6-0B15-48F4-ADF2-C68BACBBC5C4}"/>
               </a:ext>
             </a:extLst>
           </p:cNvPr>
@@ -25384,7 +25392,7 @@
           <p:cNvPr id="44035" name="Rectangle 3">
             <a:extLst>
               <a:ext uri="{FF2B5EF4-FFF2-40B4-BE49-F238E27FC236}">
-                <a16:creationId xmlns:a16="http://schemas.microsoft.com/office/drawing/2014/main" xmlns="" id="{A9179E95-770C-4655-8E1A-E6C2598E0274}"/>
+                <a16:creationId xmlns="" xmlns:a16="http://schemas.microsoft.com/office/drawing/2014/main" id="{A9179E95-770C-4655-8E1A-E6C2598E0274}"/>
               </a:ext>
             </a:extLst>
           </p:cNvPr>
@@ -25772,7 +25780,7 @@
           <p:cNvPr id="4" name="Rectangle 2">
             <a:extLst>
               <a:ext uri="{FF2B5EF4-FFF2-40B4-BE49-F238E27FC236}">
-                <a16:creationId xmlns:a16="http://schemas.microsoft.com/office/drawing/2014/main" xmlns="" id="{B7B4ABF0-E0D7-4AF9-B97E-6D7027738E2C}"/>
+                <a16:creationId xmlns="" xmlns:a16="http://schemas.microsoft.com/office/drawing/2014/main" id="{B7B4ABF0-E0D7-4AF9-B97E-6D7027738E2C}"/>
               </a:ext>
             </a:extLst>
           </p:cNvPr>
@@ -25795,14 +25803,14 @@
           </a:ln>
           <a:extLst>
             <a:ext uri="{909E8E84-426E-40DD-AFC4-6F175D3DCCD1}">
-              <a14:hiddenFill xmlns:a14="http://schemas.microsoft.com/office/drawing/2010/main" xmlns="">
+              <a14:hiddenFill xmlns="" xmlns:a14="http://schemas.microsoft.com/office/drawing/2010/main">
                 <a:solidFill>
                   <a:srgbClr val="FFFFFF"/>
                 </a:solidFill>
               </a14:hiddenFill>
             </a:ext>
             <a:ext uri="{91240B29-F687-4F45-9708-019B960494DF}">
-              <a14:hiddenLine xmlns:a14="http://schemas.microsoft.com/office/drawing/2010/main" xmlns="" w="9525">
+              <a14:hiddenLine xmlns="" xmlns:a14="http://schemas.microsoft.com/office/drawing/2010/main" w="9525">
                 <a:solidFill>
                   <a:srgbClr val="000000"/>
                 </a:solidFill>
@@ -26058,7 +26066,7 @@
           <p:cNvPr id="45059" name="Rectangle 3">
             <a:extLst>
               <a:ext uri="{FF2B5EF4-FFF2-40B4-BE49-F238E27FC236}">
-                <a16:creationId xmlns:a16="http://schemas.microsoft.com/office/drawing/2014/main" xmlns="" id="{96AED634-28BC-4EF2-8973-4E0E3F0C623D}"/>
+                <a16:creationId xmlns="" xmlns:a16="http://schemas.microsoft.com/office/drawing/2014/main" id="{96AED634-28BC-4EF2-8973-4E0E3F0C623D}"/>
               </a:ext>
             </a:extLst>
           </p:cNvPr>
@@ -26234,7 +26242,7 @@
           <p:cNvPr id="4" name="Rectangle 2">
             <a:extLst>
               <a:ext uri="{FF2B5EF4-FFF2-40B4-BE49-F238E27FC236}">
-                <a16:creationId xmlns:a16="http://schemas.microsoft.com/office/drawing/2014/main" xmlns="" id="{A34A03A3-DEB4-4643-80FA-20B2D5B28DDA}"/>
+                <a16:creationId xmlns="" xmlns:a16="http://schemas.microsoft.com/office/drawing/2014/main" id="{A34A03A3-DEB4-4643-80FA-20B2D5B28DDA}"/>
               </a:ext>
             </a:extLst>
           </p:cNvPr>
@@ -26259,14 +26267,14 @@
           </a:ln>
           <a:extLst>
             <a:ext uri="{909E8E84-426E-40DD-AFC4-6F175D3DCCD1}">
-              <a14:hiddenFill xmlns:a14="http://schemas.microsoft.com/office/drawing/2010/main" xmlns="">
+              <a14:hiddenFill xmlns="" xmlns:a14="http://schemas.microsoft.com/office/drawing/2010/main">
                 <a:solidFill>
                   <a:srgbClr val="FFFFFF"/>
                 </a:solidFill>
               </a14:hiddenFill>
             </a:ext>
             <a:ext uri="{91240B29-F687-4F45-9708-019B960494DF}">
-              <a14:hiddenLine xmlns:a14="http://schemas.microsoft.com/office/drawing/2010/main" xmlns="" w="9525">
+              <a14:hiddenLine xmlns="" xmlns:a14="http://schemas.microsoft.com/office/drawing/2010/main" w="9525">
                 <a:solidFill>
                   <a:srgbClr val="000000"/>
                 </a:solidFill>
@@ -26502,7 +26510,7 @@
           <p:cNvPr id="46083" name="Rectangle 3">
             <a:extLst>
               <a:ext uri="{FF2B5EF4-FFF2-40B4-BE49-F238E27FC236}">
-                <a16:creationId xmlns:a16="http://schemas.microsoft.com/office/drawing/2014/main" xmlns="" id="{E450B9F3-CCE8-4030-A6BE-B9C1B88D842B}"/>
+                <a16:creationId xmlns="" xmlns:a16="http://schemas.microsoft.com/office/drawing/2014/main" id="{E450B9F3-CCE8-4030-A6BE-B9C1B88D842B}"/>
               </a:ext>
             </a:extLst>
           </p:cNvPr>
@@ -26812,7 +26820,7 @@
           <p:cNvPr id="4" name="Rectangle 2">
             <a:extLst>
               <a:ext uri="{FF2B5EF4-FFF2-40B4-BE49-F238E27FC236}">
-                <a16:creationId xmlns:a16="http://schemas.microsoft.com/office/drawing/2014/main" xmlns="" id="{BC1A0ABB-BB02-4542-97A1-6CDF54A8F5E5}"/>
+                <a16:creationId xmlns="" xmlns:a16="http://schemas.microsoft.com/office/drawing/2014/main" id="{BC1A0ABB-BB02-4542-97A1-6CDF54A8F5E5}"/>
               </a:ext>
             </a:extLst>
           </p:cNvPr>
@@ -26837,14 +26845,14 @@
           </a:ln>
           <a:extLst>
             <a:ext uri="{909E8E84-426E-40DD-AFC4-6F175D3DCCD1}">
-              <a14:hiddenFill xmlns:a14="http://schemas.microsoft.com/office/drawing/2010/main" xmlns="">
+              <a14:hiddenFill xmlns="" xmlns:a14="http://schemas.microsoft.com/office/drawing/2010/main">
                 <a:solidFill>
                   <a:srgbClr val="FFFFFF"/>
                 </a:solidFill>
               </a14:hiddenFill>
             </a:ext>
             <a:ext uri="{91240B29-F687-4F45-9708-019B960494DF}">
-              <a14:hiddenLine xmlns:a14="http://schemas.microsoft.com/office/drawing/2010/main" xmlns="" w="9525">
+              <a14:hiddenLine xmlns="" xmlns:a14="http://schemas.microsoft.com/office/drawing/2010/main" w="9525">
                 <a:solidFill>
                   <a:srgbClr val="000000"/>
                 </a:solidFill>
@@ -27080,7 +27088,7 @@
           <p:cNvPr id="47107" name="Rectangle 3">
             <a:extLst>
               <a:ext uri="{FF2B5EF4-FFF2-40B4-BE49-F238E27FC236}">
-                <a16:creationId xmlns:a16="http://schemas.microsoft.com/office/drawing/2014/main" xmlns="" id="{6B703170-64BA-4333-9B61-D7C13491EFA6}"/>
+                <a16:creationId xmlns="" xmlns:a16="http://schemas.microsoft.com/office/drawing/2014/main" id="{6B703170-64BA-4333-9B61-D7C13491EFA6}"/>
               </a:ext>
             </a:extLst>
           </p:cNvPr>
@@ -27486,7 +27494,7 @@
           <p:cNvPr id="4" name="Rectangle 2">
             <a:extLst>
               <a:ext uri="{FF2B5EF4-FFF2-40B4-BE49-F238E27FC236}">
-                <a16:creationId xmlns:a16="http://schemas.microsoft.com/office/drawing/2014/main" xmlns="" id="{E2F0EDBE-D8F4-47A7-B43D-04F9C2EB3028}"/>
+                <a16:creationId xmlns="" xmlns:a16="http://schemas.microsoft.com/office/drawing/2014/main" id="{E2F0EDBE-D8F4-47A7-B43D-04F9C2EB3028}"/>
               </a:ext>
             </a:extLst>
           </p:cNvPr>
@@ -27511,14 +27519,14 @@
           </a:ln>
           <a:extLst>
             <a:ext uri="{909E8E84-426E-40DD-AFC4-6F175D3DCCD1}">
-              <a14:hiddenFill xmlns:a14="http://schemas.microsoft.com/office/drawing/2010/main" xmlns="">
+              <a14:hiddenFill xmlns="" xmlns:a14="http://schemas.microsoft.com/office/drawing/2010/main">
                 <a:solidFill>
                   <a:srgbClr val="FFFFFF"/>
                 </a:solidFill>
               </a14:hiddenFill>
             </a:ext>
             <a:ext uri="{91240B29-F687-4F45-9708-019B960494DF}">
-              <a14:hiddenLine xmlns:a14="http://schemas.microsoft.com/office/drawing/2010/main" xmlns="" w="9525">
+              <a14:hiddenLine xmlns="" xmlns:a14="http://schemas.microsoft.com/office/drawing/2010/main" w="9525">
                 <a:solidFill>
                   <a:srgbClr val="000000"/>
                 </a:solidFill>
@@ -27754,7 +27762,7 @@
           <p:cNvPr id="11266" name="Rectangle 2">
             <a:extLst>
               <a:ext uri="{FF2B5EF4-FFF2-40B4-BE49-F238E27FC236}">
-                <a16:creationId xmlns:a16="http://schemas.microsoft.com/office/drawing/2014/main" xmlns="" id="{615B3D45-9D26-4D43-A9B4-472BAA6D733E}"/>
+                <a16:creationId xmlns="" xmlns:a16="http://schemas.microsoft.com/office/drawing/2014/main" id="{615B3D45-9D26-4D43-A9B4-472BAA6D733E}"/>
               </a:ext>
             </a:extLst>
           </p:cNvPr>
@@ -27795,7 +27803,7 @@
           <p:cNvPr id="11267" name="内容占位符 1">
             <a:extLst>
               <a:ext uri="{FF2B5EF4-FFF2-40B4-BE49-F238E27FC236}">
-                <a16:creationId xmlns:a16="http://schemas.microsoft.com/office/drawing/2014/main" xmlns="" id="{F88A9E35-D20B-4784-8B18-B163B687699E}"/>
+                <a16:creationId xmlns="" xmlns:a16="http://schemas.microsoft.com/office/drawing/2014/main" id="{F88A9E35-D20B-4784-8B18-B163B687699E}"/>
               </a:ext>
             </a:extLst>
           </p:cNvPr>
@@ -27856,7 +27864,7 @@
           <p:cNvPr id="222211" name="Text Box 3">
             <a:extLst>
               <a:ext uri="{FF2B5EF4-FFF2-40B4-BE49-F238E27FC236}">
-                <a16:creationId xmlns:a16="http://schemas.microsoft.com/office/drawing/2014/main" xmlns="" id="{FD7A9B67-23C7-4ED5-8CB9-F13400A4AB07}"/>
+                <a16:creationId xmlns="" xmlns:a16="http://schemas.microsoft.com/office/drawing/2014/main" id="{FD7A9B67-23C7-4ED5-8CB9-F13400A4AB07}"/>
               </a:ext>
             </a:extLst>
           </p:cNvPr>
@@ -27999,7 +28007,7 @@
           <p:cNvPr id="222212" name="Text Box 4">
             <a:extLst>
               <a:ext uri="{FF2B5EF4-FFF2-40B4-BE49-F238E27FC236}">
-                <a16:creationId xmlns:a16="http://schemas.microsoft.com/office/drawing/2014/main" xmlns="" id="{EF6C4CA9-B81A-454B-8DE4-5C1845358970}"/>
+                <a16:creationId xmlns="" xmlns:a16="http://schemas.microsoft.com/office/drawing/2014/main" id="{EF6C4CA9-B81A-454B-8DE4-5C1845358970}"/>
               </a:ext>
             </a:extLst>
           </p:cNvPr>
@@ -28163,7 +28171,7 @@
           <p:cNvPr id="222213" name="Text Box 5">
             <a:extLst>
               <a:ext uri="{FF2B5EF4-FFF2-40B4-BE49-F238E27FC236}">
-                <a16:creationId xmlns:a16="http://schemas.microsoft.com/office/drawing/2014/main" xmlns="" id="{358EC85C-F44C-4878-ABDE-DB45EFC4C283}"/>
+                <a16:creationId xmlns="" xmlns:a16="http://schemas.microsoft.com/office/drawing/2014/main" id="{358EC85C-F44C-4878-ABDE-DB45EFC4C283}"/>
               </a:ext>
             </a:extLst>
           </p:cNvPr>
@@ -28285,7 +28293,7 @@
           <p:cNvPr id="222214" name="Text Box 6">
             <a:extLst>
               <a:ext uri="{FF2B5EF4-FFF2-40B4-BE49-F238E27FC236}">
-                <a16:creationId xmlns:a16="http://schemas.microsoft.com/office/drawing/2014/main" xmlns="" id="{6B883BC9-D7A1-4D76-B438-7337328929C7}"/>
+                <a16:creationId xmlns="" xmlns:a16="http://schemas.microsoft.com/office/drawing/2014/main" id="{6B883BC9-D7A1-4D76-B438-7337328929C7}"/>
               </a:ext>
             </a:extLst>
           </p:cNvPr>
@@ -28449,7 +28457,7 @@
           <p:cNvPr id="222215" name="Rectangle 7">
             <a:extLst>
               <a:ext uri="{FF2B5EF4-FFF2-40B4-BE49-F238E27FC236}">
-                <a16:creationId xmlns:a16="http://schemas.microsoft.com/office/drawing/2014/main" xmlns="" id="{B11E4C4F-CD2F-4355-95A8-632732A94FCC}"/>
+                <a16:creationId xmlns="" xmlns:a16="http://schemas.microsoft.com/office/drawing/2014/main" id="{B11E4C4F-CD2F-4355-95A8-632732A94FCC}"/>
               </a:ext>
             </a:extLst>
           </p:cNvPr>
@@ -28585,7 +28593,7 @@
           <p:cNvPr id="222216" name="Text Box 8">
             <a:extLst>
               <a:ext uri="{FF2B5EF4-FFF2-40B4-BE49-F238E27FC236}">
-                <a16:creationId xmlns:a16="http://schemas.microsoft.com/office/drawing/2014/main" xmlns="" id="{9C7A0E04-1A24-44A9-94DD-1B7A3A9CAE24}"/>
+                <a16:creationId xmlns="" xmlns:a16="http://schemas.microsoft.com/office/drawing/2014/main" id="{9C7A0E04-1A24-44A9-94DD-1B7A3A9CAE24}"/>
               </a:ext>
             </a:extLst>
           </p:cNvPr>
@@ -28749,7 +28757,7 @@
           <p:cNvPr id="11274" name="Rectangle 9">
             <a:extLst>
               <a:ext uri="{FF2B5EF4-FFF2-40B4-BE49-F238E27FC236}">
-                <a16:creationId xmlns:a16="http://schemas.microsoft.com/office/drawing/2014/main" xmlns="" id="{13776B70-C60C-4B7A-AAE9-5D1ECFE570D0}"/>
+                <a16:creationId xmlns="" xmlns:a16="http://schemas.microsoft.com/office/drawing/2014/main" id="{13776B70-C60C-4B7A-AAE9-5D1ECFE570D0}"/>
               </a:ext>
             </a:extLst>
           </p:cNvPr>
@@ -28772,14 +28780,14 @@
           </a:ln>
           <a:extLst>
             <a:ext uri="{909E8E84-426E-40DD-AFC4-6F175D3DCCD1}">
-              <a14:hiddenFill xmlns:a14="http://schemas.microsoft.com/office/drawing/2010/main" xmlns="">
+              <a14:hiddenFill xmlns="" xmlns:a14="http://schemas.microsoft.com/office/drawing/2010/main">
                 <a:solidFill>
                   <a:srgbClr val="FFFFFF"/>
                 </a:solidFill>
               </a14:hiddenFill>
             </a:ext>
             <a:ext uri="{91240B29-F687-4F45-9708-019B960494DF}">
-              <a14:hiddenLine xmlns:a14="http://schemas.microsoft.com/office/drawing/2010/main" xmlns="" w="9525">
+              <a14:hiddenLine xmlns="" xmlns:a14="http://schemas.microsoft.com/office/drawing/2010/main" w="9525">
                 <a:solidFill>
                   <a:srgbClr val="000000"/>
                 </a:solidFill>
@@ -29424,7 +29432,7 @@
           <p:cNvPr id="11275" name="Rectangle 2">
             <a:extLst>
               <a:ext uri="{FF2B5EF4-FFF2-40B4-BE49-F238E27FC236}">
-                <a16:creationId xmlns:a16="http://schemas.microsoft.com/office/drawing/2014/main" xmlns="" id="{B01203A9-CDB9-4F5C-AEE9-FE04DBE745CC}"/>
+                <a16:creationId xmlns="" xmlns:a16="http://schemas.microsoft.com/office/drawing/2014/main" id="{B01203A9-CDB9-4F5C-AEE9-FE04DBE745CC}"/>
               </a:ext>
             </a:extLst>
           </p:cNvPr>
@@ -29447,14 +29455,14 @@
           </a:ln>
           <a:extLst>
             <a:ext uri="{909E8E84-426E-40DD-AFC4-6F175D3DCCD1}">
-              <a14:hiddenFill xmlns:a14="http://schemas.microsoft.com/office/drawing/2010/main" xmlns="">
+              <a14:hiddenFill xmlns="" xmlns:a14="http://schemas.microsoft.com/office/drawing/2010/main">
                 <a:solidFill>
                   <a:srgbClr val="FFFFFF"/>
                 </a:solidFill>
               </a14:hiddenFill>
             </a:ext>
             <a:ext uri="{91240B29-F687-4F45-9708-019B960494DF}">
-              <a14:hiddenLine xmlns:a14="http://schemas.microsoft.com/office/drawing/2010/main" xmlns="" w="9525">
+              <a14:hiddenLine xmlns="" xmlns:a14="http://schemas.microsoft.com/office/drawing/2010/main" w="9525">
                 <a:solidFill>
                   <a:srgbClr val="000000"/>
                 </a:solidFill>
@@ -30061,7 +30069,7 @@
           <p:cNvPr id="48131" name="Rectangle 3">
             <a:extLst>
               <a:ext uri="{FF2B5EF4-FFF2-40B4-BE49-F238E27FC236}">
-                <a16:creationId xmlns:a16="http://schemas.microsoft.com/office/drawing/2014/main" xmlns="" id="{40F347B7-A425-4E17-9D46-846F0B89F0E0}"/>
+                <a16:creationId xmlns="" xmlns:a16="http://schemas.microsoft.com/office/drawing/2014/main" id="{40F347B7-A425-4E17-9D46-846F0B89F0E0}"/>
               </a:ext>
             </a:extLst>
           </p:cNvPr>
@@ -30460,7 +30468,7 @@
           <p:cNvPr id="4" name="Rectangle 2">
             <a:extLst>
               <a:ext uri="{FF2B5EF4-FFF2-40B4-BE49-F238E27FC236}">
-                <a16:creationId xmlns:a16="http://schemas.microsoft.com/office/drawing/2014/main" xmlns="" id="{BE320936-3058-4C2A-AFFC-E6F802101A51}"/>
+                <a16:creationId xmlns="" xmlns:a16="http://schemas.microsoft.com/office/drawing/2014/main" id="{BE320936-3058-4C2A-AFFC-E6F802101A51}"/>
               </a:ext>
             </a:extLst>
           </p:cNvPr>
@@ -30485,14 +30493,14 @@
           </a:ln>
           <a:extLst>
             <a:ext uri="{909E8E84-426E-40DD-AFC4-6F175D3DCCD1}">
-              <a14:hiddenFill xmlns:a14="http://schemas.microsoft.com/office/drawing/2010/main" xmlns="">
+              <a14:hiddenFill xmlns="" xmlns:a14="http://schemas.microsoft.com/office/drawing/2010/main">
                 <a:solidFill>
                   <a:srgbClr val="FFFFFF"/>
                 </a:solidFill>
               </a14:hiddenFill>
             </a:ext>
             <a:ext uri="{91240B29-F687-4F45-9708-019B960494DF}">
-              <a14:hiddenLine xmlns:a14="http://schemas.microsoft.com/office/drawing/2010/main" xmlns="" w="9525">
+              <a14:hiddenLine xmlns="" xmlns:a14="http://schemas.microsoft.com/office/drawing/2010/main" w="9525">
                 <a:solidFill>
                   <a:srgbClr val="000000"/>
                 </a:solidFill>
@@ -30728,7 +30736,7 @@
           <p:cNvPr id="49155" name="Rectangle 3">
             <a:extLst>
               <a:ext uri="{FF2B5EF4-FFF2-40B4-BE49-F238E27FC236}">
-                <a16:creationId xmlns:a16="http://schemas.microsoft.com/office/drawing/2014/main" xmlns="" id="{323A6C16-A943-4C2A-B356-5AE9C357DAAE}"/>
+                <a16:creationId xmlns="" xmlns:a16="http://schemas.microsoft.com/office/drawing/2014/main" id="{323A6C16-A943-4C2A-B356-5AE9C357DAAE}"/>
               </a:ext>
             </a:extLst>
           </p:cNvPr>
@@ -31031,7 +31039,7 @@
           <p:cNvPr id="4" name="Rectangle 2">
             <a:extLst>
               <a:ext uri="{FF2B5EF4-FFF2-40B4-BE49-F238E27FC236}">
-                <a16:creationId xmlns:a16="http://schemas.microsoft.com/office/drawing/2014/main" xmlns="" id="{7D9B6C8C-C58A-4CF5-A491-8701EA3C55C4}"/>
+                <a16:creationId xmlns="" xmlns:a16="http://schemas.microsoft.com/office/drawing/2014/main" id="{7D9B6C8C-C58A-4CF5-A491-8701EA3C55C4}"/>
               </a:ext>
             </a:extLst>
           </p:cNvPr>
@@ -31056,14 +31064,14 @@
           </a:ln>
           <a:extLst>
             <a:ext uri="{909E8E84-426E-40DD-AFC4-6F175D3DCCD1}">
-              <a14:hiddenFill xmlns:a14="http://schemas.microsoft.com/office/drawing/2010/main" xmlns="">
+              <a14:hiddenFill xmlns="" xmlns:a14="http://schemas.microsoft.com/office/drawing/2010/main">
                 <a:solidFill>
                   <a:srgbClr val="FFFFFF"/>
                 </a:solidFill>
               </a14:hiddenFill>
             </a:ext>
             <a:ext uri="{91240B29-F687-4F45-9708-019B960494DF}">
-              <a14:hiddenLine xmlns:a14="http://schemas.microsoft.com/office/drawing/2010/main" xmlns="" w="9525">
+              <a14:hiddenLine xmlns="" xmlns:a14="http://schemas.microsoft.com/office/drawing/2010/main" w="9525">
                 <a:solidFill>
                   <a:srgbClr val="000000"/>
                 </a:solidFill>
@@ -31299,7 +31307,7 @@
           <p:cNvPr id="14338" name="Rectangle 2">
             <a:extLst>
               <a:ext uri="{FF2B5EF4-FFF2-40B4-BE49-F238E27FC236}">
-                <a16:creationId xmlns:a16="http://schemas.microsoft.com/office/drawing/2014/main" xmlns="" id="{BB8D1BAE-0AFB-40C7-9AFF-52DA346B6F82}"/>
+                <a16:creationId xmlns="" xmlns:a16="http://schemas.microsoft.com/office/drawing/2014/main" id="{BB8D1BAE-0AFB-40C7-9AFF-52DA346B6F82}"/>
               </a:ext>
             </a:extLst>
           </p:cNvPr>
@@ -31349,7 +31357,7 @@
           <p:cNvPr id="14339" name="Rectangle 3">
             <a:extLst>
               <a:ext uri="{FF2B5EF4-FFF2-40B4-BE49-F238E27FC236}">
-                <a16:creationId xmlns:a16="http://schemas.microsoft.com/office/drawing/2014/main" xmlns="" id="{1BA9C175-3285-4D33-BC99-79BF8C7E17A7}"/>
+                <a16:creationId xmlns="" xmlns:a16="http://schemas.microsoft.com/office/drawing/2014/main" id="{1BA9C175-3285-4D33-BC99-79BF8C7E17A7}"/>
               </a:ext>
             </a:extLst>
           </p:cNvPr>
@@ -31455,7 +31463,7 @@
           <p:cNvPr id="14340" name="Picture 5" descr="understandsoap_01">
             <a:extLst>
               <a:ext uri="{FF2B5EF4-FFF2-40B4-BE49-F238E27FC236}">
-                <a16:creationId xmlns:a16="http://schemas.microsoft.com/office/drawing/2014/main" xmlns="" id="{3ABDEAEE-E9A5-4E55-B87E-7A3172013BCA}"/>
+                <a16:creationId xmlns="" xmlns:a16="http://schemas.microsoft.com/office/drawing/2014/main" id="{3ABDEAEE-E9A5-4E55-B87E-7A3172013BCA}"/>
               </a:ext>
             </a:extLst>
           </p:cNvPr>
@@ -31468,7 +31476,7 @@
           <a:blip r:embed="rId3" cstate="print">
             <a:extLst>
               <a:ext uri="{28A0092B-C50C-407E-A947-70E740481C1C}">
-                <a14:useLocalDpi xmlns:a14="http://schemas.microsoft.com/office/drawing/2010/main" xmlns="" val="0"/>
+                <a14:useLocalDpi xmlns="" xmlns:a14="http://schemas.microsoft.com/office/drawing/2010/main" val="0"/>
               </a:ext>
             </a:extLst>
           </a:blip>
@@ -31491,14 +31499,14 @@
           </a:ln>
           <a:extLst>
             <a:ext uri="{909E8E84-426E-40DD-AFC4-6F175D3DCCD1}">
-              <a14:hiddenFill xmlns:a14="http://schemas.microsoft.com/office/drawing/2010/main" xmlns="">
+              <a14:hiddenFill xmlns="" xmlns:a14="http://schemas.microsoft.com/office/drawing/2010/main">
                 <a:solidFill>
                   <a:srgbClr val="FFFFFF"/>
                 </a:solidFill>
               </a14:hiddenFill>
             </a:ext>
             <a:ext uri="{91240B29-F687-4F45-9708-019B960494DF}">
-              <a14:hiddenLine xmlns:a14="http://schemas.microsoft.com/office/drawing/2010/main" xmlns="" w="9525">
+              <a14:hiddenLine xmlns="" xmlns:a14="http://schemas.microsoft.com/office/drawing/2010/main" w="9525">
                 <a:solidFill>
                   <a:srgbClr val="000000"/>
                 </a:solidFill>
@@ -31515,7 +31523,7 @@
           <p:cNvPr id="14341" name="Rectangle 2">
             <a:extLst>
               <a:ext uri="{FF2B5EF4-FFF2-40B4-BE49-F238E27FC236}">
-                <a16:creationId xmlns:a16="http://schemas.microsoft.com/office/drawing/2014/main" xmlns="" id="{F2AE1492-6883-4FBB-AB3C-BE705048BF53}"/>
+                <a16:creationId xmlns="" xmlns:a16="http://schemas.microsoft.com/office/drawing/2014/main" id="{F2AE1492-6883-4FBB-AB3C-BE705048BF53}"/>
               </a:ext>
             </a:extLst>
           </p:cNvPr>
@@ -31538,14 +31546,14 @@
           </a:ln>
           <a:extLst>
             <a:ext uri="{909E8E84-426E-40DD-AFC4-6F175D3DCCD1}">
-              <a14:hiddenFill xmlns:a14="http://schemas.microsoft.com/office/drawing/2010/main" xmlns="">
+              <a14:hiddenFill xmlns="" xmlns:a14="http://schemas.microsoft.com/office/drawing/2010/main">
                 <a:solidFill>
                   <a:srgbClr val="FFFFFF"/>
                 </a:solidFill>
               </a14:hiddenFill>
             </a:ext>
             <a:ext uri="{91240B29-F687-4F45-9708-019B960494DF}">
-              <a14:hiddenLine xmlns:a14="http://schemas.microsoft.com/office/drawing/2010/main" xmlns="" w="9525">
+              <a14:hiddenLine xmlns="" xmlns:a14="http://schemas.microsoft.com/office/drawing/2010/main" w="9525">
                 <a:solidFill>
                   <a:srgbClr val="000000"/>
                 </a:solidFill>
@@ -31793,7 +31801,7 @@
           <p:cNvPr id="16386" name="Rectangle 2">
             <a:extLst>
               <a:ext uri="{FF2B5EF4-FFF2-40B4-BE49-F238E27FC236}">
-                <a16:creationId xmlns:a16="http://schemas.microsoft.com/office/drawing/2014/main" xmlns="" id="{9BF907B1-7E83-4E0E-9F43-1CD07B30E45F}"/>
+                <a16:creationId xmlns="" xmlns:a16="http://schemas.microsoft.com/office/drawing/2014/main" id="{9BF907B1-7E83-4E0E-9F43-1CD07B30E45F}"/>
               </a:ext>
             </a:extLst>
           </p:cNvPr>
@@ -31832,7 +31840,7 @@
           <p:cNvPr id="16387" name="Rectangle 3">
             <a:extLst>
               <a:ext uri="{FF2B5EF4-FFF2-40B4-BE49-F238E27FC236}">
-                <a16:creationId xmlns:a16="http://schemas.microsoft.com/office/drawing/2014/main" xmlns="" id="{E6DB7159-D786-486E-8D75-CBFC284FC348}"/>
+                <a16:creationId xmlns="" xmlns:a16="http://schemas.microsoft.com/office/drawing/2014/main" id="{E6DB7159-D786-486E-8D75-CBFC284FC348}"/>
               </a:ext>
             </a:extLst>
           </p:cNvPr>
@@ -31926,7 +31934,7 @@
           <p:cNvPr id="16388" name="Rectangle 2">
             <a:extLst>
               <a:ext uri="{FF2B5EF4-FFF2-40B4-BE49-F238E27FC236}">
-                <a16:creationId xmlns:a16="http://schemas.microsoft.com/office/drawing/2014/main" xmlns="" id="{AE4142D1-FBA4-4ABD-80D5-D4F905F1D53E}"/>
+                <a16:creationId xmlns="" xmlns:a16="http://schemas.microsoft.com/office/drawing/2014/main" id="{AE4142D1-FBA4-4ABD-80D5-D4F905F1D53E}"/>
               </a:ext>
             </a:extLst>
           </p:cNvPr>
@@ -31949,14 +31957,14 @@
           </a:ln>
           <a:extLst>
             <a:ext uri="{909E8E84-426E-40DD-AFC4-6F175D3DCCD1}">
-              <a14:hiddenFill xmlns:a14="http://schemas.microsoft.com/office/drawing/2010/main" xmlns="">
+              <a14:hiddenFill xmlns="" xmlns:a14="http://schemas.microsoft.com/office/drawing/2010/main">
                 <a:solidFill>
                   <a:srgbClr val="FFFFFF"/>
                 </a:solidFill>
               </a14:hiddenFill>
             </a:ext>
             <a:ext uri="{91240B29-F687-4F45-9708-019B960494DF}">
-              <a14:hiddenLine xmlns:a14="http://schemas.microsoft.com/office/drawing/2010/main" xmlns="" w="9525">
+              <a14:hiddenLine xmlns="" xmlns:a14="http://schemas.microsoft.com/office/drawing/2010/main" w="9525">
                 <a:solidFill>
                   <a:srgbClr val="000000"/>
                 </a:solidFill>
@@ -32204,7 +32212,7 @@
           <p:cNvPr id="18434" name="Rectangle 2">
             <a:extLst>
               <a:ext uri="{FF2B5EF4-FFF2-40B4-BE49-F238E27FC236}">
-                <a16:creationId xmlns:a16="http://schemas.microsoft.com/office/drawing/2014/main" xmlns="" id="{CCEB4362-9081-4C4B-9234-DDBAA15A9081}"/>
+                <a16:creationId xmlns="" xmlns:a16="http://schemas.microsoft.com/office/drawing/2014/main" id="{CCEB4362-9081-4C4B-9234-DDBAA15A9081}"/>
               </a:ext>
             </a:extLst>
           </p:cNvPr>
@@ -32244,7 +32252,7 @@
           <p:cNvPr id="12291" name="Rectangle 3">
             <a:extLst>
               <a:ext uri="{FF2B5EF4-FFF2-40B4-BE49-F238E27FC236}">
-                <a16:creationId xmlns:a16="http://schemas.microsoft.com/office/drawing/2014/main" xmlns="" id="{098EE028-01F1-48D8-854C-7BBA6586008D}"/>
+                <a16:creationId xmlns="" xmlns:a16="http://schemas.microsoft.com/office/drawing/2014/main" id="{098EE028-01F1-48D8-854C-7BBA6586008D}"/>
               </a:ext>
             </a:extLst>
           </p:cNvPr>
@@ -32445,7 +32453,7 @@
           <p:cNvPr id="18436" name="Rectangle 2">
             <a:extLst>
               <a:ext uri="{FF2B5EF4-FFF2-40B4-BE49-F238E27FC236}">
-                <a16:creationId xmlns:a16="http://schemas.microsoft.com/office/drawing/2014/main" xmlns="" id="{7B1AEB23-40EC-40A4-8FA8-6532E0E6D4B7}"/>
+                <a16:creationId xmlns="" xmlns:a16="http://schemas.microsoft.com/office/drawing/2014/main" id="{7B1AEB23-40EC-40A4-8FA8-6532E0E6D4B7}"/>
               </a:ext>
             </a:extLst>
           </p:cNvPr>
@@ -32468,14 +32476,14 @@
           </a:ln>
           <a:extLst>
             <a:ext uri="{909E8E84-426E-40DD-AFC4-6F175D3DCCD1}">
-              <a14:hiddenFill xmlns:a14="http://schemas.microsoft.com/office/drawing/2010/main" xmlns="">
+              <a14:hiddenFill xmlns="" xmlns:a14="http://schemas.microsoft.com/office/drawing/2010/main">
                 <a:solidFill>
                   <a:srgbClr val="FFFFFF"/>
                 </a:solidFill>
               </a14:hiddenFill>
             </a:ext>
             <a:ext uri="{91240B29-F687-4F45-9708-019B960494DF}">
-              <a14:hiddenLine xmlns:a14="http://schemas.microsoft.com/office/drawing/2010/main" xmlns="" w="9525">
+              <a14:hiddenLine xmlns="" xmlns:a14="http://schemas.microsoft.com/office/drawing/2010/main" w="9525">
                 <a:solidFill>
                   <a:srgbClr val="000000"/>
                 </a:solidFill>
@@ -32723,7 +32731,7 @@
           <p:cNvPr id="20482" name="Rectangle 2">
             <a:extLst>
               <a:ext uri="{FF2B5EF4-FFF2-40B4-BE49-F238E27FC236}">
-                <a16:creationId xmlns:a16="http://schemas.microsoft.com/office/drawing/2014/main" xmlns="" id="{043C9DD0-88BD-45D9-A544-76B377250DAC}"/>
+                <a16:creationId xmlns="" xmlns:a16="http://schemas.microsoft.com/office/drawing/2014/main" id="{043C9DD0-88BD-45D9-A544-76B377250DAC}"/>
               </a:ext>
             </a:extLst>
           </p:cNvPr>
@@ -32773,7 +32781,7 @@
           <p:cNvPr id="20483" name="内容占位符 4">
             <a:extLst>
               <a:ext uri="{FF2B5EF4-FFF2-40B4-BE49-F238E27FC236}">
-                <a16:creationId xmlns:a16="http://schemas.microsoft.com/office/drawing/2014/main" xmlns="" id="{DE998FC8-94E4-40B0-BEF2-4D48CF190656}"/>
+                <a16:creationId xmlns="" xmlns:a16="http://schemas.microsoft.com/office/drawing/2014/main" id="{DE998FC8-94E4-40B0-BEF2-4D48CF190656}"/>
               </a:ext>
             </a:extLst>
           </p:cNvPr>
@@ -32813,7 +32821,7 @@
           <p:cNvPr id="20484" name="Picture 4" descr="messagetree">
             <a:extLst>
               <a:ext uri="{FF2B5EF4-FFF2-40B4-BE49-F238E27FC236}">
-                <a16:creationId xmlns:a16="http://schemas.microsoft.com/office/drawing/2014/main" xmlns="" id="{4D1AE2B7-0E9F-4EA6-B7A0-613FCACCC289}"/>
+                <a16:creationId xmlns="" xmlns:a16="http://schemas.microsoft.com/office/drawing/2014/main" id="{4D1AE2B7-0E9F-4EA6-B7A0-613FCACCC289}"/>
               </a:ext>
             </a:extLst>
           </p:cNvPr>
@@ -32826,7 +32834,7 @@
           <a:blip r:embed="rId3" cstate="print">
             <a:extLst>
               <a:ext uri="{28A0092B-C50C-407E-A947-70E740481C1C}">
-                <a14:useLocalDpi xmlns:a14="http://schemas.microsoft.com/office/drawing/2010/main" xmlns="" val="0"/>
+                <a14:useLocalDpi xmlns="" xmlns:a14="http://schemas.microsoft.com/office/drawing/2010/main" val="0"/>
               </a:ext>
             </a:extLst>
           </a:blip>
@@ -32849,14 +32857,14 @@
           </a:ln>
           <a:extLst>
             <a:ext uri="{909E8E84-426E-40DD-AFC4-6F175D3DCCD1}">
-              <a14:hiddenFill xmlns:a14="http://schemas.microsoft.com/office/drawing/2010/main" xmlns="">
+              <a14:hiddenFill xmlns="" xmlns:a14="http://schemas.microsoft.com/office/drawing/2010/main">
                 <a:solidFill>
                   <a:srgbClr val="FFFFFF"/>
                 </a:solidFill>
               </a14:hiddenFill>
             </a:ext>
             <a:ext uri="{91240B29-F687-4F45-9708-019B960494DF}">
-              <a14:hiddenLine xmlns:a14="http://schemas.microsoft.com/office/drawing/2010/main" xmlns="" w="9525">
+              <a14:hiddenLine xmlns="" xmlns:a14="http://schemas.microsoft.com/office/drawing/2010/main" w="9525">
                 <a:solidFill>
                   <a:srgbClr val="000000"/>
                 </a:solidFill>
@@ -32874,7 +32882,7 @@
           <p:cNvPr id="20485" name="Rectangle 2">
             <a:extLst>
               <a:ext uri="{FF2B5EF4-FFF2-40B4-BE49-F238E27FC236}">
-                <a16:creationId xmlns:a16="http://schemas.microsoft.com/office/drawing/2014/main" xmlns="" id="{B33FE4F8-D946-4283-B42C-0C809ECADD7D}"/>
+                <a16:creationId xmlns="" xmlns:a16="http://schemas.microsoft.com/office/drawing/2014/main" id="{B33FE4F8-D946-4283-B42C-0C809ECADD7D}"/>
               </a:ext>
             </a:extLst>
           </p:cNvPr>
@@ -32897,14 +32905,14 @@
           </a:ln>
           <a:extLst>
             <a:ext uri="{909E8E84-426E-40DD-AFC4-6F175D3DCCD1}">
-              <a14:hiddenFill xmlns:a14="http://schemas.microsoft.com/office/drawing/2010/main" xmlns="">
+              <a14:hiddenFill xmlns="" xmlns:a14="http://schemas.microsoft.com/office/drawing/2010/main">
                 <a:solidFill>
                   <a:srgbClr val="FFFFFF"/>
                 </a:solidFill>
               </a14:hiddenFill>
             </a:ext>
             <a:ext uri="{91240B29-F687-4F45-9708-019B960494DF}">
-              <a14:hiddenLine xmlns:a14="http://schemas.microsoft.com/office/drawing/2010/main" xmlns="" w="9525">
+              <a14:hiddenLine xmlns="" xmlns:a14="http://schemas.microsoft.com/office/drawing/2010/main" w="9525">
                 <a:solidFill>
                   <a:srgbClr val="000000"/>
                 </a:solidFill>
@@ -33152,7 +33160,7 @@
           <p:cNvPr id="22530" name="Rectangle 2">
             <a:extLst>
               <a:ext uri="{FF2B5EF4-FFF2-40B4-BE49-F238E27FC236}">
-                <a16:creationId xmlns:a16="http://schemas.microsoft.com/office/drawing/2014/main" xmlns="" id="{AF5C8363-9E4A-46A8-90C4-44F37C7F2CE0}"/>
+                <a16:creationId xmlns="" xmlns:a16="http://schemas.microsoft.com/office/drawing/2014/main" id="{AF5C8363-9E4A-46A8-90C4-44F37C7F2CE0}"/>
               </a:ext>
             </a:extLst>
           </p:cNvPr>
@@ -33202,7 +33210,7 @@
           <p:cNvPr id="22531" name="Rectangle 3">
             <a:extLst>
               <a:ext uri="{FF2B5EF4-FFF2-40B4-BE49-F238E27FC236}">
-                <a16:creationId xmlns:a16="http://schemas.microsoft.com/office/drawing/2014/main" xmlns="" id="{607B6175-AF85-4623-B2AB-0F97D954D105}"/>
+                <a16:creationId xmlns="" xmlns:a16="http://schemas.microsoft.com/office/drawing/2014/main" id="{607B6175-AF85-4623-B2AB-0F97D954D105}"/>
               </a:ext>
             </a:extLst>
           </p:cNvPr>
@@ -33404,7 +33412,7 @@
           <p:cNvPr id="22532" name="Rectangle 2">
             <a:extLst>
               <a:ext uri="{FF2B5EF4-FFF2-40B4-BE49-F238E27FC236}">
-                <a16:creationId xmlns:a16="http://schemas.microsoft.com/office/drawing/2014/main" xmlns="" id="{9093A691-4F18-4FFC-A1D1-D15C86044399}"/>
+                <a16:creationId xmlns="" xmlns:a16="http://schemas.microsoft.com/office/drawing/2014/main" id="{9093A691-4F18-4FFC-A1D1-D15C86044399}"/>
               </a:ext>
             </a:extLst>
           </p:cNvPr>
@@ -33427,14 +33435,14 @@
           </a:ln>
           <a:extLst>
             <a:ext uri="{909E8E84-426E-40DD-AFC4-6F175D3DCCD1}">
-              <a14:hiddenFill xmlns:a14="http://schemas.microsoft.com/office/drawing/2010/main" xmlns="">
+              <a14:hiddenFill xmlns="" xmlns:a14="http://schemas.microsoft.com/office/drawing/2010/main">
                 <a:solidFill>
                   <a:srgbClr val="FFFFFF"/>
                 </a:solidFill>
               </a14:hiddenFill>
             </a:ext>
             <a:ext uri="{91240B29-F687-4F45-9708-019B960494DF}">
-              <a14:hiddenLine xmlns:a14="http://schemas.microsoft.com/office/drawing/2010/main" xmlns="" w="9525">
+              <a14:hiddenLine xmlns="" xmlns:a14="http://schemas.microsoft.com/office/drawing/2010/main" w="9525">
                 <a:solidFill>
                   <a:srgbClr val="000000"/>
                 </a:solidFill>
@@ -33915,7 +33923,7 @@
   <a:extraClrSchemeLst/>
   <a:extLst>
     <a:ext uri="{05A4C25C-085E-4340-85A3-A5531E510DB2}">
-      <thm15:themeFamily xmlns:thm15="http://schemas.microsoft.com/office/thememl/2012/main" xmlns="" name="主题2" id="{C2C65BB6-74FE-42CA-BDA1-B35879356DD3}" vid="{6B62EFA2-E00C-4182-B87F-ADEFB57CF4D9}"/>
+      <thm15:themeFamily xmlns="" xmlns:thm15="http://schemas.microsoft.com/office/thememl/2012/main" name="主题2" id="{C2C65BB6-74FE-42CA-BDA1-B35879356DD3}" vid="{6B62EFA2-E00C-4182-B87F-ADEFB57CF4D9}"/>
     </a:ext>
   </a:extLst>
 </a:theme>
@@ -34210,7 +34218,7 @@
   <a:extraClrSchemeLst/>
   <a:extLst>
     <a:ext uri="{05A4C25C-085E-4340-85A3-A5531E510DB2}">
-      <thm15:themeFamily xmlns:thm15="http://schemas.microsoft.com/office/thememl/2012/main" xmlns="" name="Office Theme" id="{62F939B6-93AF-4DB8-9C6B-D6C7DFDC589F}" vid="{4A3C46E8-61CC-4603-A589-7422A47A8E4A}"/>
+      <thm15:themeFamily xmlns="" xmlns:thm15="http://schemas.microsoft.com/office/thememl/2012/main" name="Office Theme" id="{62F939B6-93AF-4DB8-9C6B-D6C7DFDC589F}" vid="{4A3C46E8-61CC-4603-A589-7422A47A8E4A}"/>
     </a:ext>
   </a:extLst>
 </a:theme>
